--- a/trabalho 4/apresentacao.pptx
+++ b/trabalho 4/apresentacao.pptx
@@ -1,32 +1,127 @@
 
 <file path=ppt/presentation.xml><?xml version="1.0" encoding="utf-8"?>
-<p:presentation xmlns:a="http://schemas.openxmlformats.org/drawingml/2006/main" xmlns:p="http://schemas.openxmlformats.org/presentationml/2006/main" xmlns:r="http://schemas.openxmlformats.org/officeDocument/2006/relationships">
+<p:presentation xmlns:a="http://schemas.openxmlformats.org/drawingml/2006/main" xmlns:r="http://schemas.openxmlformats.org/officeDocument/2006/relationships" xmlns:p="http://schemas.openxmlformats.org/presentationml/2006/main">
   <p:sldMasterIdLst>
-    <p:sldMasterId id="2147483648" r:id="rId2"/>
-    <p:sldMasterId id="2147483661" r:id="rId3"/>
-    <p:sldMasterId id="2147483674" r:id="rId4"/>
+    <p:sldMasterId id="2147483648" r:id="rId1"/>
+    <p:sldMasterId id="2147483661" r:id="rId2"/>
+    <p:sldMasterId id="2147483674" r:id="rId3"/>
   </p:sldMasterIdLst>
   <p:sldIdLst>
-    <p:sldId id="256" r:id="rId5"/>
-    <p:sldId id="257" r:id="rId6"/>
-    <p:sldId id="258" r:id="rId7"/>
-    <p:sldId id="259" r:id="rId8"/>
-    <p:sldId id="260" r:id="rId9"/>
-    <p:sldId id="261" r:id="rId10"/>
-    <p:sldId id="262" r:id="rId11"/>
-    <p:sldId id="263" r:id="rId12"/>
-    <p:sldId id="264" r:id="rId13"/>
-    <p:sldId id="265" r:id="rId14"/>
-    <p:sldId id="266" r:id="rId15"/>
-    <p:sldId id="267" r:id="rId16"/>
+    <p:sldId id="256" r:id="rId4"/>
+    <p:sldId id="257" r:id="rId5"/>
+    <p:sldId id="258" r:id="rId6"/>
+    <p:sldId id="259" r:id="rId7"/>
+    <p:sldId id="260" r:id="rId8"/>
+    <p:sldId id="261" r:id="rId9"/>
+    <p:sldId id="262" r:id="rId10"/>
+    <p:sldId id="263" r:id="rId11"/>
+    <p:sldId id="264" r:id="rId12"/>
+    <p:sldId id="265" r:id="rId13"/>
+    <p:sldId id="266" r:id="rId14"/>
+    <p:sldId id="267" r:id="rId15"/>
   </p:sldIdLst>
   <p:sldSz cx="10080625" cy="7559675"/>
-  <p:notesSz cx="7559675" cy="10691812"/>
+  <p:notesSz cx="7559675" cy="10691813"/>
+  <p:defaultTextStyle>
+    <a:defPPr>
+      <a:defRPr lang="pt-BR"/>
+    </a:defPPr>
+    <a:lvl1pPr marL="0" algn="l" defTabSz="914400" rtl="0" eaLnBrk="1" latinLnBrk="0" hangingPunct="1">
+      <a:defRPr sz="1800" kern="1200">
+        <a:solidFill>
+          <a:schemeClr val="tx1"/>
+        </a:solidFill>
+        <a:latin typeface="+mn-lt"/>
+        <a:ea typeface="+mn-ea"/>
+        <a:cs typeface="+mn-cs"/>
+      </a:defRPr>
+    </a:lvl1pPr>
+    <a:lvl2pPr marL="457200" algn="l" defTabSz="914400" rtl="0" eaLnBrk="1" latinLnBrk="0" hangingPunct="1">
+      <a:defRPr sz="1800" kern="1200">
+        <a:solidFill>
+          <a:schemeClr val="tx1"/>
+        </a:solidFill>
+        <a:latin typeface="+mn-lt"/>
+        <a:ea typeface="+mn-ea"/>
+        <a:cs typeface="+mn-cs"/>
+      </a:defRPr>
+    </a:lvl2pPr>
+    <a:lvl3pPr marL="914400" algn="l" defTabSz="914400" rtl="0" eaLnBrk="1" latinLnBrk="0" hangingPunct="1">
+      <a:defRPr sz="1800" kern="1200">
+        <a:solidFill>
+          <a:schemeClr val="tx1"/>
+        </a:solidFill>
+        <a:latin typeface="+mn-lt"/>
+        <a:ea typeface="+mn-ea"/>
+        <a:cs typeface="+mn-cs"/>
+      </a:defRPr>
+    </a:lvl3pPr>
+    <a:lvl4pPr marL="1371600" algn="l" defTabSz="914400" rtl="0" eaLnBrk="1" latinLnBrk="0" hangingPunct="1">
+      <a:defRPr sz="1800" kern="1200">
+        <a:solidFill>
+          <a:schemeClr val="tx1"/>
+        </a:solidFill>
+        <a:latin typeface="+mn-lt"/>
+        <a:ea typeface="+mn-ea"/>
+        <a:cs typeface="+mn-cs"/>
+      </a:defRPr>
+    </a:lvl4pPr>
+    <a:lvl5pPr marL="1828800" algn="l" defTabSz="914400" rtl="0" eaLnBrk="1" latinLnBrk="0" hangingPunct="1">
+      <a:defRPr sz="1800" kern="1200">
+        <a:solidFill>
+          <a:schemeClr val="tx1"/>
+        </a:solidFill>
+        <a:latin typeface="+mn-lt"/>
+        <a:ea typeface="+mn-ea"/>
+        <a:cs typeface="+mn-cs"/>
+      </a:defRPr>
+    </a:lvl5pPr>
+    <a:lvl6pPr marL="2286000" algn="l" defTabSz="914400" rtl="0" eaLnBrk="1" latinLnBrk="0" hangingPunct="1">
+      <a:defRPr sz="1800" kern="1200">
+        <a:solidFill>
+          <a:schemeClr val="tx1"/>
+        </a:solidFill>
+        <a:latin typeface="+mn-lt"/>
+        <a:ea typeface="+mn-ea"/>
+        <a:cs typeface="+mn-cs"/>
+      </a:defRPr>
+    </a:lvl6pPr>
+    <a:lvl7pPr marL="2743200" algn="l" defTabSz="914400" rtl="0" eaLnBrk="1" latinLnBrk="0" hangingPunct="1">
+      <a:defRPr sz="1800" kern="1200">
+        <a:solidFill>
+          <a:schemeClr val="tx1"/>
+        </a:solidFill>
+        <a:latin typeface="+mn-lt"/>
+        <a:ea typeface="+mn-ea"/>
+        <a:cs typeface="+mn-cs"/>
+      </a:defRPr>
+    </a:lvl7pPr>
+    <a:lvl8pPr marL="3200400" algn="l" defTabSz="914400" rtl="0" eaLnBrk="1" latinLnBrk="0" hangingPunct="1">
+      <a:defRPr sz="1800" kern="1200">
+        <a:solidFill>
+          <a:schemeClr val="tx1"/>
+        </a:solidFill>
+        <a:latin typeface="+mn-lt"/>
+        <a:ea typeface="+mn-ea"/>
+        <a:cs typeface="+mn-cs"/>
+      </a:defRPr>
+    </a:lvl8pPr>
+    <a:lvl9pPr marL="3657600" algn="l" defTabSz="914400" rtl="0" eaLnBrk="1" latinLnBrk="0" hangingPunct="1">
+      <a:defRPr sz="1800" kern="1200">
+        <a:solidFill>
+          <a:schemeClr val="tx1"/>
+        </a:solidFill>
+        <a:latin typeface="+mn-lt"/>
+        <a:ea typeface="+mn-ea"/>
+        <a:cs typeface="+mn-cs"/>
+      </a:defRPr>
+    </a:lvl9pPr>
+  </p:defaultTextStyle>
 </p:presentation>
 </file>
 
 <file path=ppt/slideLayouts/slideLayout1.xml><?xml version="1.0" encoding="utf-8"?>
-<p:sldLayout xmlns:a="http://schemas.openxmlformats.org/drawingml/2006/main" xmlns:p="http://schemas.openxmlformats.org/presentationml/2006/main" xmlns:r="http://schemas.openxmlformats.org/officeDocument/2006/relationships" type="blank" preserve="1">
+<p:sldLayout xmlns:a="http://schemas.openxmlformats.org/drawingml/2006/main" xmlns:r="http://schemas.openxmlformats.org/officeDocument/2006/relationships" xmlns:p="http://schemas.openxmlformats.org/presentationml/2006/main" type="blank" preserve="1">
   <p:cSld name="Blank Slide">
     <p:spTree>
       <p:nvGrpSpPr>
@@ -44,11 +139,14 @@
       </p:grpSpPr>
     </p:spTree>
   </p:cSld>
+  <p:clrMapOvr>
+    <a:masterClrMapping/>
+  </p:clrMapOvr>
 </p:sldLayout>
 </file>
 
 <file path=ppt/slideLayouts/slideLayout10.xml><?xml version="1.0" encoding="utf-8"?>
-<p:sldLayout xmlns:a="http://schemas.openxmlformats.org/drawingml/2006/main" xmlns:p="http://schemas.openxmlformats.org/presentationml/2006/main" xmlns:r="http://schemas.openxmlformats.org/officeDocument/2006/relationships" type="objOverTx" preserve="1">
+<p:sldLayout xmlns:a="http://schemas.openxmlformats.org/drawingml/2006/main" xmlns:r="http://schemas.openxmlformats.org/officeDocument/2006/relationships" xmlns:p="http://schemas.openxmlformats.org/presentationml/2006/main" type="objOverTx" preserve="1">
   <p:cSld name="Title, Content over Content">
     <p:spTree>
       <p:nvGrpSpPr>
@@ -84,15 +182,16 @@
           </a:prstGeom>
         </p:spPr>
         <p:txBody>
-          <a:bodyPr lIns="0" rIns="0" tIns="0" bIns="0" anchor="ctr"/>
-          <a:p>
-            <a:endParaRPr lang="pt-BR" sz="1979" spc="-1" strike="noStrike">
-              <a:solidFill>
-                <a:srgbClr val="000000"/>
-              </a:solidFill>
-              <a:uFill>
-                <a:solidFill>
-                  <a:srgbClr val="ffffff"/>
+          <a:bodyPr lIns="0" tIns="0" rIns="0" bIns="0" anchor="ctr"/>
+          <a:lstStyle/>
+          <a:p>
+            <a:endParaRPr lang="pt-BR" sz="1979" strike="noStrike" spc="-1">
+              <a:solidFill>
+                <a:srgbClr val="000000"/>
+              </a:solidFill>
+              <a:uFill>
+                <a:solidFill>
+                  <a:srgbClr val="FFFFFF"/>
                 </a:solidFill>
               </a:uFill>
               <a:latin typeface="Arial"/>
@@ -120,15 +219,16 @@
           </a:prstGeom>
         </p:spPr>
         <p:txBody>
-          <a:bodyPr lIns="0" rIns="0" tIns="0" bIns="0"/>
-          <a:p>
-            <a:endParaRPr lang="pt-BR" sz="1979" spc="-1" strike="noStrike">
-              <a:solidFill>
-                <a:srgbClr val="000000"/>
-              </a:solidFill>
-              <a:uFill>
-                <a:solidFill>
-                  <a:srgbClr val="ffffff"/>
+          <a:bodyPr lIns="0" tIns="0" rIns="0" bIns="0"/>
+          <a:lstStyle/>
+          <a:p>
+            <a:endParaRPr lang="pt-BR" sz="1979" strike="noStrike" spc="-1">
+              <a:solidFill>
+                <a:srgbClr val="000000"/>
+              </a:solidFill>
+              <a:uFill>
+                <a:solidFill>
+                  <a:srgbClr val="FFFFFF"/>
                 </a:solidFill>
               </a:uFill>
               <a:latin typeface="Arial"/>
@@ -156,15 +256,16 @@
           </a:prstGeom>
         </p:spPr>
         <p:txBody>
-          <a:bodyPr lIns="0" rIns="0" tIns="0" bIns="0"/>
-          <a:p>
-            <a:endParaRPr lang="pt-BR" sz="1979" spc="-1" strike="noStrike">
-              <a:solidFill>
-                <a:srgbClr val="000000"/>
-              </a:solidFill>
-              <a:uFill>
-                <a:solidFill>
-                  <a:srgbClr val="ffffff"/>
+          <a:bodyPr lIns="0" tIns="0" rIns="0" bIns="0"/>
+          <a:lstStyle/>
+          <a:p>
+            <a:endParaRPr lang="pt-BR" sz="1979" strike="noStrike" spc="-1">
+              <a:solidFill>
+                <a:srgbClr val="000000"/>
+              </a:solidFill>
+              <a:uFill>
+                <a:solidFill>
+                  <a:srgbClr val="FFFFFF"/>
                 </a:solidFill>
               </a:uFill>
               <a:latin typeface="Arial"/>
@@ -174,11 +275,14 @@
       </p:sp>
     </p:spTree>
   </p:cSld>
+  <p:clrMapOvr>
+    <a:masterClrMapping/>
+  </p:clrMapOvr>
 </p:sldLayout>
 </file>
 
 <file path=ppt/slideLayouts/slideLayout11.xml><?xml version="1.0" encoding="utf-8"?>
-<p:sldLayout xmlns:a="http://schemas.openxmlformats.org/drawingml/2006/main" xmlns:p="http://schemas.openxmlformats.org/presentationml/2006/main" xmlns:r="http://schemas.openxmlformats.org/officeDocument/2006/relationships" type="fourObj" preserve="1">
+<p:sldLayout xmlns:a="http://schemas.openxmlformats.org/drawingml/2006/main" xmlns:r="http://schemas.openxmlformats.org/officeDocument/2006/relationships" xmlns:p="http://schemas.openxmlformats.org/presentationml/2006/main" type="fourObj" preserve="1">
   <p:cSld name="Title, 4 Content">
     <p:spTree>
       <p:nvGrpSpPr>
@@ -214,15 +318,16 @@
           </a:prstGeom>
         </p:spPr>
         <p:txBody>
-          <a:bodyPr lIns="0" rIns="0" tIns="0" bIns="0" anchor="ctr"/>
-          <a:p>
-            <a:endParaRPr lang="pt-BR" sz="1979" spc="-1" strike="noStrike">
-              <a:solidFill>
-                <a:srgbClr val="000000"/>
-              </a:solidFill>
-              <a:uFill>
-                <a:solidFill>
-                  <a:srgbClr val="ffffff"/>
+          <a:bodyPr lIns="0" tIns="0" rIns="0" bIns="0" anchor="ctr"/>
+          <a:lstStyle/>
+          <a:p>
+            <a:endParaRPr lang="pt-BR" sz="1979" strike="noStrike" spc="-1">
+              <a:solidFill>
+                <a:srgbClr val="000000"/>
+              </a:solidFill>
+              <a:uFill>
+                <a:solidFill>
+                  <a:srgbClr val="FFFFFF"/>
                 </a:solidFill>
               </a:uFill>
               <a:latin typeface="Arial"/>
@@ -250,15 +355,16 @@
           </a:prstGeom>
         </p:spPr>
         <p:txBody>
-          <a:bodyPr lIns="0" rIns="0" tIns="0" bIns="0"/>
-          <a:p>
-            <a:endParaRPr lang="pt-BR" sz="1979" spc="-1" strike="noStrike">
-              <a:solidFill>
-                <a:srgbClr val="000000"/>
-              </a:solidFill>
-              <a:uFill>
-                <a:solidFill>
-                  <a:srgbClr val="ffffff"/>
+          <a:bodyPr lIns="0" tIns="0" rIns="0" bIns="0"/>
+          <a:lstStyle/>
+          <a:p>
+            <a:endParaRPr lang="pt-BR" sz="1979" strike="noStrike" spc="-1">
+              <a:solidFill>
+                <a:srgbClr val="000000"/>
+              </a:solidFill>
+              <a:uFill>
+                <a:solidFill>
+                  <a:srgbClr val="FFFFFF"/>
                 </a:solidFill>
               </a:uFill>
               <a:latin typeface="Arial"/>
@@ -286,15 +392,16 @@
           </a:prstGeom>
         </p:spPr>
         <p:txBody>
-          <a:bodyPr lIns="0" rIns="0" tIns="0" bIns="0"/>
-          <a:p>
-            <a:endParaRPr lang="pt-BR" sz="1979" spc="-1" strike="noStrike">
-              <a:solidFill>
-                <a:srgbClr val="000000"/>
-              </a:solidFill>
-              <a:uFill>
-                <a:solidFill>
-                  <a:srgbClr val="ffffff"/>
+          <a:bodyPr lIns="0" tIns="0" rIns="0" bIns="0"/>
+          <a:lstStyle/>
+          <a:p>
+            <a:endParaRPr lang="pt-BR" sz="1979" strike="noStrike" spc="-1">
+              <a:solidFill>
+                <a:srgbClr val="000000"/>
+              </a:solidFill>
+              <a:uFill>
+                <a:solidFill>
+                  <a:srgbClr val="FFFFFF"/>
                 </a:solidFill>
               </a:uFill>
               <a:latin typeface="Arial"/>
@@ -322,15 +429,16 @@
           </a:prstGeom>
         </p:spPr>
         <p:txBody>
-          <a:bodyPr lIns="0" rIns="0" tIns="0" bIns="0"/>
-          <a:p>
-            <a:endParaRPr lang="pt-BR" sz="1979" spc="-1" strike="noStrike">
-              <a:solidFill>
-                <a:srgbClr val="000000"/>
-              </a:solidFill>
-              <a:uFill>
-                <a:solidFill>
-                  <a:srgbClr val="ffffff"/>
+          <a:bodyPr lIns="0" tIns="0" rIns="0" bIns="0"/>
+          <a:lstStyle/>
+          <a:p>
+            <a:endParaRPr lang="pt-BR" sz="1979" strike="noStrike" spc="-1">
+              <a:solidFill>
+                <a:srgbClr val="000000"/>
+              </a:solidFill>
+              <a:uFill>
+                <a:solidFill>
+                  <a:srgbClr val="FFFFFF"/>
                 </a:solidFill>
               </a:uFill>
               <a:latin typeface="Arial"/>
@@ -358,15 +466,16 @@
           </a:prstGeom>
         </p:spPr>
         <p:txBody>
-          <a:bodyPr lIns="0" rIns="0" tIns="0" bIns="0"/>
-          <a:p>
-            <a:endParaRPr lang="pt-BR" sz="1979" spc="-1" strike="noStrike">
-              <a:solidFill>
-                <a:srgbClr val="000000"/>
-              </a:solidFill>
-              <a:uFill>
-                <a:solidFill>
-                  <a:srgbClr val="ffffff"/>
+          <a:bodyPr lIns="0" tIns="0" rIns="0" bIns="0"/>
+          <a:lstStyle/>
+          <a:p>
+            <a:endParaRPr lang="pt-BR" sz="1979" strike="noStrike" spc="-1">
+              <a:solidFill>
+                <a:srgbClr val="000000"/>
+              </a:solidFill>
+              <a:uFill>
+                <a:solidFill>
+                  <a:srgbClr val="FFFFFF"/>
                 </a:solidFill>
               </a:uFill>
               <a:latin typeface="Arial"/>
@@ -376,11 +485,14 @@
       </p:sp>
     </p:spTree>
   </p:cSld>
+  <p:clrMapOvr>
+    <a:masterClrMapping/>
+  </p:clrMapOvr>
 </p:sldLayout>
 </file>
 
 <file path=ppt/slideLayouts/slideLayout12.xml><?xml version="1.0" encoding="utf-8"?>
-<p:sldLayout xmlns:a="http://schemas.openxmlformats.org/drawingml/2006/main" xmlns:p="http://schemas.openxmlformats.org/presentationml/2006/main" xmlns:r="http://schemas.openxmlformats.org/officeDocument/2006/relationships" type="blank" preserve="1">
+<p:sldLayout xmlns:a="http://schemas.openxmlformats.org/drawingml/2006/main" xmlns:r="http://schemas.openxmlformats.org/officeDocument/2006/relationships" xmlns:p="http://schemas.openxmlformats.org/presentationml/2006/main" type="blank" preserve="1">
   <p:cSld name="Title, 6 Content">
     <p:spTree>
       <p:nvGrpSpPr>
@@ -416,15 +528,16 @@
           </a:prstGeom>
         </p:spPr>
         <p:txBody>
-          <a:bodyPr lIns="0" rIns="0" tIns="0" bIns="0" anchor="ctr"/>
-          <a:p>
-            <a:endParaRPr lang="pt-BR" sz="1979" spc="-1" strike="noStrike">
-              <a:solidFill>
-                <a:srgbClr val="000000"/>
-              </a:solidFill>
-              <a:uFill>
-                <a:solidFill>
-                  <a:srgbClr val="ffffff"/>
+          <a:bodyPr lIns="0" tIns="0" rIns="0" bIns="0" anchor="ctr"/>
+          <a:lstStyle/>
+          <a:p>
+            <a:endParaRPr lang="pt-BR" sz="1979" strike="noStrike" spc="-1">
+              <a:solidFill>
+                <a:srgbClr val="000000"/>
+              </a:solidFill>
+              <a:uFill>
+                <a:solidFill>
+                  <a:srgbClr val="FFFFFF"/>
                 </a:solidFill>
               </a:uFill>
               <a:latin typeface="Arial"/>
@@ -452,15 +565,16 @@
           </a:prstGeom>
         </p:spPr>
         <p:txBody>
-          <a:bodyPr lIns="0" rIns="0" tIns="0" bIns="0"/>
-          <a:p>
-            <a:endParaRPr lang="pt-BR" sz="1979" spc="-1" strike="noStrike">
-              <a:solidFill>
-                <a:srgbClr val="000000"/>
-              </a:solidFill>
-              <a:uFill>
-                <a:solidFill>
-                  <a:srgbClr val="ffffff"/>
+          <a:bodyPr lIns="0" tIns="0" rIns="0" bIns="0"/>
+          <a:lstStyle/>
+          <a:p>
+            <a:endParaRPr lang="pt-BR" sz="1979" strike="noStrike" spc="-1">
+              <a:solidFill>
+                <a:srgbClr val="000000"/>
+              </a:solidFill>
+              <a:uFill>
+                <a:solidFill>
+                  <a:srgbClr val="FFFFFF"/>
                 </a:solidFill>
               </a:uFill>
               <a:latin typeface="Arial"/>
@@ -488,15 +602,16 @@
           </a:prstGeom>
         </p:spPr>
         <p:txBody>
-          <a:bodyPr lIns="0" rIns="0" tIns="0" bIns="0"/>
-          <a:p>
-            <a:endParaRPr lang="pt-BR" sz="1979" spc="-1" strike="noStrike">
-              <a:solidFill>
-                <a:srgbClr val="000000"/>
-              </a:solidFill>
-              <a:uFill>
-                <a:solidFill>
-                  <a:srgbClr val="ffffff"/>
+          <a:bodyPr lIns="0" tIns="0" rIns="0" bIns="0"/>
+          <a:lstStyle/>
+          <a:p>
+            <a:endParaRPr lang="pt-BR" sz="1979" strike="noStrike" spc="-1">
+              <a:solidFill>
+                <a:srgbClr val="000000"/>
+              </a:solidFill>
+              <a:uFill>
+                <a:solidFill>
+                  <a:srgbClr val="FFFFFF"/>
                 </a:solidFill>
               </a:uFill>
               <a:latin typeface="Arial"/>
@@ -506,12 +621,12 @@
       </p:sp>
       <p:pic>
         <p:nvPicPr>
-          <p:cNvPr id="56" name="" descr=""/>
+          <p:cNvPr id="56" name="Imagem 55"/>
           <p:cNvPicPr/>
           <p:nvPr/>
         </p:nvPicPr>
         <p:blipFill>
-          <a:blip r:embed="rId2"/>
+          <a:blip r:embed="rId2" cstate="print"/>
           <a:stretch/>
         </p:blipFill>
         <p:spPr>
@@ -529,12 +644,12 @@
       </p:pic>
       <p:pic>
         <p:nvPicPr>
-          <p:cNvPr id="57" name="" descr=""/>
+          <p:cNvPr id="57" name="Imagem 56"/>
           <p:cNvPicPr/>
           <p:nvPr/>
         </p:nvPicPr>
         <p:blipFill>
-          <a:blip r:embed="rId3"/>
+          <a:blip r:embed="rId2" cstate="print"/>
           <a:stretch/>
         </p:blipFill>
         <p:spPr>
@@ -552,11 +667,14 @@
       </p:pic>
     </p:spTree>
   </p:cSld>
+  <p:clrMapOvr>
+    <a:masterClrMapping/>
+  </p:clrMapOvr>
 </p:sldLayout>
 </file>
 
 <file path=ppt/slideLayouts/slideLayout13.xml><?xml version="1.0" encoding="utf-8"?>
-<p:sldLayout xmlns:a="http://schemas.openxmlformats.org/drawingml/2006/main" xmlns:p="http://schemas.openxmlformats.org/presentationml/2006/main" xmlns:r="http://schemas.openxmlformats.org/officeDocument/2006/relationships" type="blank" preserve="1">
+<p:sldLayout xmlns:a="http://schemas.openxmlformats.org/drawingml/2006/main" xmlns:r="http://schemas.openxmlformats.org/officeDocument/2006/relationships" xmlns:p="http://schemas.openxmlformats.org/presentationml/2006/main" type="blank" preserve="1">
   <p:cSld name="Blank Slide">
     <p:spTree>
       <p:nvGrpSpPr>
@@ -574,11 +692,14 @@
       </p:grpSpPr>
     </p:spTree>
   </p:cSld>
+  <p:clrMapOvr>
+    <a:masterClrMapping/>
+  </p:clrMapOvr>
 </p:sldLayout>
 </file>
 
 <file path=ppt/slideLayouts/slideLayout14.xml><?xml version="1.0" encoding="utf-8"?>
-<p:sldLayout xmlns:a="http://schemas.openxmlformats.org/drawingml/2006/main" xmlns:p="http://schemas.openxmlformats.org/presentationml/2006/main" xmlns:r="http://schemas.openxmlformats.org/officeDocument/2006/relationships" type="tx" preserve="1">
+<p:sldLayout xmlns:a="http://schemas.openxmlformats.org/drawingml/2006/main" xmlns:r="http://schemas.openxmlformats.org/officeDocument/2006/relationships" xmlns:p="http://schemas.openxmlformats.org/presentationml/2006/main" type="tx" preserve="1">
   <p:cSld name="Title Slide">
     <p:spTree>
       <p:nvGrpSpPr>
@@ -614,15 +735,16 @@
           </a:prstGeom>
         </p:spPr>
         <p:txBody>
-          <a:bodyPr lIns="0" rIns="0" tIns="0" bIns="0" anchor="ctr"/>
-          <a:p>
-            <a:endParaRPr lang="pt-BR" sz="1979" spc="-1" strike="noStrike">
-              <a:solidFill>
-                <a:srgbClr val="000000"/>
-              </a:solidFill>
-              <a:uFill>
-                <a:solidFill>
-                  <a:srgbClr val="ffffff"/>
+          <a:bodyPr lIns="0" tIns="0" rIns="0" bIns="0" anchor="ctr"/>
+          <a:lstStyle/>
+          <a:p>
+            <a:endParaRPr lang="pt-BR" sz="1979" strike="noStrike" spc="-1">
+              <a:solidFill>
+                <a:srgbClr val="000000"/>
+              </a:solidFill>
+              <a:uFill>
+                <a:solidFill>
+                  <a:srgbClr val="FFFFFF"/>
                 </a:solidFill>
               </a:uFill>
               <a:latin typeface="Arial"/>
@@ -650,16 +772,17 @@
           </a:prstGeom>
         </p:spPr>
         <p:txBody>
-          <a:bodyPr lIns="0" rIns="0" tIns="0" bIns="0" anchor="ctr"/>
+          <a:bodyPr lIns="0" tIns="0" rIns="0" bIns="0" anchor="ctr"/>
+          <a:lstStyle/>
           <a:p>
             <a:pPr algn="ctr"/>
-            <a:endParaRPr lang="pt-BR" sz="3200" spc="-1" strike="noStrike">
-              <a:solidFill>
-                <a:srgbClr val="000000"/>
-              </a:solidFill>
-              <a:uFill>
-                <a:solidFill>
-                  <a:srgbClr val="ffffff"/>
+            <a:endParaRPr lang="pt-BR" sz="3200" strike="noStrike" spc="-1">
+              <a:solidFill>
+                <a:srgbClr val="000000"/>
+              </a:solidFill>
+              <a:uFill>
+                <a:solidFill>
+                  <a:srgbClr val="FFFFFF"/>
                 </a:solidFill>
               </a:uFill>
               <a:latin typeface="Arial"/>
@@ -669,11 +792,14 @@
       </p:sp>
     </p:spTree>
   </p:cSld>
+  <p:clrMapOvr>
+    <a:masterClrMapping/>
+  </p:clrMapOvr>
 </p:sldLayout>
 </file>
 
 <file path=ppt/slideLayouts/slideLayout15.xml><?xml version="1.0" encoding="utf-8"?>
-<p:sldLayout xmlns:a="http://schemas.openxmlformats.org/drawingml/2006/main" xmlns:p="http://schemas.openxmlformats.org/presentationml/2006/main" xmlns:r="http://schemas.openxmlformats.org/officeDocument/2006/relationships" type="obj" preserve="1">
+<p:sldLayout xmlns:a="http://schemas.openxmlformats.org/drawingml/2006/main" xmlns:r="http://schemas.openxmlformats.org/officeDocument/2006/relationships" xmlns:p="http://schemas.openxmlformats.org/presentationml/2006/main" type="obj" preserve="1">
   <p:cSld name="Title, Content">
     <p:spTree>
       <p:nvGrpSpPr>
@@ -709,15 +835,16 @@
           </a:prstGeom>
         </p:spPr>
         <p:txBody>
-          <a:bodyPr lIns="0" rIns="0" tIns="0" bIns="0" anchor="ctr"/>
-          <a:p>
-            <a:endParaRPr lang="pt-BR" sz="1979" spc="-1" strike="noStrike">
-              <a:solidFill>
-                <a:srgbClr val="000000"/>
-              </a:solidFill>
-              <a:uFill>
-                <a:solidFill>
-                  <a:srgbClr val="ffffff"/>
+          <a:bodyPr lIns="0" tIns="0" rIns="0" bIns="0" anchor="ctr"/>
+          <a:lstStyle/>
+          <a:p>
+            <a:endParaRPr lang="pt-BR" sz="1979" strike="noStrike" spc="-1">
+              <a:solidFill>
+                <a:srgbClr val="000000"/>
+              </a:solidFill>
+              <a:uFill>
+                <a:solidFill>
+                  <a:srgbClr val="FFFFFF"/>
                 </a:solidFill>
               </a:uFill>
               <a:latin typeface="Arial"/>
@@ -745,15 +872,16 @@
           </a:prstGeom>
         </p:spPr>
         <p:txBody>
-          <a:bodyPr lIns="0" rIns="0" tIns="0" bIns="0"/>
-          <a:p>
-            <a:endParaRPr lang="pt-BR" sz="1979" spc="-1" strike="noStrike">
-              <a:solidFill>
-                <a:srgbClr val="000000"/>
-              </a:solidFill>
-              <a:uFill>
-                <a:solidFill>
-                  <a:srgbClr val="ffffff"/>
+          <a:bodyPr lIns="0" tIns="0" rIns="0" bIns="0"/>
+          <a:lstStyle/>
+          <a:p>
+            <a:endParaRPr lang="pt-BR" sz="1979" strike="noStrike" spc="-1">
+              <a:solidFill>
+                <a:srgbClr val="000000"/>
+              </a:solidFill>
+              <a:uFill>
+                <a:solidFill>
+                  <a:srgbClr val="FFFFFF"/>
                 </a:solidFill>
               </a:uFill>
               <a:latin typeface="Arial"/>
@@ -763,11 +891,14 @@
       </p:sp>
     </p:spTree>
   </p:cSld>
+  <p:clrMapOvr>
+    <a:masterClrMapping/>
+  </p:clrMapOvr>
 </p:sldLayout>
 </file>
 
 <file path=ppt/slideLayouts/slideLayout16.xml><?xml version="1.0" encoding="utf-8"?>
-<p:sldLayout xmlns:a="http://schemas.openxmlformats.org/drawingml/2006/main" xmlns:p="http://schemas.openxmlformats.org/presentationml/2006/main" xmlns:r="http://schemas.openxmlformats.org/officeDocument/2006/relationships" type="twoObj" preserve="1">
+<p:sldLayout xmlns:a="http://schemas.openxmlformats.org/drawingml/2006/main" xmlns:r="http://schemas.openxmlformats.org/officeDocument/2006/relationships" xmlns:p="http://schemas.openxmlformats.org/presentationml/2006/main" type="twoObj" preserve="1">
   <p:cSld name="Title, 2 Content">
     <p:spTree>
       <p:nvGrpSpPr>
@@ -803,15 +934,16 @@
           </a:prstGeom>
         </p:spPr>
         <p:txBody>
-          <a:bodyPr lIns="0" rIns="0" tIns="0" bIns="0" anchor="ctr"/>
-          <a:p>
-            <a:endParaRPr lang="pt-BR" sz="1979" spc="-1" strike="noStrike">
-              <a:solidFill>
-                <a:srgbClr val="000000"/>
-              </a:solidFill>
-              <a:uFill>
-                <a:solidFill>
-                  <a:srgbClr val="ffffff"/>
+          <a:bodyPr lIns="0" tIns="0" rIns="0" bIns="0" anchor="ctr"/>
+          <a:lstStyle/>
+          <a:p>
+            <a:endParaRPr lang="pt-BR" sz="1979" strike="noStrike" spc="-1">
+              <a:solidFill>
+                <a:srgbClr val="000000"/>
+              </a:solidFill>
+              <a:uFill>
+                <a:solidFill>
+                  <a:srgbClr val="FFFFFF"/>
                 </a:solidFill>
               </a:uFill>
               <a:latin typeface="Arial"/>
@@ -839,15 +971,16 @@
           </a:prstGeom>
         </p:spPr>
         <p:txBody>
-          <a:bodyPr lIns="0" rIns="0" tIns="0" bIns="0"/>
-          <a:p>
-            <a:endParaRPr lang="pt-BR" sz="1979" spc="-1" strike="noStrike">
-              <a:solidFill>
-                <a:srgbClr val="000000"/>
-              </a:solidFill>
-              <a:uFill>
-                <a:solidFill>
-                  <a:srgbClr val="ffffff"/>
+          <a:bodyPr lIns="0" tIns="0" rIns="0" bIns="0"/>
+          <a:lstStyle/>
+          <a:p>
+            <a:endParaRPr lang="pt-BR" sz="1979" strike="noStrike" spc="-1">
+              <a:solidFill>
+                <a:srgbClr val="000000"/>
+              </a:solidFill>
+              <a:uFill>
+                <a:solidFill>
+                  <a:srgbClr val="FFFFFF"/>
                 </a:solidFill>
               </a:uFill>
               <a:latin typeface="Arial"/>
@@ -875,15 +1008,16 @@
           </a:prstGeom>
         </p:spPr>
         <p:txBody>
-          <a:bodyPr lIns="0" rIns="0" tIns="0" bIns="0"/>
-          <a:p>
-            <a:endParaRPr lang="pt-BR" sz="1979" spc="-1" strike="noStrike">
-              <a:solidFill>
-                <a:srgbClr val="000000"/>
-              </a:solidFill>
-              <a:uFill>
-                <a:solidFill>
-                  <a:srgbClr val="ffffff"/>
+          <a:bodyPr lIns="0" tIns="0" rIns="0" bIns="0"/>
+          <a:lstStyle/>
+          <a:p>
+            <a:endParaRPr lang="pt-BR" sz="1979" strike="noStrike" spc="-1">
+              <a:solidFill>
+                <a:srgbClr val="000000"/>
+              </a:solidFill>
+              <a:uFill>
+                <a:solidFill>
+                  <a:srgbClr val="FFFFFF"/>
                 </a:solidFill>
               </a:uFill>
               <a:latin typeface="Arial"/>
@@ -893,11 +1027,14 @@
       </p:sp>
     </p:spTree>
   </p:cSld>
+  <p:clrMapOvr>
+    <a:masterClrMapping/>
+  </p:clrMapOvr>
 </p:sldLayout>
 </file>
 
 <file path=ppt/slideLayouts/slideLayout17.xml><?xml version="1.0" encoding="utf-8"?>
-<p:sldLayout xmlns:a="http://schemas.openxmlformats.org/drawingml/2006/main" xmlns:p="http://schemas.openxmlformats.org/presentationml/2006/main" xmlns:r="http://schemas.openxmlformats.org/officeDocument/2006/relationships" type="titleOnly" preserve="1">
+<p:sldLayout xmlns:a="http://schemas.openxmlformats.org/drawingml/2006/main" xmlns:r="http://schemas.openxmlformats.org/officeDocument/2006/relationships" xmlns:p="http://schemas.openxmlformats.org/presentationml/2006/main" type="titleOnly" preserve="1">
   <p:cSld name="Title Only">
     <p:spTree>
       <p:nvGrpSpPr>
@@ -933,15 +1070,16 @@
           </a:prstGeom>
         </p:spPr>
         <p:txBody>
-          <a:bodyPr lIns="0" rIns="0" tIns="0" bIns="0" anchor="ctr"/>
-          <a:p>
-            <a:endParaRPr lang="pt-BR" sz="1979" spc="-1" strike="noStrike">
-              <a:solidFill>
-                <a:srgbClr val="000000"/>
-              </a:solidFill>
-              <a:uFill>
-                <a:solidFill>
-                  <a:srgbClr val="ffffff"/>
+          <a:bodyPr lIns="0" tIns="0" rIns="0" bIns="0" anchor="ctr"/>
+          <a:lstStyle/>
+          <a:p>
+            <a:endParaRPr lang="pt-BR" sz="1979" strike="noStrike" spc="-1">
+              <a:solidFill>
+                <a:srgbClr val="000000"/>
+              </a:solidFill>
+              <a:uFill>
+                <a:solidFill>
+                  <a:srgbClr val="FFFFFF"/>
                 </a:solidFill>
               </a:uFill>
               <a:latin typeface="Arial"/>
@@ -951,11 +1089,14 @@
       </p:sp>
     </p:spTree>
   </p:cSld>
+  <p:clrMapOvr>
+    <a:masterClrMapping/>
+  </p:clrMapOvr>
 </p:sldLayout>
 </file>
 
 <file path=ppt/slideLayouts/slideLayout18.xml><?xml version="1.0" encoding="utf-8"?>
-<p:sldLayout xmlns:a="http://schemas.openxmlformats.org/drawingml/2006/main" xmlns:p="http://schemas.openxmlformats.org/presentationml/2006/main" xmlns:r="http://schemas.openxmlformats.org/officeDocument/2006/relationships" type="objOnly" preserve="1">
+<p:sldLayout xmlns:a="http://schemas.openxmlformats.org/drawingml/2006/main" xmlns:r="http://schemas.openxmlformats.org/officeDocument/2006/relationships" xmlns:p="http://schemas.openxmlformats.org/presentationml/2006/main" type="objOnly" preserve="1">
   <p:cSld name="Centered Text">
     <p:spTree>
       <p:nvGrpSpPr>
@@ -991,16 +1132,17 @@
           </a:prstGeom>
         </p:spPr>
         <p:txBody>
-          <a:bodyPr lIns="0" rIns="0" tIns="0" bIns="0" anchor="ctr"/>
+          <a:bodyPr lIns="0" tIns="0" rIns="0" bIns="0" anchor="ctr"/>
+          <a:lstStyle/>
           <a:p>
             <a:pPr algn="ctr"/>
-            <a:endParaRPr lang="pt-BR" sz="3200" spc="-1" strike="noStrike">
-              <a:solidFill>
-                <a:srgbClr val="000000"/>
-              </a:solidFill>
-              <a:uFill>
-                <a:solidFill>
-                  <a:srgbClr val="ffffff"/>
+            <a:endParaRPr lang="pt-BR" sz="3200" strike="noStrike" spc="-1">
+              <a:solidFill>
+                <a:srgbClr val="000000"/>
+              </a:solidFill>
+              <a:uFill>
+                <a:solidFill>
+                  <a:srgbClr val="FFFFFF"/>
                 </a:solidFill>
               </a:uFill>
               <a:latin typeface="Arial"/>
@@ -1010,11 +1152,14 @@
       </p:sp>
     </p:spTree>
   </p:cSld>
+  <p:clrMapOvr>
+    <a:masterClrMapping/>
+  </p:clrMapOvr>
 </p:sldLayout>
 </file>
 
 <file path=ppt/slideLayouts/slideLayout19.xml><?xml version="1.0" encoding="utf-8"?>
-<p:sldLayout xmlns:a="http://schemas.openxmlformats.org/drawingml/2006/main" xmlns:p="http://schemas.openxmlformats.org/presentationml/2006/main" xmlns:r="http://schemas.openxmlformats.org/officeDocument/2006/relationships" type="twoObjAndObj" preserve="1">
+<p:sldLayout xmlns:a="http://schemas.openxmlformats.org/drawingml/2006/main" xmlns:r="http://schemas.openxmlformats.org/officeDocument/2006/relationships" xmlns:p="http://schemas.openxmlformats.org/presentationml/2006/main" type="twoObjAndObj" preserve="1">
   <p:cSld name="Title, 2 Content and Content">
     <p:spTree>
       <p:nvGrpSpPr>
@@ -1050,15 +1195,16 @@
           </a:prstGeom>
         </p:spPr>
         <p:txBody>
-          <a:bodyPr lIns="0" rIns="0" tIns="0" bIns="0" anchor="ctr"/>
-          <a:p>
-            <a:endParaRPr lang="pt-BR" sz="1979" spc="-1" strike="noStrike">
-              <a:solidFill>
-                <a:srgbClr val="000000"/>
-              </a:solidFill>
-              <a:uFill>
-                <a:solidFill>
-                  <a:srgbClr val="ffffff"/>
+          <a:bodyPr lIns="0" tIns="0" rIns="0" bIns="0" anchor="ctr"/>
+          <a:lstStyle/>
+          <a:p>
+            <a:endParaRPr lang="pt-BR" sz="1979" strike="noStrike" spc="-1">
+              <a:solidFill>
+                <a:srgbClr val="000000"/>
+              </a:solidFill>
+              <a:uFill>
+                <a:solidFill>
+                  <a:srgbClr val="FFFFFF"/>
                 </a:solidFill>
               </a:uFill>
               <a:latin typeface="Arial"/>
@@ -1086,15 +1232,16 @@
           </a:prstGeom>
         </p:spPr>
         <p:txBody>
-          <a:bodyPr lIns="0" rIns="0" tIns="0" bIns="0"/>
-          <a:p>
-            <a:endParaRPr lang="pt-BR" sz="1979" spc="-1" strike="noStrike">
-              <a:solidFill>
-                <a:srgbClr val="000000"/>
-              </a:solidFill>
-              <a:uFill>
-                <a:solidFill>
-                  <a:srgbClr val="ffffff"/>
+          <a:bodyPr lIns="0" tIns="0" rIns="0" bIns="0"/>
+          <a:lstStyle/>
+          <a:p>
+            <a:endParaRPr lang="pt-BR" sz="1979" strike="noStrike" spc="-1">
+              <a:solidFill>
+                <a:srgbClr val="000000"/>
+              </a:solidFill>
+              <a:uFill>
+                <a:solidFill>
+                  <a:srgbClr val="FFFFFF"/>
                 </a:solidFill>
               </a:uFill>
               <a:latin typeface="Arial"/>
@@ -1122,15 +1269,16 @@
           </a:prstGeom>
         </p:spPr>
         <p:txBody>
-          <a:bodyPr lIns="0" rIns="0" tIns="0" bIns="0"/>
-          <a:p>
-            <a:endParaRPr lang="pt-BR" sz="1979" spc="-1" strike="noStrike">
-              <a:solidFill>
-                <a:srgbClr val="000000"/>
-              </a:solidFill>
-              <a:uFill>
-                <a:solidFill>
-                  <a:srgbClr val="ffffff"/>
+          <a:bodyPr lIns="0" tIns="0" rIns="0" bIns="0"/>
+          <a:lstStyle/>
+          <a:p>
+            <a:endParaRPr lang="pt-BR" sz="1979" strike="noStrike" spc="-1">
+              <a:solidFill>
+                <a:srgbClr val="000000"/>
+              </a:solidFill>
+              <a:uFill>
+                <a:solidFill>
+                  <a:srgbClr val="FFFFFF"/>
                 </a:solidFill>
               </a:uFill>
               <a:latin typeface="Arial"/>
@@ -1158,15 +1306,16 @@
           </a:prstGeom>
         </p:spPr>
         <p:txBody>
-          <a:bodyPr lIns="0" rIns="0" tIns="0" bIns="0"/>
-          <a:p>
-            <a:endParaRPr lang="pt-BR" sz="1979" spc="-1" strike="noStrike">
-              <a:solidFill>
-                <a:srgbClr val="000000"/>
-              </a:solidFill>
-              <a:uFill>
-                <a:solidFill>
-                  <a:srgbClr val="ffffff"/>
+          <a:bodyPr lIns="0" tIns="0" rIns="0" bIns="0"/>
+          <a:lstStyle/>
+          <a:p>
+            <a:endParaRPr lang="pt-BR" sz="1979" strike="noStrike" spc="-1">
+              <a:solidFill>
+                <a:srgbClr val="000000"/>
+              </a:solidFill>
+              <a:uFill>
+                <a:solidFill>
+                  <a:srgbClr val="FFFFFF"/>
                 </a:solidFill>
               </a:uFill>
               <a:latin typeface="Arial"/>
@@ -1176,11 +1325,14 @@
       </p:sp>
     </p:spTree>
   </p:cSld>
+  <p:clrMapOvr>
+    <a:masterClrMapping/>
+  </p:clrMapOvr>
 </p:sldLayout>
 </file>
 
 <file path=ppt/slideLayouts/slideLayout2.xml><?xml version="1.0" encoding="utf-8"?>
-<p:sldLayout xmlns:a="http://schemas.openxmlformats.org/drawingml/2006/main" xmlns:p="http://schemas.openxmlformats.org/presentationml/2006/main" xmlns:r="http://schemas.openxmlformats.org/officeDocument/2006/relationships" type="tx" preserve="1">
+<p:sldLayout xmlns:a="http://schemas.openxmlformats.org/drawingml/2006/main" xmlns:r="http://schemas.openxmlformats.org/officeDocument/2006/relationships" xmlns:p="http://schemas.openxmlformats.org/presentationml/2006/main" type="tx" preserve="1">
   <p:cSld name="Title Slide">
     <p:spTree>
       <p:nvGrpSpPr>
@@ -1216,15 +1368,16 @@
           </a:prstGeom>
         </p:spPr>
         <p:txBody>
-          <a:bodyPr lIns="0" rIns="0" tIns="0" bIns="0" anchor="ctr"/>
-          <a:p>
-            <a:endParaRPr lang="pt-BR" sz="1979" spc="-1" strike="noStrike">
-              <a:solidFill>
-                <a:srgbClr val="000000"/>
-              </a:solidFill>
-              <a:uFill>
-                <a:solidFill>
-                  <a:srgbClr val="ffffff"/>
+          <a:bodyPr lIns="0" tIns="0" rIns="0" bIns="0" anchor="ctr"/>
+          <a:lstStyle/>
+          <a:p>
+            <a:endParaRPr lang="pt-BR" sz="1979" strike="noStrike" spc="-1">
+              <a:solidFill>
+                <a:srgbClr val="000000"/>
+              </a:solidFill>
+              <a:uFill>
+                <a:solidFill>
+                  <a:srgbClr val="FFFFFF"/>
                 </a:solidFill>
               </a:uFill>
               <a:latin typeface="Arial"/>
@@ -1252,16 +1405,17 @@
           </a:prstGeom>
         </p:spPr>
         <p:txBody>
-          <a:bodyPr lIns="0" rIns="0" tIns="0" bIns="0" anchor="ctr"/>
+          <a:bodyPr lIns="0" tIns="0" rIns="0" bIns="0" anchor="ctr"/>
+          <a:lstStyle/>
           <a:p>
             <a:pPr algn="ctr"/>
-            <a:endParaRPr lang="pt-BR" sz="3200" spc="-1" strike="noStrike">
-              <a:solidFill>
-                <a:srgbClr val="000000"/>
-              </a:solidFill>
-              <a:uFill>
-                <a:solidFill>
-                  <a:srgbClr val="ffffff"/>
+            <a:endParaRPr lang="pt-BR" sz="3200" strike="noStrike" spc="-1">
+              <a:solidFill>
+                <a:srgbClr val="000000"/>
+              </a:solidFill>
+              <a:uFill>
+                <a:solidFill>
+                  <a:srgbClr val="FFFFFF"/>
                 </a:solidFill>
               </a:uFill>
               <a:latin typeface="Arial"/>
@@ -1271,11 +1425,14 @@
       </p:sp>
     </p:spTree>
   </p:cSld>
+  <p:clrMapOvr>
+    <a:masterClrMapping/>
+  </p:clrMapOvr>
 </p:sldLayout>
 </file>
 
 <file path=ppt/slideLayouts/slideLayout20.xml><?xml version="1.0" encoding="utf-8"?>
-<p:sldLayout xmlns:a="http://schemas.openxmlformats.org/drawingml/2006/main" xmlns:p="http://schemas.openxmlformats.org/presentationml/2006/main" xmlns:r="http://schemas.openxmlformats.org/officeDocument/2006/relationships" type="objAndTwoObj" preserve="1">
+<p:sldLayout xmlns:a="http://schemas.openxmlformats.org/drawingml/2006/main" xmlns:r="http://schemas.openxmlformats.org/officeDocument/2006/relationships" xmlns:p="http://schemas.openxmlformats.org/presentationml/2006/main" type="objAndTwoObj" preserve="1">
   <p:cSld name="Title Content and 2 Content">
     <p:spTree>
       <p:nvGrpSpPr>
@@ -1311,15 +1468,16 @@
           </a:prstGeom>
         </p:spPr>
         <p:txBody>
-          <a:bodyPr lIns="0" rIns="0" tIns="0" bIns="0" anchor="ctr"/>
-          <a:p>
-            <a:endParaRPr lang="pt-BR" sz="1979" spc="-1" strike="noStrike">
-              <a:solidFill>
-                <a:srgbClr val="000000"/>
-              </a:solidFill>
-              <a:uFill>
-                <a:solidFill>
-                  <a:srgbClr val="ffffff"/>
+          <a:bodyPr lIns="0" tIns="0" rIns="0" bIns="0" anchor="ctr"/>
+          <a:lstStyle/>
+          <a:p>
+            <a:endParaRPr lang="pt-BR" sz="1979" strike="noStrike" spc="-1">
+              <a:solidFill>
+                <a:srgbClr val="000000"/>
+              </a:solidFill>
+              <a:uFill>
+                <a:solidFill>
+                  <a:srgbClr val="FFFFFF"/>
                 </a:solidFill>
               </a:uFill>
               <a:latin typeface="Arial"/>
@@ -1347,15 +1505,16 @@
           </a:prstGeom>
         </p:spPr>
         <p:txBody>
-          <a:bodyPr lIns="0" rIns="0" tIns="0" bIns="0"/>
-          <a:p>
-            <a:endParaRPr lang="pt-BR" sz="1979" spc="-1" strike="noStrike">
-              <a:solidFill>
-                <a:srgbClr val="000000"/>
-              </a:solidFill>
-              <a:uFill>
-                <a:solidFill>
-                  <a:srgbClr val="ffffff"/>
+          <a:bodyPr lIns="0" tIns="0" rIns="0" bIns="0"/>
+          <a:lstStyle/>
+          <a:p>
+            <a:endParaRPr lang="pt-BR" sz="1979" strike="noStrike" spc="-1">
+              <a:solidFill>
+                <a:srgbClr val="000000"/>
+              </a:solidFill>
+              <a:uFill>
+                <a:solidFill>
+                  <a:srgbClr val="FFFFFF"/>
                 </a:solidFill>
               </a:uFill>
               <a:latin typeface="Arial"/>
@@ -1383,15 +1542,16 @@
           </a:prstGeom>
         </p:spPr>
         <p:txBody>
-          <a:bodyPr lIns="0" rIns="0" tIns="0" bIns="0"/>
-          <a:p>
-            <a:endParaRPr lang="pt-BR" sz="1979" spc="-1" strike="noStrike">
-              <a:solidFill>
-                <a:srgbClr val="000000"/>
-              </a:solidFill>
-              <a:uFill>
-                <a:solidFill>
-                  <a:srgbClr val="ffffff"/>
+          <a:bodyPr lIns="0" tIns="0" rIns="0" bIns="0"/>
+          <a:lstStyle/>
+          <a:p>
+            <a:endParaRPr lang="pt-BR" sz="1979" strike="noStrike" spc="-1">
+              <a:solidFill>
+                <a:srgbClr val="000000"/>
+              </a:solidFill>
+              <a:uFill>
+                <a:solidFill>
+                  <a:srgbClr val="FFFFFF"/>
                 </a:solidFill>
               </a:uFill>
               <a:latin typeface="Arial"/>
@@ -1419,15 +1579,16 @@
           </a:prstGeom>
         </p:spPr>
         <p:txBody>
-          <a:bodyPr lIns="0" rIns="0" tIns="0" bIns="0"/>
-          <a:p>
-            <a:endParaRPr lang="pt-BR" sz="1979" spc="-1" strike="noStrike">
-              <a:solidFill>
-                <a:srgbClr val="000000"/>
-              </a:solidFill>
-              <a:uFill>
-                <a:solidFill>
-                  <a:srgbClr val="ffffff"/>
+          <a:bodyPr lIns="0" tIns="0" rIns="0" bIns="0"/>
+          <a:lstStyle/>
+          <a:p>
+            <a:endParaRPr lang="pt-BR" sz="1979" strike="noStrike" spc="-1">
+              <a:solidFill>
+                <a:srgbClr val="000000"/>
+              </a:solidFill>
+              <a:uFill>
+                <a:solidFill>
+                  <a:srgbClr val="FFFFFF"/>
                 </a:solidFill>
               </a:uFill>
               <a:latin typeface="Arial"/>
@@ -1437,11 +1598,14 @@
       </p:sp>
     </p:spTree>
   </p:cSld>
+  <p:clrMapOvr>
+    <a:masterClrMapping/>
+  </p:clrMapOvr>
 </p:sldLayout>
 </file>
 
 <file path=ppt/slideLayouts/slideLayout21.xml><?xml version="1.0" encoding="utf-8"?>
-<p:sldLayout xmlns:a="http://schemas.openxmlformats.org/drawingml/2006/main" xmlns:p="http://schemas.openxmlformats.org/presentationml/2006/main" xmlns:r="http://schemas.openxmlformats.org/officeDocument/2006/relationships" type="twoObjOverTx" preserve="1">
+<p:sldLayout xmlns:a="http://schemas.openxmlformats.org/drawingml/2006/main" xmlns:r="http://schemas.openxmlformats.org/officeDocument/2006/relationships" xmlns:p="http://schemas.openxmlformats.org/presentationml/2006/main" type="twoObjOverTx" preserve="1">
   <p:cSld name="Title, 2 Content over Content">
     <p:spTree>
       <p:nvGrpSpPr>
@@ -1477,15 +1641,16 @@
           </a:prstGeom>
         </p:spPr>
         <p:txBody>
-          <a:bodyPr lIns="0" rIns="0" tIns="0" bIns="0" anchor="ctr"/>
-          <a:p>
-            <a:endParaRPr lang="pt-BR" sz="1979" spc="-1" strike="noStrike">
-              <a:solidFill>
-                <a:srgbClr val="000000"/>
-              </a:solidFill>
-              <a:uFill>
-                <a:solidFill>
-                  <a:srgbClr val="ffffff"/>
+          <a:bodyPr lIns="0" tIns="0" rIns="0" bIns="0" anchor="ctr"/>
+          <a:lstStyle/>
+          <a:p>
+            <a:endParaRPr lang="pt-BR" sz="1979" strike="noStrike" spc="-1">
+              <a:solidFill>
+                <a:srgbClr val="000000"/>
+              </a:solidFill>
+              <a:uFill>
+                <a:solidFill>
+                  <a:srgbClr val="FFFFFF"/>
                 </a:solidFill>
               </a:uFill>
               <a:latin typeface="Arial"/>
@@ -1513,15 +1678,16 @@
           </a:prstGeom>
         </p:spPr>
         <p:txBody>
-          <a:bodyPr lIns="0" rIns="0" tIns="0" bIns="0"/>
-          <a:p>
-            <a:endParaRPr lang="pt-BR" sz="1979" spc="-1" strike="noStrike">
-              <a:solidFill>
-                <a:srgbClr val="000000"/>
-              </a:solidFill>
-              <a:uFill>
-                <a:solidFill>
-                  <a:srgbClr val="ffffff"/>
+          <a:bodyPr lIns="0" tIns="0" rIns="0" bIns="0"/>
+          <a:lstStyle/>
+          <a:p>
+            <a:endParaRPr lang="pt-BR" sz="1979" strike="noStrike" spc="-1">
+              <a:solidFill>
+                <a:srgbClr val="000000"/>
+              </a:solidFill>
+              <a:uFill>
+                <a:solidFill>
+                  <a:srgbClr val="FFFFFF"/>
                 </a:solidFill>
               </a:uFill>
               <a:latin typeface="Arial"/>
@@ -1549,15 +1715,16 @@
           </a:prstGeom>
         </p:spPr>
         <p:txBody>
-          <a:bodyPr lIns="0" rIns="0" tIns="0" bIns="0"/>
-          <a:p>
-            <a:endParaRPr lang="pt-BR" sz="1979" spc="-1" strike="noStrike">
-              <a:solidFill>
-                <a:srgbClr val="000000"/>
-              </a:solidFill>
-              <a:uFill>
-                <a:solidFill>
-                  <a:srgbClr val="ffffff"/>
+          <a:bodyPr lIns="0" tIns="0" rIns="0" bIns="0"/>
+          <a:lstStyle/>
+          <a:p>
+            <a:endParaRPr lang="pt-BR" sz="1979" strike="noStrike" spc="-1">
+              <a:solidFill>
+                <a:srgbClr val="000000"/>
+              </a:solidFill>
+              <a:uFill>
+                <a:solidFill>
+                  <a:srgbClr val="FFFFFF"/>
                 </a:solidFill>
               </a:uFill>
               <a:latin typeface="Arial"/>
@@ -1585,15 +1752,16 @@
           </a:prstGeom>
         </p:spPr>
         <p:txBody>
-          <a:bodyPr lIns="0" rIns="0" tIns="0" bIns="0"/>
-          <a:p>
-            <a:endParaRPr lang="pt-BR" sz="1979" spc="-1" strike="noStrike">
-              <a:solidFill>
-                <a:srgbClr val="000000"/>
-              </a:solidFill>
-              <a:uFill>
-                <a:solidFill>
-                  <a:srgbClr val="ffffff"/>
+          <a:bodyPr lIns="0" tIns="0" rIns="0" bIns="0"/>
+          <a:lstStyle/>
+          <a:p>
+            <a:endParaRPr lang="pt-BR" sz="1979" strike="noStrike" spc="-1">
+              <a:solidFill>
+                <a:srgbClr val="000000"/>
+              </a:solidFill>
+              <a:uFill>
+                <a:solidFill>
+                  <a:srgbClr val="FFFFFF"/>
                 </a:solidFill>
               </a:uFill>
               <a:latin typeface="Arial"/>
@@ -1603,11 +1771,14 @@
       </p:sp>
     </p:spTree>
   </p:cSld>
+  <p:clrMapOvr>
+    <a:masterClrMapping/>
+  </p:clrMapOvr>
 </p:sldLayout>
 </file>
 
 <file path=ppt/slideLayouts/slideLayout22.xml><?xml version="1.0" encoding="utf-8"?>
-<p:sldLayout xmlns:a="http://schemas.openxmlformats.org/drawingml/2006/main" xmlns:p="http://schemas.openxmlformats.org/presentationml/2006/main" xmlns:r="http://schemas.openxmlformats.org/officeDocument/2006/relationships" type="objOverTx" preserve="1">
+<p:sldLayout xmlns:a="http://schemas.openxmlformats.org/drawingml/2006/main" xmlns:r="http://schemas.openxmlformats.org/officeDocument/2006/relationships" xmlns:p="http://schemas.openxmlformats.org/presentationml/2006/main" type="objOverTx" preserve="1">
   <p:cSld name="Title, Content over Content">
     <p:spTree>
       <p:nvGrpSpPr>
@@ -1643,15 +1814,16 @@
           </a:prstGeom>
         </p:spPr>
         <p:txBody>
-          <a:bodyPr lIns="0" rIns="0" tIns="0" bIns="0" anchor="ctr"/>
-          <a:p>
-            <a:endParaRPr lang="pt-BR" sz="1979" spc="-1" strike="noStrike">
-              <a:solidFill>
-                <a:srgbClr val="000000"/>
-              </a:solidFill>
-              <a:uFill>
-                <a:solidFill>
-                  <a:srgbClr val="ffffff"/>
+          <a:bodyPr lIns="0" tIns="0" rIns="0" bIns="0" anchor="ctr"/>
+          <a:lstStyle/>
+          <a:p>
+            <a:endParaRPr lang="pt-BR" sz="1979" strike="noStrike" spc="-1">
+              <a:solidFill>
+                <a:srgbClr val="000000"/>
+              </a:solidFill>
+              <a:uFill>
+                <a:solidFill>
+                  <a:srgbClr val="FFFFFF"/>
                 </a:solidFill>
               </a:uFill>
               <a:latin typeface="Arial"/>
@@ -1679,15 +1851,16 @@
           </a:prstGeom>
         </p:spPr>
         <p:txBody>
-          <a:bodyPr lIns="0" rIns="0" tIns="0" bIns="0"/>
-          <a:p>
-            <a:endParaRPr lang="pt-BR" sz="1979" spc="-1" strike="noStrike">
-              <a:solidFill>
-                <a:srgbClr val="000000"/>
-              </a:solidFill>
-              <a:uFill>
-                <a:solidFill>
-                  <a:srgbClr val="ffffff"/>
+          <a:bodyPr lIns="0" tIns="0" rIns="0" bIns="0"/>
+          <a:lstStyle/>
+          <a:p>
+            <a:endParaRPr lang="pt-BR" sz="1979" strike="noStrike" spc="-1">
+              <a:solidFill>
+                <a:srgbClr val="000000"/>
+              </a:solidFill>
+              <a:uFill>
+                <a:solidFill>
+                  <a:srgbClr val="FFFFFF"/>
                 </a:solidFill>
               </a:uFill>
               <a:latin typeface="Arial"/>
@@ -1715,15 +1888,16 @@
           </a:prstGeom>
         </p:spPr>
         <p:txBody>
-          <a:bodyPr lIns="0" rIns="0" tIns="0" bIns="0"/>
-          <a:p>
-            <a:endParaRPr lang="pt-BR" sz="1979" spc="-1" strike="noStrike">
-              <a:solidFill>
-                <a:srgbClr val="000000"/>
-              </a:solidFill>
-              <a:uFill>
-                <a:solidFill>
-                  <a:srgbClr val="ffffff"/>
+          <a:bodyPr lIns="0" tIns="0" rIns="0" bIns="0"/>
+          <a:lstStyle/>
+          <a:p>
+            <a:endParaRPr lang="pt-BR" sz="1979" strike="noStrike" spc="-1">
+              <a:solidFill>
+                <a:srgbClr val="000000"/>
+              </a:solidFill>
+              <a:uFill>
+                <a:solidFill>
+                  <a:srgbClr val="FFFFFF"/>
                 </a:solidFill>
               </a:uFill>
               <a:latin typeface="Arial"/>
@@ -1733,11 +1907,14 @@
       </p:sp>
     </p:spTree>
   </p:cSld>
+  <p:clrMapOvr>
+    <a:masterClrMapping/>
+  </p:clrMapOvr>
 </p:sldLayout>
 </file>
 
 <file path=ppt/slideLayouts/slideLayout23.xml><?xml version="1.0" encoding="utf-8"?>
-<p:sldLayout xmlns:a="http://schemas.openxmlformats.org/drawingml/2006/main" xmlns:p="http://schemas.openxmlformats.org/presentationml/2006/main" xmlns:r="http://schemas.openxmlformats.org/officeDocument/2006/relationships" type="fourObj" preserve="1">
+<p:sldLayout xmlns:a="http://schemas.openxmlformats.org/drawingml/2006/main" xmlns:r="http://schemas.openxmlformats.org/officeDocument/2006/relationships" xmlns:p="http://schemas.openxmlformats.org/presentationml/2006/main" type="fourObj" preserve="1">
   <p:cSld name="Title, 4 Content">
     <p:spTree>
       <p:nvGrpSpPr>
@@ -1773,15 +1950,16 @@
           </a:prstGeom>
         </p:spPr>
         <p:txBody>
-          <a:bodyPr lIns="0" rIns="0" tIns="0" bIns="0" anchor="ctr"/>
-          <a:p>
-            <a:endParaRPr lang="pt-BR" sz="1979" spc="-1" strike="noStrike">
-              <a:solidFill>
-                <a:srgbClr val="000000"/>
-              </a:solidFill>
-              <a:uFill>
-                <a:solidFill>
-                  <a:srgbClr val="ffffff"/>
+          <a:bodyPr lIns="0" tIns="0" rIns="0" bIns="0" anchor="ctr"/>
+          <a:lstStyle/>
+          <a:p>
+            <a:endParaRPr lang="pt-BR" sz="1979" strike="noStrike" spc="-1">
+              <a:solidFill>
+                <a:srgbClr val="000000"/>
+              </a:solidFill>
+              <a:uFill>
+                <a:solidFill>
+                  <a:srgbClr val="FFFFFF"/>
                 </a:solidFill>
               </a:uFill>
               <a:latin typeface="Arial"/>
@@ -1809,15 +1987,16 @@
           </a:prstGeom>
         </p:spPr>
         <p:txBody>
-          <a:bodyPr lIns="0" rIns="0" tIns="0" bIns="0"/>
-          <a:p>
-            <a:endParaRPr lang="pt-BR" sz="1979" spc="-1" strike="noStrike">
-              <a:solidFill>
-                <a:srgbClr val="000000"/>
-              </a:solidFill>
-              <a:uFill>
-                <a:solidFill>
-                  <a:srgbClr val="ffffff"/>
+          <a:bodyPr lIns="0" tIns="0" rIns="0" bIns="0"/>
+          <a:lstStyle/>
+          <a:p>
+            <a:endParaRPr lang="pt-BR" sz="1979" strike="noStrike" spc="-1">
+              <a:solidFill>
+                <a:srgbClr val="000000"/>
+              </a:solidFill>
+              <a:uFill>
+                <a:solidFill>
+                  <a:srgbClr val="FFFFFF"/>
                 </a:solidFill>
               </a:uFill>
               <a:latin typeface="Arial"/>
@@ -1845,15 +2024,16 @@
           </a:prstGeom>
         </p:spPr>
         <p:txBody>
-          <a:bodyPr lIns="0" rIns="0" tIns="0" bIns="0"/>
-          <a:p>
-            <a:endParaRPr lang="pt-BR" sz="1979" spc="-1" strike="noStrike">
-              <a:solidFill>
-                <a:srgbClr val="000000"/>
-              </a:solidFill>
-              <a:uFill>
-                <a:solidFill>
-                  <a:srgbClr val="ffffff"/>
+          <a:bodyPr lIns="0" tIns="0" rIns="0" bIns="0"/>
+          <a:lstStyle/>
+          <a:p>
+            <a:endParaRPr lang="pt-BR" sz="1979" strike="noStrike" spc="-1">
+              <a:solidFill>
+                <a:srgbClr val="000000"/>
+              </a:solidFill>
+              <a:uFill>
+                <a:solidFill>
+                  <a:srgbClr val="FFFFFF"/>
                 </a:solidFill>
               </a:uFill>
               <a:latin typeface="Arial"/>
@@ -1881,15 +2061,16 @@
           </a:prstGeom>
         </p:spPr>
         <p:txBody>
-          <a:bodyPr lIns="0" rIns="0" tIns="0" bIns="0"/>
-          <a:p>
-            <a:endParaRPr lang="pt-BR" sz="1979" spc="-1" strike="noStrike">
-              <a:solidFill>
-                <a:srgbClr val="000000"/>
-              </a:solidFill>
-              <a:uFill>
-                <a:solidFill>
-                  <a:srgbClr val="ffffff"/>
+          <a:bodyPr lIns="0" tIns="0" rIns="0" bIns="0"/>
+          <a:lstStyle/>
+          <a:p>
+            <a:endParaRPr lang="pt-BR" sz="1979" strike="noStrike" spc="-1">
+              <a:solidFill>
+                <a:srgbClr val="000000"/>
+              </a:solidFill>
+              <a:uFill>
+                <a:solidFill>
+                  <a:srgbClr val="FFFFFF"/>
                 </a:solidFill>
               </a:uFill>
               <a:latin typeface="Arial"/>
@@ -1917,15 +2098,16 @@
           </a:prstGeom>
         </p:spPr>
         <p:txBody>
-          <a:bodyPr lIns="0" rIns="0" tIns="0" bIns="0"/>
-          <a:p>
-            <a:endParaRPr lang="pt-BR" sz="1979" spc="-1" strike="noStrike">
-              <a:solidFill>
-                <a:srgbClr val="000000"/>
-              </a:solidFill>
-              <a:uFill>
-                <a:solidFill>
-                  <a:srgbClr val="ffffff"/>
+          <a:bodyPr lIns="0" tIns="0" rIns="0" bIns="0"/>
+          <a:lstStyle/>
+          <a:p>
+            <a:endParaRPr lang="pt-BR" sz="1979" strike="noStrike" spc="-1">
+              <a:solidFill>
+                <a:srgbClr val="000000"/>
+              </a:solidFill>
+              <a:uFill>
+                <a:solidFill>
+                  <a:srgbClr val="FFFFFF"/>
                 </a:solidFill>
               </a:uFill>
               <a:latin typeface="Arial"/>
@@ -1935,11 +2117,14 @@
       </p:sp>
     </p:spTree>
   </p:cSld>
+  <p:clrMapOvr>
+    <a:masterClrMapping/>
+  </p:clrMapOvr>
 </p:sldLayout>
 </file>
 
 <file path=ppt/slideLayouts/slideLayout24.xml><?xml version="1.0" encoding="utf-8"?>
-<p:sldLayout xmlns:a="http://schemas.openxmlformats.org/drawingml/2006/main" xmlns:p="http://schemas.openxmlformats.org/presentationml/2006/main" xmlns:r="http://schemas.openxmlformats.org/officeDocument/2006/relationships" type="blank" preserve="1">
+<p:sldLayout xmlns:a="http://schemas.openxmlformats.org/drawingml/2006/main" xmlns:r="http://schemas.openxmlformats.org/officeDocument/2006/relationships" xmlns:p="http://schemas.openxmlformats.org/presentationml/2006/main" type="blank" preserve="1">
   <p:cSld name="Title, 6 Content">
     <p:spTree>
       <p:nvGrpSpPr>
@@ -1975,15 +2160,16 @@
           </a:prstGeom>
         </p:spPr>
         <p:txBody>
-          <a:bodyPr lIns="0" rIns="0" tIns="0" bIns="0" anchor="ctr"/>
-          <a:p>
-            <a:endParaRPr lang="pt-BR" sz="1979" spc="-1" strike="noStrike">
-              <a:solidFill>
-                <a:srgbClr val="000000"/>
-              </a:solidFill>
-              <a:uFill>
-                <a:solidFill>
-                  <a:srgbClr val="ffffff"/>
+          <a:bodyPr lIns="0" tIns="0" rIns="0" bIns="0" anchor="ctr"/>
+          <a:lstStyle/>
+          <a:p>
+            <a:endParaRPr lang="pt-BR" sz="1979" strike="noStrike" spc="-1">
+              <a:solidFill>
+                <a:srgbClr val="000000"/>
+              </a:solidFill>
+              <a:uFill>
+                <a:solidFill>
+                  <a:srgbClr val="FFFFFF"/>
                 </a:solidFill>
               </a:uFill>
               <a:latin typeface="Arial"/>
@@ -2011,15 +2197,16 @@
           </a:prstGeom>
         </p:spPr>
         <p:txBody>
-          <a:bodyPr lIns="0" rIns="0" tIns="0" bIns="0"/>
-          <a:p>
-            <a:endParaRPr lang="pt-BR" sz="1979" spc="-1" strike="noStrike">
-              <a:solidFill>
-                <a:srgbClr val="000000"/>
-              </a:solidFill>
-              <a:uFill>
-                <a:solidFill>
-                  <a:srgbClr val="ffffff"/>
+          <a:bodyPr lIns="0" tIns="0" rIns="0" bIns="0"/>
+          <a:lstStyle/>
+          <a:p>
+            <a:endParaRPr lang="pt-BR" sz="1979" strike="noStrike" spc="-1">
+              <a:solidFill>
+                <a:srgbClr val="000000"/>
+              </a:solidFill>
+              <a:uFill>
+                <a:solidFill>
+                  <a:srgbClr val="FFFFFF"/>
                 </a:solidFill>
               </a:uFill>
               <a:latin typeface="Arial"/>
@@ -2047,15 +2234,16 @@
           </a:prstGeom>
         </p:spPr>
         <p:txBody>
-          <a:bodyPr lIns="0" rIns="0" tIns="0" bIns="0"/>
-          <a:p>
-            <a:endParaRPr lang="pt-BR" sz="1979" spc="-1" strike="noStrike">
-              <a:solidFill>
-                <a:srgbClr val="000000"/>
-              </a:solidFill>
-              <a:uFill>
-                <a:solidFill>
-                  <a:srgbClr val="ffffff"/>
+          <a:bodyPr lIns="0" tIns="0" rIns="0" bIns="0"/>
+          <a:lstStyle/>
+          <a:p>
+            <a:endParaRPr lang="pt-BR" sz="1979" strike="noStrike" spc="-1">
+              <a:solidFill>
+                <a:srgbClr val="000000"/>
+              </a:solidFill>
+              <a:uFill>
+                <a:solidFill>
+                  <a:srgbClr val="FFFFFF"/>
                 </a:solidFill>
               </a:uFill>
               <a:latin typeface="Arial"/>
@@ -2065,12 +2253,12 @@
       </p:sp>
       <p:pic>
         <p:nvPicPr>
-          <p:cNvPr id="98" name="" descr=""/>
+          <p:cNvPr id="98" name="Imagem 97"/>
           <p:cNvPicPr/>
           <p:nvPr/>
         </p:nvPicPr>
         <p:blipFill>
-          <a:blip r:embed="rId2"/>
+          <a:blip r:embed="rId2" cstate="print"/>
           <a:stretch/>
         </p:blipFill>
         <p:spPr>
@@ -2088,12 +2276,12 @@
       </p:pic>
       <p:pic>
         <p:nvPicPr>
-          <p:cNvPr id="99" name="" descr=""/>
+          <p:cNvPr id="99" name="Imagem 98"/>
           <p:cNvPicPr/>
           <p:nvPr/>
         </p:nvPicPr>
         <p:blipFill>
-          <a:blip r:embed="rId3"/>
+          <a:blip r:embed="rId2" cstate="print"/>
           <a:stretch/>
         </p:blipFill>
         <p:spPr>
@@ -2111,11 +2299,14 @@
       </p:pic>
     </p:spTree>
   </p:cSld>
+  <p:clrMapOvr>
+    <a:masterClrMapping/>
+  </p:clrMapOvr>
 </p:sldLayout>
 </file>
 
 <file path=ppt/slideLayouts/slideLayout25.xml><?xml version="1.0" encoding="utf-8"?>
-<p:sldLayout xmlns:a="http://schemas.openxmlformats.org/drawingml/2006/main" xmlns:p="http://schemas.openxmlformats.org/presentationml/2006/main" xmlns:r="http://schemas.openxmlformats.org/officeDocument/2006/relationships" type="blank" preserve="1">
+<p:sldLayout xmlns:a="http://schemas.openxmlformats.org/drawingml/2006/main" xmlns:r="http://schemas.openxmlformats.org/officeDocument/2006/relationships" xmlns:p="http://schemas.openxmlformats.org/presentationml/2006/main" type="blank" preserve="1">
   <p:cSld name="Blank Slide">
     <p:spTree>
       <p:nvGrpSpPr>
@@ -2133,11 +2324,14 @@
       </p:grpSpPr>
     </p:spTree>
   </p:cSld>
+  <p:clrMapOvr>
+    <a:masterClrMapping/>
+  </p:clrMapOvr>
 </p:sldLayout>
 </file>
 
 <file path=ppt/slideLayouts/slideLayout26.xml><?xml version="1.0" encoding="utf-8"?>
-<p:sldLayout xmlns:a="http://schemas.openxmlformats.org/drawingml/2006/main" xmlns:p="http://schemas.openxmlformats.org/presentationml/2006/main" xmlns:r="http://schemas.openxmlformats.org/officeDocument/2006/relationships" type="tx" preserve="1">
+<p:sldLayout xmlns:a="http://schemas.openxmlformats.org/drawingml/2006/main" xmlns:r="http://schemas.openxmlformats.org/officeDocument/2006/relationships" xmlns:p="http://schemas.openxmlformats.org/presentationml/2006/main" type="tx" preserve="1">
   <p:cSld name="Title Slide">
     <p:spTree>
       <p:nvGrpSpPr>
@@ -2173,15 +2367,16 @@
           </a:prstGeom>
         </p:spPr>
         <p:txBody>
-          <a:bodyPr lIns="0" rIns="0" tIns="0" bIns="0" anchor="ctr"/>
-          <a:p>
-            <a:endParaRPr lang="pt-BR" sz="1979" spc="-1" strike="noStrike">
-              <a:solidFill>
-                <a:srgbClr val="000000"/>
-              </a:solidFill>
-              <a:uFill>
-                <a:solidFill>
-                  <a:srgbClr val="ffffff"/>
+          <a:bodyPr lIns="0" tIns="0" rIns="0" bIns="0" anchor="ctr"/>
+          <a:lstStyle/>
+          <a:p>
+            <a:endParaRPr lang="pt-BR" sz="1979" strike="noStrike" spc="-1">
+              <a:solidFill>
+                <a:srgbClr val="000000"/>
+              </a:solidFill>
+              <a:uFill>
+                <a:solidFill>
+                  <a:srgbClr val="FFFFFF"/>
                 </a:solidFill>
               </a:uFill>
               <a:latin typeface="Arial"/>
@@ -2209,16 +2404,17 @@
           </a:prstGeom>
         </p:spPr>
         <p:txBody>
-          <a:bodyPr lIns="0" rIns="0" tIns="0" bIns="0" anchor="ctr"/>
+          <a:bodyPr lIns="0" tIns="0" rIns="0" bIns="0" anchor="ctr"/>
+          <a:lstStyle/>
           <a:p>
             <a:pPr algn="ctr"/>
-            <a:endParaRPr lang="pt-BR" sz="3200" spc="-1" strike="noStrike">
-              <a:solidFill>
-                <a:srgbClr val="000000"/>
-              </a:solidFill>
-              <a:uFill>
-                <a:solidFill>
-                  <a:srgbClr val="ffffff"/>
+            <a:endParaRPr lang="pt-BR" sz="3200" strike="noStrike" spc="-1">
+              <a:solidFill>
+                <a:srgbClr val="000000"/>
+              </a:solidFill>
+              <a:uFill>
+                <a:solidFill>
+                  <a:srgbClr val="FFFFFF"/>
                 </a:solidFill>
               </a:uFill>
               <a:latin typeface="Arial"/>
@@ -2228,11 +2424,14 @@
       </p:sp>
     </p:spTree>
   </p:cSld>
+  <p:clrMapOvr>
+    <a:masterClrMapping/>
+  </p:clrMapOvr>
 </p:sldLayout>
 </file>
 
 <file path=ppt/slideLayouts/slideLayout27.xml><?xml version="1.0" encoding="utf-8"?>
-<p:sldLayout xmlns:a="http://schemas.openxmlformats.org/drawingml/2006/main" xmlns:p="http://schemas.openxmlformats.org/presentationml/2006/main" xmlns:r="http://schemas.openxmlformats.org/officeDocument/2006/relationships" type="obj" preserve="1">
+<p:sldLayout xmlns:a="http://schemas.openxmlformats.org/drawingml/2006/main" xmlns:r="http://schemas.openxmlformats.org/officeDocument/2006/relationships" xmlns:p="http://schemas.openxmlformats.org/presentationml/2006/main" type="obj" preserve="1">
   <p:cSld name="Title, Content">
     <p:spTree>
       <p:nvGrpSpPr>
@@ -2268,15 +2467,16 @@
           </a:prstGeom>
         </p:spPr>
         <p:txBody>
-          <a:bodyPr lIns="0" rIns="0" tIns="0" bIns="0" anchor="ctr"/>
-          <a:p>
-            <a:endParaRPr lang="pt-BR" sz="1979" spc="-1" strike="noStrike">
-              <a:solidFill>
-                <a:srgbClr val="000000"/>
-              </a:solidFill>
-              <a:uFill>
-                <a:solidFill>
-                  <a:srgbClr val="ffffff"/>
+          <a:bodyPr lIns="0" tIns="0" rIns="0" bIns="0" anchor="ctr"/>
+          <a:lstStyle/>
+          <a:p>
+            <a:endParaRPr lang="pt-BR" sz="1979" strike="noStrike" spc="-1">
+              <a:solidFill>
+                <a:srgbClr val="000000"/>
+              </a:solidFill>
+              <a:uFill>
+                <a:solidFill>
+                  <a:srgbClr val="FFFFFF"/>
                 </a:solidFill>
               </a:uFill>
               <a:latin typeface="Arial"/>
@@ -2304,15 +2504,16 @@
           </a:prstGeom>
         </p:spPr>
         <p:txBody>
-          <a:bodyPr lIns="0" rIns="0" tIns="0" bIns="0"/>
-          <a:p>
-            <a:endParaRPr lang="pt-BR" sz="1979" spc="-1" strike="noStrike">
-              <a:solidFill>
-                <a:srgbClr val="000000"/>
-              </a:solidFill>
-              <a:uFill>
-                <a:solidFill>
-                  <a:srgbClr val="ffffff"/>
+          <a:bodyPr lIns="0" tIns="0" rIns="0" bIns="0"/>
+          <a:lstStyle/>
+          <a:p>
+            <a:endParaRPr lang="pt-BR" sz="1979" strike="noStrike" spc="-1">
+              <a:solidFill>
+                <a:srgbClr val="000000"/>
+              </a:solidFill>
+              <a:uFill>
+                <a:solidFill>
+                  <a:srgbClr val="FFFFFF"/>
                 </a:solidFill>
               </a:uFill>
               <a:latin typeface="Arial"/>
@@ -2322,11 +2523,14 @@
       </p:sp>
     </p:spTree>
   </p:cSld>
+  <p:clrMapOvr>
+    <a:masterClrMapping/>
+  </p:clrMapOvr>
 </p:sldLayout>
 </file>
 
 <file path=ppt/slideLayouts/slideLayout28.xml><?xml version="1.0" encoding="utf-8"?>
-<p:sldLayout xmlns:a="http://schemas.openxmlformats.org/drawingml/2006/main" xmlns:p="http://schemas.openxmlformats.org/presentationml/2006/main" xmlns:r="http://schemas.openxmlformats.org/officeDocument/2006/relationships" type="twoObj" preserve="1">
+<p:sldLayout xmlns:a="http://schemas.openxmlformats.org/drawingml/2006/main" xmlns:r="http://schemas.openxmlformats.org/officeDocument/2006/relationships" xmlns:p="http://schemas.openxmlformats.org/presentationml/2006/main" type="twoObj" preserve="1">
   <p:cSld name="Title, 2 Content">
     <p:spTree>
       <p:nvGrpSpPr>
@@ -2362,15 +2566,16 @@
           </a:prstGeom>
         </p:spPr>
         <p:txBody>
-          <a:bodyPr lIns="0" rIns="0" tIns="0" bIns="0" anchor="ctr"/>
-          <a:p>
-            <a:endParaRPr lang="pt-BR" sz="1979" spc="-1" strike="noStrike">
-              <a:solidFill>
-                <a:srgbClr val="000000"/>
-              </a:solidFill>
-              <a:uFill>
-                <a:solidFill>
-                  <a:srgbClr val="ffffff"/>
+          <a:bodyPr lIns="0" tIns="0" rIns="0" bIns="0" anchor="ctr"/>
+          <a:lstStyle/>
+          <a:p>
+            <a:endParaRPr lang="pt-BR" sz="1979" strike="noStrike" spc="-1">
+              <a:solidFill>
+                <a:srgbClr val="000000"/>
+              </a:solidFill>
+              <a:uFill>
+                <a:solidFill>
+                  <a:srgbClr val="FFFFFF"/>
                 </a:solidFill>
               </a:uFill>
               <a:latin typeface="Arial"/>
@@ -2398,15 +2603,16 @@
           </a:prstGeom>
         </p:spPr>
         <p:txBody>
-          <a:bodyPr lIns="0" rIns="0" tIns="0" bIns="0"/>
-          <a:p>
-            <a:endParaRPr lang="pt-BR" sz="1979" spc="-1" strike="noStrike">
-              <a:solidFill>
-                <a:srgbClr val="000000"/>
-              </a:solidFill>
-              <a:uFill>
-                <a:solidFill>
-                  <a:srgbClr val="ffffff"/>
+          <a:bodyPr lIns="0" tIns="0" rIns="0" bIns="0"/>
+          <a:lstStyle/>
+          <a:p>
+            <a:endParaRPr lang="pt-BR" sz="1979" strike="noStrike" spc="-1">
+              <a:solidFill>
+                <a:srgbClr val="000000"/>
+              </a:solidFill>
+              <a:uFill>
+                <a:solidFill>
+                  <a:srgbClr val="FFFFFF"/>
                 </a:solidFill>
               </a:uFill>
               <a:latin typeface="Arial"/>
@@ -2434,15 +2640,16 @@
           </a:prstGeom>
         </p:spPr>
         <p:txBody>
-          <a:bodyPr lIns="0" rIns="0" tIns="0" bIns="0"/>
-          <a:p>
-            <a:endParaRPr lang="pt-BR" sz="1979" spc="-1" strike="noStrike">
-              <a:solidFill>
-                <a:srgbClr val="000000"/>
-              </a:solidFill>
-              <a:uFill>
-                <a:solidFill>
-                  <a:srgbClr val="ffffff"/>
+          <a:bodyPr lIns="0" tIns="0" rIns="0" bIns="0"/>
+          <a:lstStyle/>
+          <a:p>
+            <a:endParaRPr lang="pt-BR" sz="1979" strike="noStrike" spc="-1">
+              <a:solidFill>
+                <a:srgbClr val="000000"/>
+              </a:solidFill>
+              <a:uFill>
+                <a:solidFill>
+                  <a:srgbClr val="FFFFFF"/>
                 </a:solidFill>
               </a:uFill>
               <a:latin typeface="Arial"/>
@@ -2452,11 +2659,14 @@
       </p:sp>
     </p:spTree>
   </p:cSld>
+  <p:clrMapOvr>
+    <a:masterClrMapping/>
+  </p:clrMapOvr>
 </p:sldLayout>
 </file>
 
 <file path=ppt/slideLayouts/slideLayout29.xml><?xml version="1.0" encoding="utf-8"?>
-<p:sldLayout xmlns:a="http://schemas.openxmlformats.org/drawingml/2006/main" xmlns:p="http://schemas.openxmlformats.org/presentationml/2006/main" xmlns:r="http://schemas.openxmlformats.org/officeDocument/2006/relationships" type="titleOnly" preserve="1">
+<p:sldLayout xmlns:a="http://schemas.openxmlformats.org/drawingml/2006/main" xmlns:r="http://schemas.openxmlformats.org/officeDocument/2006/relationships" xmlns:p="http://schemas.openxmlformats.org/presentationml/2006/main" type="titleOnly" preserve="1">
   <p:cSld name="Title Only">
     <p:spTree>
       <p:nvGrpSpPr>
@@ -2492,15 +2702,16 @@
           </a:prstGeom>
         </p:spPr>
         <p:txBody>
-          <a:bodyPr lIns="0" rIns="0" tIns="0" bIns="0" anchor="ctr"/>
-          <a:p>
-            <a:endParaRPr lang="pt-BR" sz="1979" spc="-1" strike="noStrike">
-              <a:solidFill>
-                <a:srgbClr val="000000"/>
-              </a:solidFill>
-              <a:uFill>
-                <a:solidFill>
-                  <a:srgbClr val="ffffff"/>
+          <a:bodyPr lIns="0" tIns="0" rIns="0" bIns="0" anchor="ctr"/>
+          <a:lstStyle/>
+          <a:p>
+            <a:endParaRPr lang="pt-BR" sz="1979" strike="noStrike" spc="-1">
+              <a:solidFill>
+                <a:srgbClr val="000000"/>
+              </a:solidFill>
+              <a:uFill>
+                <a:solidFill>
+                  <a:srgbClr val="FFFFFF"/>
                 </a:solidFill>
               </a:uFill>
               <a:latin typeface="Arial"/>
@@ -2510,11 +2721,14 @@
       </p:sp>
     </p:spTree>
   </p:cSld>
+  <p:clrMapOvr>
+    <a:masterClrMapping/>
+  </p:clrMapOvr>
 </p:sldLayout>
 </file>
 
 <file path=ppt/slideLayouts/slideLayout3.xml><?xml version="1.0" encoding="utf-8"?>
-<p:sldLayout xmlns:a="http://schemas.openxmlformats.org/drawingml/2006/main" xmlns:p="http://schemas.openxmlformats.org/presentationml/2006/main" xmlns:r="http://schemas.openxmlformats.org/officeDocument/2006/relationships" type="obj" preserve="1">
+<p:sldLayout xmlns:a="http://schemas.openxmlformats.org/drawingml/2006/main" xmlns:r="http://schemas.openxmlformats.org/officeDocument/2006/relationships" xmlns:p="http://schemas.openxmlformats.org/presentationml/2006/main" type="obj" preserve="1">
   <p:cSld name="Title, Content">
     <p:spTree>
       <p:nvGrpSpPr>
@@ -2550,15 +2764,16 @@
           </a:prstGeom>
         </p:spPr>
         <p:txBody>
-          <a:bodyPr lIns="0" rIns="0" tIns="0" bIns="0" anchor="ctr"/>
-          <a:p>
-            <a:endParaRPr lang="pt-BR" sz="1979" spc="-1" strike="noStrike">
-              <a:solidFill>
-                <a:srgbClr val="000000"/>
-              </a:solidFill>
-              <a:uFill>
-                <a:solidFill>
-                  <a:srgbClr val="ffffff"/>
+          <a:bodyPr lIns="0" tIns="0" rIns="0" bIns="0" anchor="ctr"/>
+          <a:lstStyle/>
+          <a:p>
+            <a:endParaRPr lang="pt-BR" sz="1979" strike="noStrike" spc="-1">
+              <a:solidFill>
+                <a:srgbClr val="000000"/>
+              </a:solidFill>
+              <a:uFill>
+                <a:solidFill>
+                  <a:srgbClr val="FFFFFF"/>
                 </a:solidFill>
               </a:uFill>
               <a:latin typeface="Arial"/>
@@ -2586,15 +2801,16 @@
           </a:prstGeom>
         </p:spPr>
         <p:txBody>
-          <a:bodyPr lIns="0" rIns="0" tIns="0" bIns="0"/>
-          <a:p>
-            <a:endParaRPr lang="pt-BR" sz="1979" spc="-1" strike="noStrike">
-              <a:solidFill>
-                <a:srgbClr val="000000"/>
-              </a:solidFill>
-              <a:uFill>
-                <a:solidFill>
-                  <a:srgbClr val="ffffff"/>
+          <a:bodyPr lIns="0" tIns="0" rIns="0" bIns="0"/>
+          <a:lstStyle/>
+          <a:p>
+            <a:endParaRPr lang="pt-BR" sz="1979" strike="noStrike" spc="-1">
+              <a:solidFill>
+                <a:srgbClr val="000000"/>
+              </a:solidFill>
+              <a:uFill>
+                <a:solidFill>
+                  <a:srgbClr val="FFFFFF"/>
                 </a:solidFill>
               </a:uFill>
               <a:latin typeface="Arial"/>
@@ -2604,11 +2820,14 @@
       </p:sp>
     </p:spTree>
   </p:cSld>
+  <p:clrMapOvr>
+    <a:masterClrMapping/>
+  </p:clrMapOvr>
 </p:sldLayout>
 </file>
 
 <file path=ppt/slideLayouts/slideLayout30.xml><?xml version="1.0" encoding="utf-8"?>
-<p:sldLayout xmlns:a="http://schemas.openxmlformats.org/drawingml/2006/main" xmlns:p="http://schemas.openxmlformats.org/presentationml/2006/main" xmlns:r="http://schemas.openxmlformats.org/officeDocument/2006/relationships" type="objOnly" preserve="1">
+<p:sldLayout xmlns:a="http://schemas.openxmlformats.org/drawingml/2006/main" xmlns:r="http://schemas.openxmlformats.org/officeDocument/2006/relationships" xmlns:p="http://schemas.openxmlformats.org/presentationml/2006/main" type="objOnly" preserve="1">
   <p:cSld name="Centered Text">
     <p:spTree>
       <p:nvGrpSpPr>
@@ -2644,16 +2863,17 @@
           </a:prstGeom>
         </p:spPr>
         <p:txBody>
-          <a:bodyPr lIns="0" rIns="0" tIns="0" bIns="0" anchor="ctr"/>
+          <a:bodyPr lIns="0" tIns="0" rIns="0" bIns="0" anchor="ctr"/>
+          <a:lstStyle/>
           <a:p>
             <a:pPr algn="ctr"/>
-            <a:endParaRPr lang="pt-BR" sz="3200" spc="-1" strike="noStrike">
-              <a:solidFill>
-                <a:srgbClr val="000000"/>
-              </a:solidFill>
-              <a:uFill>
-                <a:solidFill>
-                  <a:srgbClr val="ffffff"/>
+            <a:endParaRPr lang="pt-BR" sz="3200" strike="noStrike" spc="-1">
+              <a:solidFill>
+                <a:srgbClr val="000000"/>
+              </a:solidFill>
+              <a:uFill>
+                <a:solidFill>
+                  <a:srgbClr val="FFFFFF"/>
                 </a:solidFill>
               </a:uFill>
               <a:latin typeface="Arial"/>
@@ -2663,11 +2883,14 @@
       </p:sp>
     </p:spTree>
   </p:cSld>
+  <p:clrMapOvr>
+    <a:masterClrMapping/>
+  </p:clrMapOvr>
 </p:sldLayout>
 </file>
 
 <file path=ppt/slideLayouts/slideLayout31.xml><?xml version="1.0" encoding="utf-8"?>
-<p:sldLayout xmlns:a="http://schemas.openxmlformats.org/drawingml/2006/main" xmlns:p="http://schemas.openxmlformats.org/presentationml/2006/main" xmlns:r="http://schemas.openxmlformats.org/officeDocument/2006/relationships" type="twoObjAndObj" preserve="1">
+<p:sldLayout xmlns:a="http://schemas.openxmlformats.org/drawingml/2006/main" xmlns:r="http://schemas.openxmlformats.org/officeDocument/2006/relationships" xmlns:p="http://schemas.openxmlformats.org/presentationml/2006/main" type="twoObjAndObj" preserve="1">
   <p:cSld name="Title, 2 Content and Content">
     <p:spTree>
       <p:nvGrpSpPr>
@@ -2703,15 +2926,16 @@
           </a:prstGeom>
         </p:spPr>
         <p:txBody>
-          <a:bodyPr lIns="0" rIns="0" tIns="0" bIns="0" anchor="ctr"/>
-          <a:p>
-            <a:endParaRPr lang="pt-BR" sz="1979" spc="-1" strike="noStrike">
-              <a:solidFill>
-                <a:srgbClr val="000000"/>
-              </a:solidFill>
-              <a:uFill>
-                <a:solidFill>
-                  <a:srgbClr val="ffffff"/>
+          <a:bodyPr lIns="0" tIns="0" rIns="0" bIns="0" anchor="ctr"/>
+          <a:lstStyle/>
+          <a:p>
+            <a:endParaRPr lang="pt-BR" sz="1979" strike="noStrike" spc="-1">
+              <a:solidFill>
+                <a:srgbClr val="000000"/>
+              </a:solidFill>
+              <a:uFill>
+                <a:solidFill>
+                  <a:srgbClr val="FFFFFF"/>
                 </a:solidFill>
               </a:uFill>
               <a:latin typeface="Arial"/>
@@ -2739,15 +2963,16 @@
           </a:prstGeom>
         </p:spPr>
         <p:txBody>
-          <a:bodyPr lIns="0" rIns="0" tIns="0" bIns="0"/>
-          <a:p>
-            <a:endParaRPr lang="pt-BR" sz="1979" spc="-1" strike="noStrike">
-              <a:solidFill>
-                <a:srgbClr val="000000"/>
-              </a:solidFill>
-              <a:uFill>
-                <a:solidFill>
-                  <a:srgbClr val="ffffff"/>
+          <a:bodyPr lIns="0" tIns="0" rIns="0" bIns="0"/>
+          <a:lstStyle/>
+          <a:p>
+            <a:endParaRPr lang="pt-BR" sz="1979" strike="noStrike" spc="-1">
+              <a:solidFill>
+                <a:srgbClr val="000000"/>
+              </a:solidFill>
+              <a:uFill>
+                <a:solidFill>
+                  <a:srgbClr val="FFFFFF"/>
                 </a:solidFill>
               </a:uFill>
               <a:latin typeface="Arial"/>
@@ -2775,15 +3000,16 @@
           </a:prstGeom>
         </p:spPr>
         <p:txBody>
-          <a:bodyPr lIns="0" rIns="0" tIns="0" bIns="0"/>
-          <a:p>
-            <a:endParaRPr lang="pt-BR" sz="1979" spc="-1" strike="noStrike">
-              <a:solidFill>
-                <a:srgbClr val="000000"/>
-              </a:solidFill>
-              <a:uFill>
-                <a:solidFill>
-                  <a:srgbClr val="ffffff"/>
+          <a:bodyPr lIns="0" tIns="0" rIns="0" bIns="0"/>
+          <a:lstStyle/>
+          <a:p>
+            <a:endParaRPr lang="pt-BR" sz="1979" strike="noStrike" spc="-1">
+              <a:solidFill>
+                <a:srgbClr val="000000"/>
+              </a:solidFill>
+              <a:uFill>
+                <a:solidFill>
+                  <a:srgbClr val="FFFFFF"/>
                 </a:solidFill>
               </a:uFill>
               <a:latin typeface="Arial"/>
@@ -2811,15 +3037,16 @@
           </a:prstGeom>
         </p:spPr>
         <p:txBody>
-          <a:bodyPr lIns="0" rIns="0" tIns="0" bIns="0"/>
-          <a:p>
-            <a:endParaRPr lang="pt-BR" sz="1979" spc="-1" strike="noStrike">
-              <a:solidFill>
-                <a:srgbClr val="000000"/>
-              </a:solidFill>
-              <a:uFill>
-                <a:solidFill>
-                  <a:srgbClr val="ffffff"/>
+          <a:bodyPr lIns="0" tIns="0" rIns="0" bIns="0"/>
+          <a:lstStyle/>
+          <a:p>
+            <a:endParaRPr lang="pt-BR" sz="1979" strike="noStrike" spc="-1">
+              <a:solidFill>
+                <a:srgbClr val="000000"/>
+              </a:solidFill>
+              <a:uFill>
+                <a:solidFill>
+                  <a:srgbClr val="FFFFFF"/>
                 </a:solidFill>
               </a:uFill>
               <a:latin typeface="Arial"/>
@@ -2829,11 +3056,14 @@
       </p:sp>
     </p:spTree>
   </p:cSld>
+  <p:clrMapOvr>
+    <a:masterClrMapping/>
+  </p:clrMapOvr>
 </p:sldLayout>
 </file>
 
 <file path=ppt/slideLayouts/slideLayout32.xml><?xml version="1.0" encoding="utf-8"?>
-<p:sldLayout xmlns:a="http://schemas.openxmlformats.org/drawingml/2006/main" xmlns:p="http://schemas.openxmlformats.org/presentationml/2006/main" xmlns:r="http://schemas.openxmlformats.org/officeDocument/2006/relationships" type="objAndTwoObj" preserve="1">
+<p:sldLayout xmlns:a="http://schemas.openxmlformats.org/drawingml/2006/main" xmlns:r="http://schemas.openxmlformats.org/officeDocument/2006/relationships" xmlns:p="http://schemas.openxmlformats.org/presentationml/2006/main" type="objAndTwoObj" preserve="1">
   <p:cSld name="Title Content and 2 Content">
     <p:spTree>
       <p:nvGrpSpPr>
@@ -2869,15 +3099,16 @@
           </a:prstGeom>
         </p:spPr>
         <p:txBody>
-          <a:bodyPr lIns="0" rIns="0" tIns="0" bIns="0" anchor="ctr"/>
-          <a:p>
-            <a:endParaRPr lang="pt-BR" sz="1979" spc="-1" strike="noStrike">
-              <a:solidFill>
-                <a:srgbClr val="000000"/>
-              </a:solidFill>
-              <a:uFill>
-                <a:solidFill>
-                  <a:srgbClr val="ffffff"/>
+          <a:bodyPr lIns="0" tIns="0" rIns="0" bIns="0" anchor="ctr"/>
+          <a:lstStyle/>
+          <a:p>
+            <a:endParaRPr lang="pt-BR" sz="1979" strike="noStrike" spc="-1">
+              <a:solidFill>
+                <a:srgbClr val="000000"/>
+              </a:solidFill>
+              <a:uFill>
+                <a:solidFill>
+                  <a:srgbClr val="FFFFFF"/>
                 </a:solidFill>
               </a:uFill>
               <a:latin typeface="Arial"/>
@@ -2905,15 +3136,16 @@
           </a:prstGeom>
         </p:spPr>
         <p:txBody>
-          <a:bodyPr lIns="0" rIns="0" tIns="0" bIns="0"/>
-          <a:p>
-            <a:endParaRPr lang="pt-BR" sz="1979" spc="-1" strike="noStrike">
-              <a:solidFill>
-                <a:srgbClr val="000000"/>
-              </a:solidFill>
-              <a:uFill>
-                <a:solidFill>
-                  <a:srgbClr val="ffffff"/>
+          <a:bodyPr lIns="0" tIns="0" rIns="0" bIns="0"/>
+          <a:lstStyle/>
+          <a:p>
+            <a:endParaRPr lang="pt-BR" sz="1979" strike="noStrike" spc="-1">
+              <a:solidFill>
+                <a:srgbClr val="000000"/>
+              </a:solidFill>
+              <a:uFill>
+                <a:solidFill>
+                  <a:srgbClr val="FFFFFF"/>
                 </a:solidFill>
               </a:uFill>
               <a:latin typeface="Arial"/>
@@ -2941,15 +3173,16 @@
           </a:prstGeom>
         </p:spPr>
         <p:txBody>
-          <a:bodyPr lIns="0" rIns="0" tIns="0" bIns="0"/>
-          <a:p>
-            <a:endParaRPr lang="pt-BR" sz="1979" spc="-1" strike="noStrike">
-              <a:solidFill>
-                <a:srgbClr val="000000"/>
-              </a:solidFill>
-              <a:uFill>
-                <a:solidFill>
-                  <a:srgbClr val="ffffff"/>
+          <a:bodyPr lIns="0" tIns="0" rIns="0" bIns="0"/>
+          <a:lstStyle/>
+          <a:p>
+            <a:endParaRPr lang="pt-BR" sz="1979" strike="noStrike" spc="-1">
+              <a:solidFill>
+                <a:srgbClr val="000000"/>
+              </a:solidFill>
+              <a:uFill>
+                <a:solidFill>
+                  <a:srgbClr val="FFFFFF"/>
                 </a:solidFill>
               </a:uFill>
               <a:latin typeface="Arial"/>
@@ -2977,15 +3210,16 @@
           </a:prstGeom>
         </p:spPr>
         <p:txBody>
-          <a:bodyPr lIns="0" rIns="0" tIns="0" bIns="0"/>
-          <a:p>
-            <a:endParaRPr lang="pt-BR" sz="1979" spc="-1" strike="noStrike">
-              <a:solidFill>
-                <a:srgbClr val="000000"/>
-              </a:solidFill>
-              <a:uFill>
-                <a:solidFill>
-                  <a:srgbClr val="ffffff"/>
+          <a:bodyPr lIns="0" tIns="0" rIns="0" bIns="0"/>
+          <a:lstStyle/>
+          <a:p>
+            <a:endParaRPr lang="pt-BR" sz="1979" strike="noStrike" spc="-1">
+              <a:solidFill>
+                <a:srgbClr val="000000"/>
+              </a:solidFill>
+              <a:uFill>
+                <a:solidFill>
+                  <a:srgbClr val="FFFFFF"/>
                 </a:solidFill>
               </a:uFill>
               <a:latin typeface="Arial"/>
@@ -2995,11 +3229,14 @@
       </p:sp>
     </p:spTree>
   </p:cSld>
+  <p:clrMapOvr>
+    <a:masterClrMapping/>
+  </p:clrMapOvr>
 </p:sldLayout>
 </file>
 
 <file path=ppt/slideLayouts/slideLayout33.xml><?xml version="1.0" encoding="utf-8"?>
-<p:sldLayout xmlns:a="http://schemas.openxmlformats.org/drawingml/2006/main" xmlns:p="http://schemas.openxmlformats.org/presentationml/2006/main" xmlns:r="http://schemas.openxmlformats.org/officeDocument/2006/relationships" type="twoObjOverTx" preserve="1">
+<p:sldLayout xmlns:a="http://schemas.openxmlformats.org/drawingml/2006/main" xmlns:r="http://schemas.openxmlformats.org/officeDocument/2006/relationships" xmlns:p="http://schemas.openxmlformats.org/presentationml/2006/main" type="twoObjOverTx" preserve="1">
   <p:cSld name="Title, 2 Content over Content">
     <p:spTree>
       <p:nvGrpSpPr>
@@ -3035,15 +3272,16 @@
           </a:prstGeom>
         </p:spPr>
         <p:txBody>
-          <a:bodyPr lIns="0" rIns="0" tIns="0" bIns="0" anchor="ctr"/>
-          <a:p>
-            <a:endParaRPr lang="pt-BR" sz="1979" spc="-1" strike="noStrike">
-              <a:solidFill>
-                <a:srgbClr val="000000"/>
-              </a:solidFill>
-              <a:uFill>
-                <a:solidFill>
-                  <a:srgbClr val="ffffff"/>
+          <a:bodyPr lIns="0" tIns="0" rIns="0" bIns="0" anchor="ctr"/>
+          <a:lstStyle/>
+          <a:p>
+            <a:endParaRPr lang="pt-BR" sz="1979" strike="noStrike" spc="-1">
+              <a:solidFill>
+                <a:srgbClr val="000000"/>
+              </a:solidFill>
+              <a:uFill>
+                <a:solidFill>
+                  <a:srgbClr val="FFFFFF"/>
                 </a:solidFill>
               </a:uFill>
               <a:latin typeface="Arial"/>
@@ -3071,15 +3309,16 @@
           </a:prstGeom>
         </p:spPr>
         <p:txBody>
-          <a:bodyPr lIns="0" rIns="0" tIns="0" bIns="0"/>
-          <a:p>
-            <a:endParaRPr lang="pt-BR" sz="1979" spc="-1" strike="noStrike">
-              <a:solidFill>
-                <a:srgbClr val="000000"/>
-              </a:solidFill>
-              <a:uFill>
-                <a:solidFill>
-                  <a:srgbClr val="ffffff"/>
+          <a:bodyPr lIns="0" tIns="0" rIns="0" bIns="0"/>
+          <a:lstStyle/>
+          <a:p>
+            <a:endParaRPr lang="pt-BR" sz="1979" strike="noStrike" spc="-1">
+              <a:solidFill>
+                <a:srgbClr val="000000"/>
+              </a:solidFill>
+              <a:uFill>
+                <a:solidFill>
+                  <a:srgbClr val="FFFFFF"/>
                 </a:solidFill>
               </a:uFill>
               <a:latin typeface="Arial"/>
@@ -3107,15 +3346,16 @@
           </a:prstGeom>
         </p:spPr>
         <p:txBody>
-          <a:bodyPr lIns="0" rIns="0" tIns="0" bIns="0"/>
-          <a:p>
-            <a:endParaRPr lang="pt-BR" sz="1979" spc="-1" strike="noStrike">
-              <a:solidFill>
-                <a:srgbClr val="000000"/>
-              </a:solidFill>
-              <a:uFill>
-                <a:solidFill>
-                  <a:srgbClr val="ffffff"/>
+          <a:bodyPr lIns="0" tIns="0" rIns="0" bIns="0"/>
+          <a:lstStyle/>
+          <a:p>
+            <a:endParaRPr lang="pt-BR" sz="1979" strike="noStrike" spc="-1">
+              <a:solidFill>
+                <a:srgbClr val="000000"/>
+              </a:solidFill>
+              <a:uFill>
+                <a:solidFill>
+                  <a:srgbClr val="FFFFFF"/>
                 </a:solidFill>
               </a:uFill>
               <a:latin typeface="Arial"/>
@@ -3143,15 +3383,16 @@
           </a:prstGeom>
         </p:spPr>
         <p:txBody>
-          <a:bodyPr lIns="0" rIns="0" tIns="0" bIns="0"/>
-          <a:p>
-            <a:endParaRPr lang="pt-BR" sz="1979" spc="-1" strike="noStrike">
-              <a:solidFill>
-                <a:srgbClr val="000000"/>
-              </a:solidFill>
-              <a:uFill>
-                <a:solidFill>
-                  <a:srgbClr val="ffffff"/>
+          <a:bodyPr lIns="0" tIns="0" rIns="0" bIns="0"/>
+          <a:lstStyle/>
+          <a:p>
+            <a:endParaRPr lang="pt-BR" sz="1979" strike="noStrike" spc="-1">
+              <a:solidFill>
+                <a:srgbClr val="000000"/>
+              </a:solidFill>
+              <a:uFill>
+                <a:solidFill>
+                  <a:srgbClr val="FFFFFF"/>
                 </a:solidFill>
               </a:uFill>
               <a:latin typeface="Arial"/>
@@ -3161,11 +3402,14 @@
       </p:sp>
     </p:spTree>
   </p:cSld>
+  <p:clrMapOvr>
+    <a:masterClrMapping/>
+  </p:clrMapOvr>
 </p:sldLayout>
 </file>
 
 <file path=ppt/slideLayouts/slideLayout34.xml><?xml version="1.0" encoding="utf-8"?>
-<p:sldLayout xmlns:a="http://schemas.openxmlformats.org/drawingml/2006/main" xmlns:p="http://schemas.openxmlformats.org/presentationml/2006/main" xmlns:r="http://schemas.openxmlformats.org/officeDocument/2006/relationships" type="objOverTx" preserve="1">
+<p:sldLayout xmlns:a="http://schemas.openxmlformats.org/drawingml/2006/main" xmlns:r="http://schemas.openxmlformats.org/officeDocument/2006/relationships" xmlns:p="http://schemas.openxmlformats.org/presentationml/2006/main" type="objOverTx" preserve="1">
   <p:cSld name="Title, Content over Content">
     <p:spTree>
       <p:nvGrpSpPr>
@@ -3201,15 +3445,16 @@
           </a:prstGeom>
         </p:spPr>
         <p:txBody>
-          <a:bodyPr lIns="0" rIns="0" tIns="0" bIns="0" anchor="ctr"/>
-          <a:p>
-            <a:endParaRPr lang="pt-BR" sz="1979" spc="-1" strike="noStrike">
-              <a:solidFill>
-                <a:srgbClr val="000000"/>
-              </a:solidFill>
-              <a:uFill>
-                <a:solidFill>
-                  <a:srgbClr val="ffffff"/>
+          <a:bodyPr lIns="0" tIns="0" rIns="0" bIns="0" anchor="ctr"/>
+          <a:lstStyle/>
+          <a:p>
+            <a:endParaRPr lang="pt-BR" sz="1979" strike="noStrike" spc="-1">
+              <a:solidFill>
+                <a:srgbClr val="000000"/>
+              </a:solidFill>
+              <a:uFill>
+                <a:solidFill>
+                  <a:srgbClr val="FFFFFF"/>
                 </a:solidFill>
               </a:uFill>
               <a:latin typeface="Arial"/>
@@ -3237,15 +3482,16 @@
           </a:prstGeom>
         </p:spPr>
         <p:txBody>
-          <a:bodyPr lIns="0" rIns="0" tIns="0" bIns="0"/>
-          <a:p>
-            <a:endParaRPr lang="pt-BR" sz="1979" spc="-1" strike="noStrike">
-              <a:solidFill>
-                <a:srgbClr val="000000"/>
-              </a:solidFill>
-              <a:uFill>
-                <a:solidFill>
-                  <a:srgbClr val="ffffff"/>
+          <a:bodyPr lIns="0" tIns="0" rIns="0" bIns="0"/>
+          <a:lstStyle/>
+          <a:p>
+            <a:endParaRPr lang="pt-BR" sz="1979" strike="noStrike" spc="-1">
+              <a:solidFill>
+                <a:srgbClr val="000000"/>
+              </a:solidFill>
+              <a:uFill>
+                <a:solidFill>
+                  <a:srgbClr val="FFFFFF"/>
                 </a:solidFill>
               </a:uFill>
               <a:latin typeface="Arial"/>
@@ -3273,15 +3519,16 @@
           </a:prstGeom>
         </p:spPr>
         <p:txBody>
-          <a:bodyPr lIns="0" rIns="0" tIns="0" bIns="0"/>
-          <a:p>
-            <a:endParaRPr lang="pt-BR" sz="1979" spc="-1" strike="noStrike">
-              <a:solidFill>
-                <a:srgbClr val="000000"/>
-              </a:solidFill>
-              <a:uFill>
-                <a:solidFill>
-                  <a:srgbClr val="ffffff"/>
+          <a:bodyPr lIns="0" tIns="0" rIns="0" bIns="0"/>
+          <a:lstStyle/>
+          <a:p>
+            <a:endParaRPr lang="pt-BR" sz="1979" strike="noStrike" spc="-1">
+              <a:solidFill>
+                <a:srgbClr val="000000"/>
+              </a:solidFill>
+              <a:uFill>
+                <a:solidFill>
+                  <a:srgbClr val="FFFFFF"/>
                 </a:solidFill>
               </a:uFill>
               <a:latin typeface="Arial"/>
@@ -3291,11 +3538,14 @@
       </p:sp>
     </p:spTree>
   </p:cSld>
+  <p:clrMapOvr>
+    <a:masterClrMapping/>
+  </p:clrMapOvr>
 </p:sldLayout>
 </file>
 
 <file path=ppt/slideLayouts/slideLayout35.xml><?xml version="1.0" encoding="utf-8"?>
-<p:sldLayout xmlns:a="http://schemas.openxmlformats.org/drawingml/2006/main" xmlns:p="http://schemas.openxmlformats.org/presentationml/2006/main" xmlns:r="http://schemas.openxmlformats.org/officeDocument/2006/relationships" type="fourObj" preserve="1">
+<p:sldLayout xmlns:a="http://schemas.openxmlformats.org/drawingml/2006/main" xmlns:r="http://schemas.openxmlformats.org/officeDocument/2006/relationships" xmlns:p="http://schemas.openxmlformats.org/presentationml/2006/main" type="fourObj" preserve="1">
   <p:cSld name="Title, 4 Content">
     <p:spTree>
       <p:nvGrpSpPr>
@@ -3331,15 +3581,16 @@
           </a:prstGeom>
         </p:spPr>
         <p:txBody>
-          <a:bodyPr lIns="0" rIns="0" tIns="0" bIns="0" anchor="ctr"/>
-          <a:p>
-            <a:endParaRPr lang="pt-BR" sz="1979" spc="-1" strike="noStrike">
-              <a:solidFill>
-                <a:srgbClr val="000000"/>
-              </a:solidFill>
-              <a:uFill>
-                <a:solidFill>
-                  <a:srgbClr val="ffffff"/>
+          <a:bodyPr lIns="0" tIns="0" rIns="0" bIns="0" anchor="ctr"/>
+          <a:lstStyle/>
+          <a:p>
+            <a:endParaRPr lang="pt-BR" sz="1979" strike="noStrike" spc="-1">
+              <a:solidFill>
+                <a:srgbClr val="000000"/>
+              </a:solidFill>
+              <a:uFill>
+                <a:solidFill>
+                  <a:srgbClr val="FFFFFF"/>
                 </a:solidFill>
               </a:uFill>
               <a:latin typeface="Arial"/>
@@ -3367,15 +3618,16 @@
           </a:prstGeom>
         </p:spPr>
         <p:txBody>
-          <a:bodyPr lIns="0" rIns="0" tIns="0" bIns="0"/>
-          <a:p>
-            <a:endParaRPr lang="pt-BR" sz="1979" spc="-1" strike="noStrike">
-              <a:solidFill>
-                <a:srgbClr val="000000"/>
-              </a:solidFill>
-              <a:uFill>
-                <a:solidFill>
-                  <a:srgbClr val="ffffff"/>
+          <a:bodyPr lIns="0" tIns="0" rIns="0" bIns="0"/>
+          <a:lstStyle/>
+          <a:p>
+            <a:endParaRPr lang="pt-BR" sz="1979" strike="noStrike" spc="-1">
+              <a:solidFill>
+                <a:srgbClr val="000000"/>
+              </a:solidFill>
+              <a:uFill>
+                <a:solidFill>
+                  <a:srgbClr val="FFFFFF"/>
                 </a:solidFill>
               </a:uFill>
               <a:latin typeface="Arial"/>
@@ -3403,15 +3655,16 @@
           </a:prstGeom>
         </p:spPr>
         <p:txBody>
-          <a:bodyPr lIns="0" rIns="0" tIns="0" bIns="0"/>
-          <a:p>
-            <a:endParaRPr lang="pt-BR" sz="1979" spc="-1" strike="noStrike">
-              <a:solidFill>
-                <a:srgbClr val="000000"/>
-              </a:solidFill>
-              <a:uFill>
-                <a:solidFill>
-                  <a:srgbClr val="ffffff"/>
+          <a:bodyPr lIns="0" tIns="0" rIns="0" bIns="0"/>
+          <a:lstStyle/>
+          <a:p>
+            <a:endParaRPr lang="pt-BR" sz="1979" strike="noStrike" spc="-1">
+              <a:solidFill>
+                <a:srgbClr val="000000"/>
+              </a:solidFill>
+              <a:uFill>
+                <a:solidFill>
+                  <a:srgbClr val="FFFFFF"/>
                 </a:solidFill>
               </a:uFill>
               <a:latin typeface="Arial"/>
@@ -3439,15 +3692,16 @@
           </a:prstGeom>
         </p:spPr>
         <p:txBody>
-          <a:bodyPr lIns="0" rIns="0" tIns="0" bIns="0"/>
-          <a:p>
-            <a:endParaRPr lang="pt-BR" sz="1979" spc="-1" strike="noStrike">
-              <a:solidFill>
-                <a:srgbClr val="000000"/>
-              </a:solidFill>
-              <a:uFill>
-                <a:solidFill>
-                  <a:srgbClr val="ffffff"/>
+          <a:bodyPr lIns="0" tIns="0" rIns="0" bIns="0"/>
+          <a:lstStyle/>
+          <a:p>
+            <a:endParaRPr lang="pt-BR" sz="1979" strike="noStrike" spc="-1">
+              <a:solidFill>
+                <a:srgbClr val="000000"/>
+              </a:solidFill>
+              <a:uFill>
+                <a:solidFill>
+                  <a:srgbClr val="FFFFFF"/>
                 </a:solidFill>
               </a:uFill>
               <a:latin typeface="Arial"/>
@@ -3475,15 +3729,16 @@
           </a:prstGeom>
         </p:spPr>
         <p:txBody>
-          <a:bodyPr lIns="0" rIns="0" tIns="0" bIns="0"/>
-          <a:p>
-            <a:endParaRPr lang="pt-BR" sz="1979" spc="-1" strike="noStrike">
-              <a:solidFill>
-                <a:srgbClr val="000000"/>
-              </a:solidFill>
-              <a:uFill>
-                <a:solidFill>
-                  <a:srgbClr val="ffffff"/>
+          <a:bodyPr lIns="0" tIns="0" rIns="0" bIns="0"/>
+          <a:lstStyle/>
+          <a:p>
+            <a:endParaRPr lang="pt-BR" sz="1979" strike="noStrike" spc="-1">
+              <a:solidFill>
+                <a:srgbClr val="000000"/>
+              </a:solidFill>
+              <a:uFill>
+                <a:solidFill>
+                  <a:srgbClr val="FFFFFF"/>
                 </a:solidFill>
               </a:uFill>
               <a:latin typeface="Arial"/>
@@ -3493,11 +3748,14 @@
       </p:sp>
     </p:spTree>
   </p:cSld>
+  <p:clrMapOvr>
+    <a:masterClrMapping/>
+  </p:clrMapOvr>
 </p:sldLayout>
 </file>
 
 <file path=ppt/slideLayouts/slideLayout36.xml><?xml version="1.0" encoding="utf-8"?>
-<p:sldLayout xmlns:a="http://schemas.openxmlformats.org/drawingml/2006/main" xmlns:p="http://schemas.openxmlformats.org/presentationml/2006/main" xmlns:r="http://schemas.openxmlformats.org/officeDocument/2006/relationships" type="blank" preserve="1">
+<p:sldLayout xmlns:a="http://schemas.openxmlformats.org/drawingml/2006/main" xmlns:r="http://schemas.openxmlformats.org/officeDocument/2006/relationships" xmlns:p="http://schemas.openxmlformats.org/presentationml/2006/main" type="blank" preserve="1">
   <p:cSld name="Title, 6 Content">
     <p:spTree>
       <p:nvGrpSpPr>
@@ -3533,15 +3791,16 @@
           </a:prstGeom>
         </p:spPr>
         <p:txBody>
-          <a:bodyPr lIns="0" rIns="0" tIns="0" bIns="0" anchor="ctr"/>
-          <a:p>
-            <a:endParaRPr lang="pt-BR" sz="1979" spc="-1" strike="noStrike">
-              <a:solidFill>
-                <a:srgbClr val="000000"/>
-              </a:solidFill>
-              <a:uFill>
-                <a:solidFill>
-                  <a:srgbClr val="ffffff"/>
+          <a:bodyPr lIns="0" tIns="0" rIns="0" bIns="0" anchor="ctr"/>
+          <a:lstStyle/>
+          <a:p>
+            <a:endParaRPr lang="pt-BR" sz="1979" strike="noStrike" spc="-1">
+              <a:solidFill>
+                <a:srgbClr val="000000"/>
+              </a:solidFill>
+              <a:uFill>
+                <a:solidFill>
+                  <a:srgbClr val="FFFFFF"/>
                 </a:solidFill>
               </a:uFill>
               <a:latin typeface="Arial"/>
@@ -3569,15 +3828,16 @@
           </a:prstGeom>
         </p:spPr>
         <p:txBody>
-          <a:bodyPr lIns="0" rIns="0" tIns="0" bIns="0"/>
-          <a:p>
-            <a:endParaRPr lang="pt-BR" sz="1979" spc="-1" strike="noStrike">
-              <a:solidFill>
-                <a:srgbClr val="000000"/>
-              </a:solidFill>
-              <a:uFill>
-                <a:solidFill>
-                  <a:srgbClr val="ffffff"/>
+          <a:bodyPr lIns="0" tIns="0" rIns="0" bIns="0"/>
+          <a:lstStyle/>
+          <a:p>
+            <a:endParaRPr lang="pt-BR" sz="1979" strike="noStrike" spc="-1">
+              <a:solidFill>
+                <a:srgbClr val="000000"/>
+              </a:solidFill>
+              <a:uFill>
+                <a:solidFill>
+                  <a:srgbClr val="FFFFFF"/>
                 </a:solidFill>
               </a:uFill>
               <a:latin typeface="Arial"/>
@@ -3605,15 +3865,16 @@
           </a:prstGeom>
         </p:spPr>
         <p:txBody>
-          <a:bodyPr lIns="0" rIns="0" tIns="0" bIns="0"/>
-          <a:p>
-            <a:endParaRPr lang="pt-BR" sz="1979" spc="-1" strike="noStrike">
-              <a:solidFill>
-                <a:srgbClr val="000000"/>
-              </a:solidFill>
-              <a:uFill>
-                <a:solidFill>
-                  <a:srgbClr val="ffffff"/>
+          <a:bodyPr lIns="0" tIns="0" rIns="0" bIns="0"/>
+          <a:lstStyle/>
+          <a:p>
+            <a:endParaRPr lang="pt-BR" sz="1979" strike="noStrike" spc="-1">
+              <a:solidFill>
+                <a:srgbClr val="000000"/>
+              </a:solidFill>
+              <a:uFill>
+                <a:solidFill>
+                  <a:srgbClr val="FFFFFF"/>
                 </a:solidFill>
               </a:uFill>
               <a:latin typeface="Arial"/>
@@ -3623,12 +3884,12 @@
       </p:sp>
       <p:pic>
         <p:nvPicPr>
-          <p:cNvPr id="140" name="" descr=""/>
+          <p:cNvPr id="140" name="Imagem 139"/>
           <p:cNvPicPr/>
           <p:nvPr/>
         </p:nvPicPr>
         <p:blipFill>
-          <a:blip r:embed="rId2"/>
+          <a:blip r:embed="rId2" cstate="print"/>
           <a:stretch/>
         </p:blipFill>
         <p:spPr>
@@ -3646,12 +3907,12 @@
       </p:pic>
       <p:pic>
         <p:nvPicPr>
-          <p:cNvPr id="141" name="" descr=""/>
+          <p:cNvPr id="141" name="Imagem 140"/>
           <p:cNvPicPr/>
           <p:nvPr/>
         </p:nvPicPr>
         <p:blipFill>
-          <a:blip r:embed="rId3"/>
+          <a:blip r:embed="rId2" cstate="print"/>
           <a:stretch/>
         </p:blipFill>
         <p:spPr>
@@ -3669,11 +3930,14 @@
       </p:pic>
     </p:spTree>
   </p:cSld>
+  <p:clrMapOvr>
+    <a:masterClrMapping/>
+  </p:clrMapOvr>
 </p:sldLayout>
 </file>
 
 <file path=ppt/slideLayouts/slideLayout4.xml><?xml version="1.0" encoding="utf-8"?>
-<p:sldLayout xmlns:a="http://schemas.openxmlformats.org/drawingml/2006/main" xmlns:p="http://schemas.openxmlformats.org/presentationml/2006/main" xmlns:r="http://schemas.openxmlformats.org/officeDocument/2006/relationships" type="twoObj" preserve="1">
+<p:sldLayout xmlns:a="http://schemas.openxmlformats.org/drawingml/2006/main" xmlns:r="http://schemas.openxmlformats.org/officeDocument/2006/relationships" xmlns:p="http://schemas.openxmlformats.org/presentationml/2006/main" type="twoObj" preserve="1">
   <p:cSld name="Title, 2 Content">
     <p:spTree>
       <p:nvGrpSpPr>
@@ -3709,15 +3973,16 @@
           </a:prstGeom>
         </p:spPr>
         <p:txBody>
-          <a:bodyPr lIns="0" rIns="0" tIns="0" bIns="0" anchor="ctr"/>
-          <a:p>
-            <a:endParaRPr lang="pt-BR" sz="1979" spc="-1" strike="noStrike">
-              <a:solidFill>
-                <a:srgbClr val="000000"/>
-              </a:solidFill>
-              <a:uFill>
-                <a:solidFill>
-                  <a:srgbClr val="ffffff"/>
+          <a:bodyPr lIns="0" tIns="0" rIns="0" bIns="0" anchor="ctr"/>
+          <a:lstStyle/>
+          <a:p>
+            <a:endParaRPr lang="pt-BR" sz="1979" strike="noStrike" spc="-1">
+              <a:solidFill>
+                <a:srgbClr val="000000"/>
+              </a:solidFill>
+              <a:uFill>
+                <a:solidFill>
+                  <a:srgbClr val="FFFFFF"/>
                 </a:solidFill>
               </a:uFill>
               <a:latin typeface="Arial"/>
@@ -3745,15 +4010,16 @@
           </a:prstGeom>
         </p:spPr>
         <p:txBody>
-          <a:bodyPr lIns="0" rIns="0" tIns="0" bIns="0"/>
-          <a:p>
-            <a:endParaRPr lang="pt-BR" sz="1979" spc="-1" strike="noStrike">
-              <a:solidFill>
-                <a:srgbClr val="000000"/>
-              </a:solidFill>
-              <a:uFill>
-                <a:solidFill>
-                  <a:srgbClr val="ffffff"/>
+          <a:bodyPr lIns="0" tIns="0" rIns="0" bIns="0"/>
+          <a:lstStyle/>
+          <a:p>
+            <a:endParaRPr lang="pt-BR" sz="1979" strike="noStrike" spc="-1">
+              <a:solidFill>
+                <a:srgbClr val="000000"/>
+              </a:solidFill>
+              <a:uFill>
+                <a:solidFill>
+                  <a:srgbClr val="FFFFFF"/>
                 </a:solidFill>
               </a:uFill>
               <a:latin typeface="Arial"/>
@@ -3781,15 +4047,16 @@
           </a:prstGeom>
         </p:spPr>
         <p:txBody>
-          <a:bodyPr lIns="0" rIns="0" tIns="0" bIns="0"/>
-          <a:p>
-            <a:endParaRPr lang="pt-BR" sz="1979" spc="-1" strike="noStrike">
-              <a:solidFill>
-                <a:srgbClr val="000000"/>
-              </a:solidFill>
-              <a:uFill>
-                <a:solidFill>
-                  <a:srgbClr val="ffffff"/>
+          <a:bodyPr lIns="0" tIns="0" rIns="0" bIns="0"/>
+          <a:lstStyle/>
+          <a:p>
+            <a:endParaRPr lang="pt-BR" sz="1979" strike="noStrike" spc="-1">
+              <a:solidFill>
+                <a:srgbClr val="000000"/>
+              </a:solidFill>
+              <a:uFill>
+                <a:solidFill>
+                  <a:srgbClr val="FFFFFF"/>
                 </a:solidFill>
               </a:uFill>
               <a:latin typeface="Arial"/>
@@ -3799,11 +4066,14 @@
       </p:sp>
     </p:spTree>
   </p:cSld>
+  <p:clrMapOvr>
+    <a:masterClrMapping/>
+  </p:clrMapOvr>
 </p:sldLayout>
 </file>
 
 <file path=ppt/slideLayouts/slideLayout5.xml><?xml version="1.0" encoding="utf-8"?>
-<p:sldLayout xmlns:a="http://schemas.openxmlformats.org/drawingml/2006/main" xmlns:p="http://schemas.openxmlformats.org/presentationml/2006/main" xmlns:r="http://schemas.openxmlformats.org/officeDocument/2006/relationships" type="titleOnly" preserve="1">
+<p:sldLayout xmlns:a="http://schemas.openxmlformats.org/drawingml/2006/main" xmlns:r="http://schemas.openxmlformats.org/officeDocument/2006/relationships" xmlns:p="http://schemas.openxmlformats.org/presentationml/2006/main" type="titleOnly" preserve="1">
   <p:cSld name="Title Only">
     <p:spTree>
       <p:nvGrpSpPr>
@@ -3839,15 +4109,16 @@
           </a:prstGeom>
         </p:spPr>
         <p:txBody>
-          <a:bodyPr lIns="0" rIns="0" tIns="0" bIns="0" anchor="ctr"/>
-          <a:p>
-            <a:endParaRPr lang="pt-BR" sz="1979" spc="-1" strike="noStrike">
-              <a:solidFill>
-                <a:srgbClr val="000000"/>
-              </a:solidFill>
-              <a:uFill>
-                <a:solidFill>
-                  <a:srgbClr val="ffffff"/>
+          <a:bodyPr lIns="0" tIns="0" rIns="0" bIns="0" anchor="ctr"/>
+          <a:lstStyle/>
+          <a:p>
+            <a:endParaRPr lang="pt-BR" sz="1979" strike="noStrike" spc="-1">
+              <a:solidFill>
+                <a:srgbClr val="000000"/>
+              </a:solidFill>
+              <a:uFill>
+                <a:solidFill>
+                  <a:srgbClr val="FFFFFF"/>
                 </a:solidFill>
               </a:uFill>
               <a:latin typeface="Arial"/>
@@ -3857,11 +4128,14 @@
       </p:sp>
     </p:spTree>
   </p:cSld>
+  <p:clrMapOvr>
+    <a:masterClrMapping/>
+  </p:clrMapOvr>
 </p:sldLayout>
 </file>
 
 <file path=ppt/slideLayouts/slideLayout6.xml><?xml version="1.0" encoding="utf-8"?>
-<p:sldLayout xmlns:a="http://schemas.openxmlformats.org/drawingml/2006/main" xmlns:p="http://schemas.openxmlformats.org/presentationml/2006/main" xmlns:r="http://schemas.openxmlformats.org/officeDocument/2006/relationships" type="objOnly" preserve="1">
+<p:sldLayout xmlns:a="http://schemas.openxmlformats.org/drawingml/2006/main" xmlns:r="http://schemas.openxmlformats.org/officeDocument/2006/relationships" xmlns:p="http://schemas.openxmlformats.org/presentationml/2006/main" type="objOnly" preserve="1">
   <p:cSld name="Centered Text">
     <p:spTree>
       <p:nvGrpSpPr>
@@ -3897,16 +4171,17 @@
           </a:prstGeom>
         </p:spPr>
         <p:txBody>
-          <a:bodyPr lIns="0" rIns="0" tIns="0" bIns="0" anchor="ctr"/>
+          <a:bodyPr lIns="0" tIns="0" rIns="0" bIns="0" anchor="ctr"/>
+          <a:lstStyle/>
           <a:p>
             <a:pPr algn="ctr"/>
-            <a:endParaRPr lang="pt-BR" sz="3200" spc="-1" strike="noStrike">
-              <a:solidFill>
-                <a:srgbClr val="000000"/>
-              </a:solidFill>
-              <a:uFill>
-                <a:solidFill>
-                  <a:srgbClr val="ffffff"/>
+            <a:endParaRPr lang="pt-BR" sz="3200" strike="noStrike" spc="-1">
+              <a:solidFill>
+                <a:srgbClr val="000000"/>
+              </a:solidFill>
+              <a:uFill>
+                <a:solidFill>
+                  <a:srgbClr val="FFFFFF"/>
                 </a:solidFill>
               </a:uFill>
               <a:latin typeface="Arial"/>
@@ -3916,11 +4191,14 @@
       </p:sp>
     </p:spTree>
   </p:cSld>
+  <p:clrMapOvr>
+    <a:masterClrMapping/>
+  </p:clrMapOvr>
 </p:sldLayout>
 </file>
 
 <file path=ppt/slideLayouts/slideLayout7.xml><?xml version="1.0" encoding="utf-8"?>
-<p:sldLayout xmlns:a="http://schemas.openxmlformats.org/drawingml/2006/main" xmlns:p="http://schemas.openxmlformats.org/presentationml/2006/main" xmlns:r="http://schemas.openxmlformats.org/officeDocument/2006/relationships" type="twoObjAndObj" preserve="1">
+<p:sldLayout xmlns:a="http://schemas.openxmlformats.org/drawingml/2006/main" xmlns:r="http://schemas.openxmlformats.org/officeDocument/2006/relationships" xmlns:p="http://schemas.openxmlformats.org/presentationml/2006/main" type="twoObjAndObj" preserve="1">
   <p:cSld name="Title, 2 Content and Content">
     <p:spTree>
       <p:nvGrpSpPr>
@@ -3956,15 +4234,16 @@
           </a:prstGeom>
         </p:spPr>
         <p:txBody>
-          <a:bodyPr lIns="0" rIns="0" tIns="0" bIns="0" anchor="ctr"/>
-          <a:p>
-            <a:endParaRPr lang="pt-BR" sz="1979" spc="-1" strike="noStrike">
-              <a:solidFill>
-                <a:srgbClr val="000000"/>
-              </a:solidFill>
-              <a:uFill>
-                <a:solidFill>
-                  <a:srgbClr val="ffffff"/>
+          <a:bodyPr lIns="0" tIns="0" rIns="0" bIns="0" anchor="ctr"/>
+          <a:lstStyle/>
+          <a:p>
+            <a:endParaRPr lang="pt-BR" sz="1979" strike="noStrike" spc="-1">
+              <a:solidFill>
+                <a:srgbClr val="000000"/>
+              </a:solidFill>
+              <a:uFill>
+                <a:solidFill>
+                  <a:srgbClr val="FFFFFF"/>
                 </a:solidFill>
               </a:uFill>
               <a:latin typeface="Arial"/>
@@ -3992,15 +4271,16 @@
           </a:prstGeom>
         </p:spPr>
         <p:txBody>
-          <a:bodyPr lIns="0" rIns="0" tIns="0" bIns="0"/>
-          <a:p>
-            <a:endParaRPr lang="pt-BR" sz="1979" spc="-1" strike="noStrike">
-              <a:solidFill>
-                <a:srgbClr val="000000"/>
-              </a:solidFill>
-              <a:uFill>
-                <a:solidFill>
-                  <a:srgbClr val="ffffff"/>
+          <a:bodyPr lIns="0" tIns="0" rIns="0" bIns="0"/>
+          <a:lstStyle/>
+          <a:p>
+            <a:endParaRPr lang="pt-BR" sz="1979" strike="noStrike" spc="-1">
+              <a:solidFill>
+                <a:srgbClr val="000000"/>
+              </a:solidFill>
+              <a:uFill>
+                <a:solidFill>
+                  <a:srgbClr val="FFFFFF"/>
                 </a:solidFill>
               </a:uFill>
               <a:latin typeface="Arial"/>
@@ -4028,15 +4308,16 @@
           </a:prstGeom>
         </p:spPr>
         <p:txBody>
-          <a:bodyPr lIns="0" rIns="0" tIns="0" bIns="0"/>
-          <a:p>
-            <a:endParaRPr lang="pt-BR" sz="1979" spc="-1" strike="noStrike">
-              <a:solidFill>
-                <a:srgbClr val="000000"/>
-              </a:solidFill>
-              <a:uFill>
-                <a:solidFill>
-                  <a:srgbClr val="ffffff"/>
+          <a:bodyPr lIns="0" tIns="0" rIns="0" bIns="0"/>
+          <a:lstStyle/>
+          <a:p>
+            <a:endParaRPr lang="pt-BR" sz="1979" strike="noStrike" spc="-1">
+              <a:solidFill>
+                <a:srgbClr val="000000"/>
+              </a:solidFill>
+              <a:uFill>
+                <a:solidFill>
+                  <a:srgbClr val="FFFFFF"/>
                 </a:solidFill>
               </a:uFill>
               <a:latin typeface="Arial"/>
@@ -4064,15 +4345,16 @@
           </a:prstGeom>
         </p:spPr>
         <p:txBody>
-          <a:bodyPr lIns="0" rIns="0" tIns="0" bIns="0"/>
-          <a:p>
-            <a:endParaRPr lang="pt-BR" sz="1979" spc="-1" strike="noStrike">
-              <a:solidFill>
-                <a:srgbClr val="000000"/>
-              </a:solidFill>
-              <a:uFill>
-                <a:solidFill>
-                  <a:srgbClr val="ffffff"/>
+          <a:bodyPr lIns="0" tIns="0" rIns="0" bIns="0"/>
+          <a:lstStyle/>
+          <a:p>
+            <a:endParaRPr lang="pt-BR" sz="1979" strike="noStrike" spc="-1">
+              <a:solidFill>
+                <a:srgbClr val="000000"/>
+              </a:solidFill>
+              <a:uFill>
+                <a:solidFill>
+                  <a:srgbClr val="FFFFFF"/>
                 </a:solidFill>
               </a:uFill>
               <a:latin typeface="Arial"/>
@@ -4082,11 +4364,14 @@
       </p:sp>
     </p:spTree>
   </p:cSld>
+  <p:clrMapOvr>
+    <a:masterClrMapping/>
+  </p:clrMapOvr>
 </p:sldLayout>
 </file>
 
 <file path=ppt/slideLayouts/slideLayout8.xml><?xml version="1.0" encoding="utf-8"?>
-<p:sldLayout xmlns:a="http://schemas.openxmlformats.org/drawingml/2006/main" xmlns:p="http://schemas.openxmlformats.org/presentationml/2006/main" xmlns:r="http://schemas.openxmlformats.org/officeDocument/2006/relationships" type="objAndTwoObj" preserve="1">
+<p:sldLayout xmlns:a="http://schemas.openxmlformats.org/drawingml/2006/main" xmlns:r="http://schemas.openxmlformats.org/officeDocument/2006/relationships" xmlns:p="http://schemas.openxmlformats.org/presentationml/2006/main" type="objAndTwoObj" preserve="1">
   <p:cSld name="Title Content and 2 Content">
     <p:spTree>
       <p:nvGrpSpPr>
@@ -4122,15 +4407,16 @@
           </a:prstGeom>
         </p:spPr>
         <p:txBody>
-          <a:bodyPr lIns="0" rIns="0" tIns="0" bIns="0" anchor="ctr"/>
-          <a:p>
-            <a:endParaRPr lang="pt-BR" sz="1979" spc="-1" strike="noStrike">
-              <a:solidFill>
-                <a:srgbClr val="000000"/>
-              </a:solidFill>
-              <a:uFill>
-                <a:solidFill>
-                  <a:srgbClr val="ffffff"/>
+          <a:bodyPr lIns="0" tIns="0" rIns="0" bIns="0" anchor="ctr"/>
+          <a:lstStyle/>
+          <a:p>
+            <a:endParaRPr lang="pt-BR" sz="1979" strike="noStrike" spc="-1">
+              <a:solidFill>
+                <a:srgbClr val="000000"/>
+              </a:solidFill>
+              <a:uFill>
+                <a:solidFill>
+                  <a:srgbClr val="FFFFFF"/>
                 </a:solidFill>
               </a:uFill>
               <a:latin typeface="Arial"/>
@@ -4158,15 +4444,16 @@
           </a:prstGeom>
         </p:spPr>
         <p:txBody>
-          <a:bodyPr lIns="0" rIns="0" tIns="0" bIns="0"/>
-          <a:p>
-            <a:endParaRPr lang="pt-BR" sz="1979" spc="-1" strike="noStrike">
-              <a:solidFill>
-                <a:srgbClr val="000000"/>
-              </a:solidFill>
-              <a:uFill>
-                <a:solidFill>
-                  <a:srgbClr val="ffffff"/>
+          <a:bodyPr lIns="0" tIns="0" rIns="0" bIns="0"/>
+          <a:lstStyle/>
+          <a:p>
+            <a:endParaRPr lang="pt-BR" sz="1979" strike="noStrike" spc="-1">
+              <a:solidFill>
+                <a:srgbClr val="000000"/>
+              </a:solidFill>
+              <a:uFill>
+                <a:solidFill>
+                  <a:srgbClr val="FFFFFF"/>
                 </a:solidFill>
               </a:uFill>
               <a:latin typeface="Arial"/>
@@ -4194,15 +4481,16 @@
           </a:prstGeom>
         </p:spPr>
         <p:txBody>
-          <a:bodyPr lIns="0" rIns="0" tIns="0" bIns="0"/>
-          <a:p>
-            <a:endParaRPr lang="pt-BR" sz="1979" spc="-1" strike="noStrike">
-              <a:solidFill>
-                <a:srgbClr val="000000"/>
-              </a:solidFill>
-              <a:uFill>
-                <a:solidFill>
-                  <a:srgbClr val="ffffff"/>
+          <a:bodyPr lIns="0" tIns="0" rIns="0" bIns="0"/>
+          <a:lstStyle/>
+          <a:p>
+            <a:endParaRPr lang="pt-BR" sz="1979" strike="noStrike" spc="-1">
+              <a:solidFill>
+                <a:srgbClr val="000000"/>
+              </a:solidFill>
+              <a:uFill>
+                <a:solidFill>
+                  <a:srgbClr val="FFFFFF"/>
                 </a:solidFill>
               </a:uFill>
               <a:latin typeface="Arial"/>
@@ -4230,15 +4518,16 @@
           </a:prstGeom>
         </p:spPr>
         <p:txBody>
-          <a:bodyPr lIns="0" rIns="0" tIns="0" bIns="0"/>
-          <a:p>
-            <a:endParaRPr lang="pt-BR" sz="1979" spc="-1" strike="noStrike">
-              <a:solidFill>
-                <a:srgbClr val="000000"/>
-              </a:solidFill>
-              <a:uFill>
-                <a:solidFill>
-                  <a:srgbClr val="ffffff"/>
+          <a:bodyPr lIns="0" tIns="0" rIns="0" bIns="0"/>
+          <a:lstStyle/>
+          <a:p>
+            <a:endParaRPr lang="pt-BR" sz="1979" strike="noStrike" spc="-1">
+              <a:solidFill>
+                <a:srgbClr val="000000"/>
+              </a:solidFill>
+              <a:uFill>
+                <a:solidFill>
+                  <a:srgbClr val="FFFFFF"/>
                 </a:solidFill>
               </a:uFill>
               <a:latin typeface="Arial"/>
@@ -4248,11 +4537,14 @@
       </p:sp>
     </p:spTree>
   </p:cSld>
+  <p:clrMapOvr>
+    <a:masterClrMapping/>
+  </p:clrMapOvr>
 </p:sldLayout>
 </file>
 
 <file path=ppt/slideLayouts/slideLayout9.xml><?xml version="1.0" encoding="utf-8"?>
-<p:sldLayout xmlns:a="http://schemas.openxmlformats.org/drawingml/2006/main" xmlns:p="http://schemas.openxmlformats.org/presentationml/2006/main" xmlns:r="http://schemas.openxmlformats.org/officeDocument/2006/relationships" type="twoObjOverTx" preserve="1">
+<p:sldLayout xmlns:a="http://schemas.openxmlformats.org/drawingml/2006/main" xmlns:r="http://schemas.openxmlformats.org/officeDocument/2006/relationships" xmlns:p="http://schemas.openxmlformats.org/presentationml/2006/main" type="twoObjOverTx" preserve="1">
   <p:cSld name="Title, 2 Content over Content">
     <p:spTree>
       <p:nvGrpSpPr>
@@ -4288,15 +4580,16 @@
           </a:prstGeom>
         </p:spPr>
         <p:txBody>
-          <a:bodyPr lIns="0" rIns="0" tIns="0" bIns="0" anchor="ctr"/>
-          <a:p>
-            <a:endParaRPr lang="pt-BR" sz="1979" spc="-1" strike="noStrike">
-              <a:solidFill>
-                <a:srgbClr val="000000"/>
-              </a:solidFill>
-              <a:uFill>
-                <a:solidFill>
-                  <a:srgbClr val="ffffff"/>
+          <a:bodyPr lIns="0" tIns="0" rIns="0" bIns="0" anchor="ctr"/>
+          <a:lstStyle/>
+          <a:p>
+            <a:endParaRPr lang="pt-BR" sz="1979" strike="noStrike" spc="-1">
+              <a:solidFill>
+                <a:srgbClr val="000000"/>
+              </a:solidFill>
+              <a:uFill>
+                <a:solidFill>
+                  <a:srgbClr val="FFFFFF"/>
                 </a:solidFill>
               </a:uFill>
               <a:latin typeface="Arial"/>
@@ -4324,15 +4617,16 @@
           </a:prstGeom>
         </p:spPr>
         <p:txBody>
-          <a:bodyPr lIns="0" rIns="0" tIns="0" bIns="0"/>
-          <a:p>
-            <a:endParaRPr lang="pt-BR" sz="1979" spc="-1" strike="noStrike">
-              <a:solidFill>
-                <a:srgbClr val="000000"/>
-              </a:solidFill>
-              <a:uFill>
-                <a:solidFill>
-                  <a:srgbClr val="ffffff"/>
+          <a:bodyPr lIns="0" tIns="0" rIns="0" bIns="0"/>
+          <a:lstStyle/>
+          <a:p>
+            <a:endParaRPr lang="pt-BR" sz="1979" strike="noStrike" spc="-1">
+              <a:solidFill>
+                <a:srgbClr val="000000"/>
+              </a:solidFill>
+              <a:uFill>
+                <a:solidFill>
+                  <a:srgbClr val="FFFFFF"/>
                 </a:solidFill>
               </a:uFill>
               <a:latin typeface="Arial"/>
@@ -4360,15 +4654,16 @@
           </a:prstGeom>
         </p:spPr>
         <p:txBody>
-          <a:bodyPr lIns="0" rIns="0" tIns="0" bIns="0"/>
-          <a:p>
-            <a:endParaRPr lang="pt-BR" sz="1979" spc="-1" strike="noStrike">
-              <a:solidFill>
-                <a:srgbClr val="000000"/>
-              </a:solidFill>
-              <a:uFill>
-                <a:solidFill>
-                  <a:srgbClr val="ffffff"/>
+          <a:bodyPr lIns="0" tIns="0" rIns="0" bIns="0"/>
+          <a:lstStyle/>
+          <a:p>
+            <a:endParaRPr lang="pt-BR" sz="1979" strike="noStrike" spc="-1">
+              <a:solidFill>
+                <a:srgbClr val="000000"/>
+              </a:solidFill>
+              <a:uFill>
+                <a:solidFill>
+                  <a:srgbClr val="FFFFFF"/>
                 </a:solidFill>
               </a:uFill>
               <a:latin typeface="Arial"/>
@@ -4396,15 +4691,16 @@
           </a:prstGeom>
         </p:spPr>
         <p:txBody>
-          <a:bodyPr lIns="0" rIns="0" tIns="0" bIns="0"/>
-          <a:p>
-            <a:endParaRPr lang="pt-BR" sz="1979" spc="-1" strike="noStrike">
-              <a:solidFill>
-                <a:srgbClr val="000000"/>
-              </a:solidFill>
-              <a:uFill>
-                <a:solidFill>
-                  <a:srgbClr val="ffffff"/>
+          <a:bodyPr lIns="0" tIns="0" rIns="0" bIns="0"/>
+          <a:lstStyle/>
+          <a:p>
+            <a:endParaRPr lang="pt-BR" sz="1979" strike="noStrike" spc="-1">
+              <a:solidFill>
+                <a:srgbClr val="000000"/>
+              </a:solidFill>
+              <a:uFill>
+                <a:solidFill>
+                  <a:srgbClr val="FFFFFF"/>
                 </a:solidFill>
               </a:uFill>
               <a:latin typeface="Arial"/>
@@ -4414,17 +4710,21 @@
       </p:sp>
     </p:spTree>
   </p:cSld>
+  <p:clrMapOvr>
+    <a:masterClrMapping/>
+  </p:clrMapOvr>
 </p:sldLayout>
 </file>
 
 <file path=ppt/slideMasters/slideMaster1.xml><?xml version="1.0" encoding="utf-8"?>
-<p:sldMaster xmlns:a="http://schemas.openxmlformats.org/drawingml/2006/main" xmlns:p="http://schemas.openxmlformats.org/presentationml/2006/main" xmlns:r="http://schemas.openxmlformats.org/officeDocument/2006/relationships">
+<p:sldMaster xmlns:a="http://schemas.openxmlformats.org/drawingml/2006/main" xmlns:r="http://schemas.openxmlformats.org/officeDocument/2006/relationships" xmlns:p="http://schemas.openxmlformats.org/presentationml/2006/main">
   <p:cSld>
     <p:bg>
       <p:bgPr>
         <a:solidFill>
-          <a:srgbClr val="ffffff"/>
+          <a:srgbClr val="FFFFFF"/>
         </a:solidFill>
+        <a:effectLst/>
       </p:bgPr>
     </p:bg>
     <p:spTree>
@@ -4443,7 +4743,7 @@
       </p:grpSpPr>
       <p:sp>
         <p:nvSpPr>
-          <p:cNvPr id="0" name="Line 1"/>
+          <p:cNvPr id="24" name="Line 1"/>
           <p:cNvSpPr/>
           <p:nvPr/>
         </p:nvSpPr>
@@ -4466,15 +4766,21 @@
           </a:ln>
         </p:spPr>
         <p:style>
-          <a:lnRef idx="0"/>
-          <a:fillRef idx="0"/>
-          <a:effectRef idx="0"/>
+          <a:lnRef idx="0">
+            <a:scrgbClr r="0" g="0" b="0"/>
+          </a:lnRef>
+          <a:fillRef idx="0">
+            <a:scrgbClr r="0" g="0" b="0"/>
+          </a:fillRef>
+          <a:effectRef idx="0">
+            <a:scrgbClr r="0" g="0" b="0"/>
+          </a:effectRef>
           <a:fontRef idx="minor"/>
         </p:style>
       </p:sp>
       <p:sp>
         <p:nvSpPr>
-          <p:cNvPr id="1" name="Line 2"/>
+          <p:cNvPr id="25" name="Line 2"/>
           <p:cNvSpPr/>
           <p:nvPr/>
         </p:nvSpPr>
@@ -4496,9 +4802,15 @@
           </a:ln>
         </p:spPr>
         <p:style>
-          <a:lnRef idx="0"/>
-          <a:fillRef idx="0"/>
-          <a:effectRef idx="0"/>
+          <a:lnRef idx="0">
+            <a:scrgbClr r="0" g="0" b="0"/>
+          </a:lnRef>
+          <a:fillRef idx="0">
+            <a:scrgbClr r="0" g="0" b="0"/>
+          </a:fillRef>
+          <a:effectRef idx="0">
+            <a:scrgbClr r="0" g="0" b="0"/>
+          </a:effectRef>
           <a:fontRef idx="minor"/>
         </p:style>
       </p:sp>
@@ -4524,9 +4836,15 @@
           </a:ln>
         </p:spPr>
         <p:style>
-          <a:lnRef idx="0"/>
-          <a:fillRef idx="0"/>
-          <a:effectRef idx="0"/>
+          <a:lnRef idx="0">
+            <a:scrgbClr r="0" g="0" b="0"/>
+          </a:lnRef>
+          <a:fillRef idx="0">
+            <a:scrgbClr r="0" g="0" b="0"/>
+          </a:fillRef>
+          <a:effectRef idx="0">
+            <a:scrgbClr r="0" g="0" b="0"/>
+          </a:effectRef>
           <a:fontRef idx="minor"/>
         </p:style>
       </p:sp>
@@ -4554,7 +4872,7 @@
             <a:noFill/>
           </a:ln>
           <a:effectLst>
-            <a:outerShdw blurRad="50800" dir="5400000" dist="25000" rotWithShape="0">
+            <a:outerShdw blurRad="50800" dist="25000" dir="5400000" rotWithShape="0">
               <a:srgbClr val="000000">
                 <a:alpha val="40000"/>
               </a:srgbClr>
@@ -4596,9 +4914,15 @@
           </a:ln>
         </p:spPr>
         <p:style>
-          <a:lnRef idx="0"/>
-          <a:fillRef idx="0"/>
-          <a:effectRef idx="0"/>
+          <a:lnRef idx="0">
+            <a:scrgbClr r="0" g="0" b="0"/>
+          </a:lnRef>
+          <a:fillRef idx="0">
+            <a:scrgbClr r="0" g="0" b="0"/>
+          </a:fillRef>
+          <a:effectRef idx="0">
+            <a:scrgbClr r="0" g="0" b="0"/>
+          </a:effectRef>
           <a:fontRef idx="minor"/>
         </p:style>
       </p:sp>
@@ -4620,7 +4944,7 @@
             <a:noFill/>
           </a:ln>
           <a:effectLst>
-            <a:outerShdw blurRad="50800" dir="5400000" dist="25000" rotWithShape="0">
+            <a:outerShdw blurRad="50800" dist="25000" dir="5400000" rotWithShape="0">
               <a:srgbClr val="000000">
                 <a:alpha val="40000"/>
               </a:srgbClr>
@@ -4664,7 +4988,7 @@
             <a:noFill/>
           </a:ln>
           <a:effectLst>
-            <a:outerShdw blurRad="50800" dir="5400000" dist="25000" rotWithShape="0">
+            <a:outerShdw blurRad="50800" dist="25000" dir="5400000" rotWithShape="0">
               <a:srgbClr val="000000">
                 <a:alpha val="40000"/>
               </a:srgbClr>
@@ -4708,7 +5032,7 @@
             <a:noFill/>
           </a:ln>
           <a:effectLst>
-            <a:outerShdw blurRad="50800" dir="5400000" dist="25000" rotWithShape="0">
+            <a:outerShdw blurRad="50800" dist="25000" dir="5400000" rotWithShape="0">
               <a:srgbClr val="000000">
                 <a:alpha val="40000"/>
               </a:srgbClr>
@@ -4752,7 +5076,7 @@
             <a:noFill/>
           </a:ln>
           <a:effectLst>
-            <a:outerShdw blurRad="50800" dir="5400000" dist="25000" rotWithShape="0">
+            <a:outerShdw blurRad="50800" dist="25000" dir="5400000" rotWithShape="0">
               <a:srgbClr val="000000">
                 <a:alpha val="40000"/>
               </a:srgbClr>
@@ -4796,7 +5120,7 @@
             <a:noFill/>
           </a:ln>
           <a:effectLst>
-            <a:outerShdw blurRad="50800" dir="5400000" dist="25000" rotWithShape="0">
+            <a:outerShdw blurRad="50800" dist="25000" dir="5400000" rotWithShape="0">
               <a:srgbClr val="000000">
                 <a:alpha val="40000"/>
               </a:srgbClr>
@@ -4841,9 +5165,15 @@
           </a:ln>
         </p:spPr>
         <p:style>
-          <a:lnRef idx="0"/>
-          <a:fillRef idx="0"/>
-          <a:effectRef idx="0"/>
+          <a:lnRef idx="0">
+            <a:scrgbClr r="0" g="0" b="0"/>
+          </a:lnRef>
+          <a:fillRef idx="0">
+            <a:scrgbClr r="0" g="0" b="0"/>
+          </a:fillRef>
+          <a:effectRef idx="0">
+            <a:scrgbClr r="0" g="0" b="0"/>
+          </a:effectRef>
           <a:fontRef idx="minor"/>
         </p:style>
       </p:sp>
@@ -4872,9 +5202,15 @@
           </a:ln>
         </p:spPr>
         <p:style>
-          <a:lnRef idx="0"/>
-          <a:fillRef idx="0"/>
-          <a:effectRef idx="0"/>
+          <a:lnRef idx="0">
+            <a:scrgbClr r="0" g="0" b="0"/>
+          </a:lnRef>
+          <a:fillRef idx="0">
+            <a:scrgbClr r="0" g="0" b="0"/>
+          </a:fillRef>
+          <a:effectRef idx="0">
+            <a:scrgbClr r="0" g="0" b="0"/>
+          </a:effectRef>
           <a:fontRef idx="minor"/>
         </p:style>
       </p:sp>
@@ -4902,9 +5238,15 @@
           </a:ln>
         </p:spPr>
         <p:style>
-          <a:lnRef idx="0"/>
-          <a:fillRef idx="0"/>
-          <a:effectRef idx="0"/>
+          <a:lnRef idx="0">
+            <a:scrgbClr r="0" g="0" b="0"/>
+          </a:lnRef>
+          <a:fillRef idx="0">
+            <a:scrgbClr r="0" g="0" b="0"/>
+          </a:fillRef>
+          <a:effectRef idx="0">
+            <a:scrgbClr r="0" g="0" b="0"/>
+          </a:effectRef>
           <a:fontRef idx="minor"/>
         </p:style>
       </p:sp>
@@ -4933,9 +5275,15 @@
           </a:ln>
         </p:spPr>
         <p:style>
-          <a:lnRef idx="0"/>
-          <a:fillRef idx="0"/>
-          <a:effectRef idx="0"/>
+          <a:lnRef idx="0">
+            <a:scrgbClr r="0" g="0" b="0"/>
+          </a:lnRef>
+          <a:fillRef idx="0">
+            <a:scrgbClr r="0" g="0" b="0"/>
+          </a:fillRef>
+          <a:effectRef idx="0">
+            <a:scrgbClr r="0" g="0" b="0"/>
+          </a:effectRef>
           <a:fontRef idx="minor"/>
         </p:style>
       </p:sp>
@@ -4963,9 +5311,15 @@
           </a:ln>
         </p:spPr>
         <p:style>
-          <a:lnRef idx="0"/>
-          <a:fillRef idx="0"/>
-          <a:effectRef idx="0"/>
+          <a:lnRef idx="0">
+            <a:scrgbClr r="0" g="0" b="0"/>
+          </a:lnRef>
+          <a:fillRef idx="0">
+            <a:scrgbClr r="0" g="0" b="0"/>
+          </a:fillRef>
+          <a:effectRef idx="0">
+            <a:scrgbClr r="0" g="0" b="0"/>
+          </a:effectRef>
           <a:fontRef idx="minor"/>
         </p:style>
       </p:sp>
@@ -4993,9 +5347,15 @@
           </a:ln>
         </p:spPr>
         <p:style>
-          <a:lnRef idx="0"/>
-          <a:fillRef idx="0"/>
-          <a:effectRef idx="0"/>
+          <a:lnRef idx="0">
+            <a:scrgbClr r="0" g="0" b="0"/>
+          </a:lnRef>
+          <a:fillRef idx="0">
+            <a:scrgbClr r="0" g="0" b="0"/>
+          </a:fillRef>
+          <a:effectRef idx="0">
+            <a:scrgbClr r="0" g="0" b="0"/>
+          </a:effectRef>
           <a:fontRef idx="minor"/>
         </p:style>
       </p:sp>
@@ -5023,7 +5383,7 @@
             <a:noFill/>
           </a:ln>
           <a:effectLst>
-            <a:outerShdw blurRad="50800" dir="5400000" dist="25000" rotWithShape="0">
+            <a:outerShdw blurRad="50800" dist="25000" dir="5400000" rotWithShape="0">
               <a:srgbClr val="000000">
                 <a:alpha val="40000"/>
               </a:srgbClr>
@@ -5064,7 +5424,7 @@
             <a:noFill/>
           </a:ln>
           <a:effectLst>
-            <a:outerShdw blurRad="50800" dir="5400000" dist="25000" rotWithShape="0">
+            <a:outerShdw blurRad="50800" dist="25000" dir="5400000" rotWithShape="0">
               <a:srgbClr val="000000">
                 <a:alpha val="40000"/>
               </a:srgbClr>
@@ -5102,7 +5462,7 @@
             <a:noFill/>
           </a:ln>
           <a:effectLst>
-            <a:outerShdw blurRad="50800" dir="5400000" dist="25000" rotWithShape="0">
+            <a:outerShdw blurRad="50800" dist="25000" dir="5400000" rotWithShape="0">
               <a:srgbClr val="000000">
                 <a:alpha val="40000"/>
               </a:srgbClr>
@@ -5140,7 +5500,7 @@
             <a:noFill/>
           </a:ln>
           <a:effectLst>
-            <a:outerShdw blurRad="50800" dir="5400000" dist="25000" rotWithShape="0">
+            <a:outerShdw blurRad="50800" dist="25000" dir="5400000" rotWithShape="0">
               <a:srgbClr val="000000">
                 <a:alpha val="40000"/>
               </a:srgbClr>
@@ -5178,7 +5538,7 @@
             <a:noFill/>
           </a:ln>
           <a:effectLst>
-            <a:outerShdw blurRad="50800" dir="5400000" dist="25000" rotWithShape="0">
+            <a:outerShdw blurRad="50800" dist="25000" dir="5400000" rotWithShape="0">
               <a:srgbClr val="000000">
                 <a:alpha val="40000"/>
               </a:srgbClr>
@@ -5216,7 +5576,7 @@
             <a:noFill/>
           </a:ln>
           <a:effectLst>
-            <a:outerShdw blurRad="50800" dir="5400000" dist="25000" rotWithShape="0">
+            <a:outerShdw blurRad="50800" dist="25000" dir="5400000" rotWithShape="0">
               <a:srgbClr val="000000">
                 <a:alpha val="40000"/>
               </a:srgbClr>
@@ -5256,16 +5616,17 @@
           </a:prstGeom>
         </p:spPr>
         <p:txBody>
-          <a:bodyPr lIns="0" rIns="0" tIns="0" bIns="0" anchor="ctr"/>
+          <a:bodyPr lIns="0" tIns="0" rIns="0" bIns="0" anchor="ctr"/>
+          <a:lstStyle/>
           <a:p>
             <a:pPr algn="ctr"/>
-            <a:endParaRPr lang="pt-BR" sz="4400" spc="-1" strike="noStrike">
-              <a:solidFill>
-                <a:srgbClr val="000000"/>
-              </a:solidFill>
-              <a:uFill>
-                <a:solidFill>
-                  <a:srgbClr val="ffffff"/>
+            <a:endParaRPr lang="pt-BR" sz="4400" strike="noStrike" spc="-1">
+              <a:solidFill>
+                <a:srgbClr val="000000"/>
+              </a:solidFill>
+              <a:uFill>
+                <a:solidFill>
+                  <a:srgbClr val="FFFFFF"/>
                 </a:solidFill>
               </a:uFill>
               <a:latin typeface="Arial"/>
@@ -5293,7 +5654,8 @@
           </a:prstGeom>
         </p:spPr>
         <p:txBody>
-          <a:bodyPr lIns="0" rIns="0" tIns="0" bIns="0"/>
+          <a:bodyPr lIns="0" tIns="0" rIns="0" bIns="0"/>
+          <a:lstStyle/>
           <a:p>
             <a:pPr marL="432000" indent="-324000">
               <a:buClr>
@@ -5304,33 +5666,22 @@
               <a:buChar char=""/>
             </a:pPr>
             <a:r>
-              <a:rPr lang="pt-BR" sz="1800" spc="-1" strike="noStrike">
-                <a:solidFill>
-                  <a:srgbClr val="000000"/>
-                </a:solidFill>
-                <a:uFill>
-                  <a:solidFill>
-                    <a:srgbClr val="ffffff"/>
+              <a:rPr lang="pt-BR" sz="1800" strike="noStrike" spc="-1">
+                <a:solidFill>
+                  <a:srgbClr val="000000"/>
+                </a:solidFill>
+                <a:uFill>
+                  <a:solidFill>
+                    <a:srgbClr val="FFFFFF"/>
                   </a:solidFill>
                 </a:uFill>
                 <a:latin typeface="Arial"/>
               </a:rPr>
               <a:t>Clique para editar o formato do texto da estrutura de tópicos</a:t>
             </a:r>
-            <a:endParaRPr lang="pt-BR" sz="1800" spc="-1" strike="noStrike">
-              <a:solidFill>
-                <a:srgbClr val="000000"/>
-              </a:solidFill>
-              <a:uFill>
-                <a:solidFill>
-                  <a:srgbClr val="ffffff"/>
-                </a:solidFill>
-              </a:uFill>
-              <a:latin typeface="Arial"/>
-            </a:endParaRPr>
-          </a:p>
-          <a:p>
-            <a:pPr lvl="1" marL="864000" indent="-324000">
+          </a:p>
+          <a:p>
+            <a:pPr marL="864000" lvl="1" indent="-324000">
               <a:buClr>
                 <a:srgbClr val="000000"/>
               </a:buClr>
@@ -5339,33 +5690,22 @@
               <a:buChar char=""/>
             </a:pPr>
             <a:r>
-              <a:rPr lang="pt-BR" sz="1800" spc="-1" strike="noStrike">
-                <a:solidFill>
-                  <a:srgbClr val="000000"/>
-                </a:solidFill>
-                <a:uFill>
-                  <a:solidFill>
-                    <a:srgbClr val="ffffff"/>
+              <a:rPr lang="pt-BR" sz="1800" strike="noStrike" spc="-1">
+                <a:solidFill>
+                  <a:srgbClr val="000000"/>
+                </a:solidFill>
+                <a:uFill>
+                  <a:solidFill>
+                    <a:srgbClr val="FFFFFF"/>
                   </a:solidFill>
                 </a:uFill>
                 <a:latin typeface="Arial"/>
               </a:rPr>
               <a:t>2.º nível da estrutura de tópicos</a:t>
             </a:r>
-            <a:endParaRPr lang="pt-BR" sz="1800" spc="-1" strike="noStrike">
-              <a:solidFill>
-                <a:srgbClr val="000000"/>
-              </a:solidFill>
-              <a:uFill>
-                <a:solidFill>
-                  <a:srgbClr val="ffffff"/>
-                </a:solidFill>
-              </a:uFill>
-              <a:latin typeface="Arial"/>
-            </a:endParaRPr>
-          </a:p>
-          <a:p>
-            <a:pPr lvl="2" marL="1296000" indent="-288000">
+          </a:p>
+          <a:p>
+            <a:pPr marL="1296000" lvl="2" indent="-288000">
               <a:buClr>
                 <a:srgbClr val="000000"/>
               </a:buClr>
@@ -5374,33 +5714,22 @@
               <a:buChar char=""/>
             </a:pPr>
             <a:r>
-              <a:rPr lang="pt-BR" sz="1800" spc="-1" strike="noStrike">
-                <a:solidFill>
-                  <a:srgbClr val="000000"/>
-                </a:solidFill>
-                <a:uFill>
-                  <a:solidFill>
-                    <a:srgbClr val="ffffff"/>
+              <a:rPr lang="pt-BR" sz="1800" strike="noStrike" spc="-1">
+                <a:solidFill>
+                  <a:srgbClr val="000000"/>
+                </a:solidFill>
+                <a:uFill>
+                  <a:solidFill>
+                    <a:srgbClr val="FFFFFF"/>
                   </a:solidFill>
                 </a:uFill>
                 <a:latin typeface="Arial"/>
               </a:rPr>
               <a:t>3.º nível da estrutura de tópicos</a:t>
             </a:r>
-            <a:endParaRPr lang="pt-BR" sz="1800" spc="-1" strike="noStrike">
-              <a:solidFill>
-                <a:srgbClr val="000000"/>
-              </a:solidFill>
-              <a:uFill>
-                <a:solidFill>
-                  <a:srgbClr val="ffffff"/>
-                </a:solidFill>
-              </a:uFill>
-              <a:latin typeface="Arial"/>
-            </a:endParaRPr>
-          </a:p>
-          <a:p>
-            <a:pPr lvl="3" marL="1728000" indent="-216000">
+          </a:p>
+          <a:p>
+            <a:pPr marL="1728000" lvl="3" indent="-216000">
               <a:buClr>
                 <a:srgbClr val="000000"/>
               </a:buClr>
@@ -5409,33 +5738,22 @@
               <a:buChar char=""/>
             </a:pPr>
             <a:r>
-              <a:rPr lang="pt-BR" sz="1800" spc="-1" strike="noStrike">
-                <a:solidFill>
-                  <a:srgbClr val="000000"/>
-                </a:solidFill>
-                <a:uFill>
-                  <a:solidFill>
-                    <a:srgbClr val="ffffff"/>
+              <a:rPr lang="pt-BR" sz="1800" strike="noStrike" spc="-1">
+                <a:solidFill>
+                  <a:srgbClr val="000000"/>
+                </a:solidFill>
+                <a:uFill>
+                  <a:solidFill>
+                    <a:srgbClr val="FFFFFF"/>
                   </a:solidFill>
                 </a:uFill>
                 <a:latin typeface="Arial"/>
               </a:rPr>
               <a:t>4.º nível da estrutura de tópicos</a:t>
             </a:r>
-            <a:endParaRPr lang="pt-BR" sz="1800" spc="-1" strike="noStrike">
-              <a:solidFill>
-                <a:srgbClr val="000000"/>
-              </a:solidFill>
-              <a:uFill>
-                <a:solidFill>
-                  <a:srgbClr val="ffffff"/>
-                </a:solidFill>
-              </a:uFill>
-              <a:latin typeface="Arial"/>
-            </a:endParaRPr>
-          </a:p>
-          <a:p>
-            <a:pPr lvl="4" marL="2160000" indent="-216000">
+          </a:p>
+          <a:p>
+            <a:pPr marL="2160000" lvl="4" indent="-216000">
               <a:buClr>
                 <a:srgbClr val="000000"/>
               </a:buClr>
@@ -5444,33 +5762,22 @@
               <a:buChar char=""/>
             </a:pPr>
             <a:r>
-              <a:rPr lang="pt-BR" sz="1800" spc="-1" strike="noStrike">
-                <a:solidFill>
-                  <a:srgbClr val="000000"/>
-                </a:solidFill>
-                <a:uFill>
-                  <a:solidFill>
-                    <a:srgbClr val="ffffff"/>
+              <a:rPr lang="pt-BR" sz="1800" strike="noStrike" spc="-1">
+                <a:solidFill>
+                  <a:srgbClr val="000000"/>
+                </a:solidFill>
+                <a:uFill>
+                  <a:solidFill>
+                    <a:srgbClr val="FFFFFF"/>
                   </a:solidFill>
                 </a:uFill>
                 <a:latin typeface="Arial"/>
               </a:rPr>
               <a:t>5.º nível da estrutura de tópicos</a:t>
             </a:r>
-            <a:endParaRPr lang="pt-BR" sz="1800" spc="-1" strike="noStrike">
-              <a:solidFill>
-                <a:srgbClr val="000000"/>
-              </a:solidFill>
-              <a:uFill>
-                <a:solidFill>
-                  <a:srgbClr val="ffffff"/>
-                </a:solidFill>
-              </a:uFill>
-              <a:latin typeface="Arial"/>
-            </a:endParaRPr>
-          </a:p>
-          <a:p>
-            <a:pPr lvl="5" marL="2592000" indent="-216000">
+          </a:p>
+          <a:p>
+            <a:pPr marL="2592000" lvl="5" indent="-216000">
               <a:buClr>
                 <a:srgbClr val="000000"/>
               </a:buClr>
@@ -5479,33 +5786,22 @@
               <a:buChar char=""/>
             </a:pPr>
             <a:r>
-              <a:rPr lang="pt-BR" sz="1800" spc="-1" strike="noStrike">
-                <a:solidFill>
-                  <a:srgbClr val="000000"/>
-                </a:solidFill>
-                <a:uFill>
-                  <a:solidFill>
-                    <a:srgbClr val="ffffff"/>
+              <a:rPr lang="pt-BR" sz="1800" strike="noStrike" spc="-1">
+                <a:solidFill>
+                  <a:srgbClr val="000000"/>
+                </a:solidFill>
+                <a:uFill>
+                  <a:solidFill>
+                    <a:srgbClr val="FFFFFF"/>
                   </a:solidFill>
                 </a:uFill>
                 <a:latin typeface="Arial"/>
               </a:rPr>
               <a:t>6.º nível da estrutura de tópicos</a:t>
             </a:r>
-            <a:endParaRPr lang="pt-BR" sz="1800" spc="-1" strike="noStrike">
-              <a:solidFill>
-                <a:srgbClr val="000000"/>
-              </a:solidFill>
-              <a:uFill>
-                <a:solidFill>
-                  <a:srgbClr val="ffffff"/>
-                </a:solidFill>
-              </a:uFill>
-              <a:latin typeface="Arial"/>
-            </a:endParaRPr>
-          </a:p>
-          <a:p>
-            <a:pPr lvl="6" marL="3024000" indent="-216000">
+          </a:p>
+          <a:p>
+            <a:pPr marL="3024000" lvl="6" indent="-216000">
               <a:buClr>
                 <a:srgbClr val="000000"/>
               </a:buClr>
@@ -5514,61 +5810,56 @@
               <a:buChar char=""/>
             </a:pPr>
             <a:r>
-              <a:rPr lang="pt-BR" sz="1800" spc="-1" strike="noStrike">
-                <a:solidFill>
-                  <a:srgbClr val="000000"/>
-                </a:solidFill>
-                <a:uFill>
-                  <a:solidFill>
-                    <a:srgbClr val="ffffff"/>
+              <a:rPr lang="pt-BR" sz="1800" strike="noStrike" spc="-1">
+                <a:solidFill>
+                  <a:srgbClr val="000000"/>
+                </a:solidFill>
+                <a:uFill>
+                  <a:solidFill>
+                    <a:srgbClr val="FFFFFF"/>
                   </a:solidFill>
                 </a:uFill>
                 <a:latin typeface="Arial"/>
               </a:rPr>
               <a:t>7.º nível da estrutura de tópicos</a:t>
             </a:r>
-            <a:endParaRPr lang="pt-BR" sz="1800" spc="-1" strike="noStrike">
-              <a:solidFill>
-                <a:srgbClr val="000000"/>
-              </a:solidFill>
-              <a:uFill>
-                <a:solidFill>
-                  <a:srgbClr val="ffffff"/>
-                </a:solidFill>
-              </a:uFill>
-              <a:latin typeface="Arial"/>
-            </a:endParaRPr>
           </a:p>
         </p:txBody>
       </p:sp>
     </p:spTree>
   </p:cSld>
-  <p:clrMap bg1="lt1" bg2="lt2" tx1="dk1" tx2="dk2" accent1="accent1" accent2="accent2" accent3="accent3" accent4="accent4" accent5="accent5" accent6="accent6" hlink="hlink" folHlink="folHlink"/>
+  <p:clrMap bg1="lt1" tx1="dk1" bg2="lt2" tx2="dk2" accent1="accent1" accent2="accent2" accent3="accent3" accent4="accent4" accent5="accent5" accent6="accent6" hlink="hlink" folHlink="folHlink"/>
   <p:sldLayoutIdLst>
-    <p:sldLayoutId id="2147483649" r:id="rId2"/>
-    <p:sldLayoutId id="2147483650" r:id="rId3"/>
-    <p:sldLayoutId id="2147483651" r:id="rId4"/>
-    <p:sldLayoutId id="2147483652" r:id="rId5"/>
-    <p:sldLayoutId id="2147483653" r:id="rId6"/>
-    <p:sldLayoutId id="2147483654" r:id="rId7"/>
-    <p:sldLayoutId id="2147483655" r:id="rId8"/>
-    <p:sldLayoutId id="2147483656" r:id="rId9"/>
-    <p:sldLayoutId id="2147483657" r:id="rId10"/>
-    <p:sldLayoutId id="2147483658" r:id="rId11"/>
-    <p:sldLayoutId id="2147483659" r:id="rId12"/>
-    <p:sldLayoutId id="2147483660" r:id="rId13"/>
+    <p:sldLayoutId id="2147483649" r:id="rId1"/>
+    <p:sldLayoutId id="2147483650" r:id="rId2"/>
+    <p:sldLayoutId id="2147483651" r:id="rId3"/>
+    <p:sldLayoutId id="2147483652" r:id="rId4"/>
+    <p:sldLayoutId id="2147483653" r:id="rId5"/>
+    <p:sldLayoutId id="2147483654" r:id="rId6"/>
+    <p:sldLayoutId id="2147483655" r:id="rId7"/>
+    <p:sldLayoutId id="2147483656" r:id="rId8"/>
+    <p:sldLayoutId id="2147483657" r:id="rId9"/>
+    <p:sldLayoutId id="2147483658" r:id="rId10"/>
+    <p:sldLayoutId id="2147483659" r:id="rId11"/>
+    <p:sldLayoutId id="2147483660" r:id="rId12"/>
   </p:sldLayoutIdLst>
+  <p:txStyles>
+    <p:titleStyle/>
+    <p:bodyStyle/>
+    <p:otherStyle/>
+  </p:txStyles>
 </p:sldMaster>
 </file>
 
 <file path=ppt/slideMasters/slideMaster2.xml><?xml version="1.0" encoding="utf-8"?>
-<p:sldMaster xmlns:a="http://schemas.openxmlformats.org/drawingml/2006/main" xmlns:p="http://schemas.openxmlformats.org/presentationml/2006/main" xmlns:r="http://schemas.openxmlformats.org/officeDocument/2006/relationships">
+<p:sldMaster xmlns:a="http://schemas.openxmlformats.org/drawingml/2006/main" xmlns:r="http://schemas.openxmlformats.org/officeDocument/2006/relationships" xmlns:p="http://schemas.openxmlformats.org/presentationml/2006/main">
   <p:cSld>
     <p:bg>
       <p:bgPr>
         <a:solidFill>
-          <a:srgbClr val="ffffff"/>
+          <a:srgbClr val="FFFFFF"/>
         </a:solidFill>
+        <a:effectLst/>
       </p:bgPr>
     </p:bg>
     <p:spTree>
@@ -5610,9 +5901,15 @@
           </a:ln>
         </p:spPr>
         <p:style>
-          <a:lnRef idx="0"/>
-          <a:fillRef idx="0"/>
-          <a:effectRef idx="0"/>
+          <a:lnRef idx="0">
+            <a:scrgbClr r="0" g="0" b="0"/>
+          </a:lnRef>
+          <a:fillRef idx="0">
+            <a:scrgbClr r="0" g="0" b="0"/>
+          </a:fillRef>
+          <a:effectRef idx="0">
+            <a:scrgbClr r="0" g="0" b="0"/>
+          </a:effectRef>
           <a:fontRef idx="minor"/>
         </p:style>
       </p:sp>
@@ -5640,9 +5937,15 @@
           </a:ln>
         </p:spPr>
         <p:style>
-          <a:lnRef idx="0"/>
-          <a:fillRef idx="0"/>
-          <a:effectRef idx="0"/>
+          <a:lnRef idx="0">
+            <a:scrgbClr r="0" g="0" b="0"/>
+          </a:lnRef>
+          <a:fillRef idx="0">
+            <a:scrgbClr r="0" g="0" b="0"/>
+          </a:fillRef>
+          <a:effectRef idx="0">
+            <a:scrgbClr r="0" g="0" b="0"/>
+          </a:effectRef>
           <a:fontRef idx="minor"/>
         </p:style>
       </p:sp>
@@ -5668,9 +5971,15 @@
           </a:ln>
         </p:spPr>
         <p:style>
-          <a:lnRef idx="0"/>
-          <a:fillRef idx="0"/>
-          <a:effectRef idx="0"/>
+          <a:lnRef idx="0">
+            <a:scrgbClr r="0" g="0" b="0"/>
+          </a:lnRef>
+          <a:fillRef idx="0">
+            <a:scrgbClr r="0" g="0" b="0"/>
+          </a:fillRef>
+          <a:effectRef idx="0">
+            <a:scrgbClr r="0" g="0" b="0"/>
+          </a:effectRef>
           <a:fontRef idx="minor"/>
         </p:style>
       </p:sp>
@@ -5698,7 +6007,7 @@
             <a:noFill/>
           </a:ln>
           <a:effectLst>
-            <a:outerShdw blurRad="50800" dir="5400000" dist="25000" rotWithShape="0">
+            <a:outerShdw blurRad="50800" dist="25000" dir="5400000" rotWithShape="0">
               <a:srgbClr val="000000">
                 <a:alpha val="40000"/>
               </a:srgbClr>
@@ -5740,9 +6049,15 @@
           </a:ln>
         </p:spPr>
         <p:style>
-          <a:lnRef idx="0"/>
-          <a:fillRef idx="0"/>
-          <a:effectRef idx="0"/>
+          <a:lnRef idx="0">
+            <a:scrgbClr r="0" g="0" b="0"/>
+          </a:lnRef>
+          <a:fillRef idx="0">
+            <a:scrgbClr r="0" g="0" b="0"/>
+          </a:fillRef>
+          <a:effectRef idx="0">
+            <a:scrgbClr r="0" g="0" b="0"/>
+          </a:effectRef>
           <a:fontRef idx="minor"/>
         </p:style>
       </p:sp>
@@ -5764,7 +6079,7 @@
             <a:noFill/>
           </a:ln>
           <a:effectLst>
-            <a:outerShdw blurRad="50800" dir="5400000" dist="25000" rotWithShape="0">
+            <a:outerShdw blurRad="50800" dist="25000" dir="5400000" rotWithShape="0">
               <a:srgbClr val="000000">
                 <a:alpha val="40000"/>
               </a:srgbClr>
@@ -5804,15 +6119,16 @@
           </a:prstGeom>
         </p:spPr>
         <p:txBody>
-          <a:bodyPr lIns="0" rIns="0" tIns="0" bIns="0" anchor="ctr"/>
-          <a:p>
-            <a:endParaRPr lang="pt-BR" sz="1979" spc="-1" strike="noStrike">
-              <a:solidFill>
-                <a:srgbClr val="000000"/>
-              </a:solidFill>
-              <a:uFill>
-                <a:solidFill>
-                  <a:srgbClr val="ffffff"/>
+          <a:bodyPr lIns="0" tIns="0" rIns="0" bIns="0" anchor="ctr"/>
+          <a:lstStyle/>
+          <a:p>
+            <a:endParaRPr lang="pt-BR" sz="1979" strike="noStrike" spc="-1">
+              <a:solidFill>
+                <a:srgbClr val="000000"/>
+              </a:solidFill>
+              <a:uFill>
+                <a:solidFill>
+                  <a:srgbClr val="FFFFFF"/>
                 </a:solidFill>
               </a:uFill>
               <a:latin typeface="Arial"/>
@@ -5840,7 +6156,8 @@
           </a:prstGeom>
         </p:spPr>
         <p:txBody>
-          <a:bodyPr lIns="0" rIns="0" tIns="0" bIns="0"/>
+          <a:bodyPr lIns="0" tIns="0" rIns="0" bIns="0"/>
+          <a:lstStyle/>
           <a:p>
             <a:pPr marL="432000" indent="-324000">
               <a:buClr>
@@ -5851,33 +6168,22 @@
               <a:buChar char=""/>
             </a:pPr>
             <a:r>
-              <a:rPr lang="pt-BR" sz="1800" spc="-1" strike="noStrike">
-                <a:solidFill>
-                  <a:srgbClr val="000000"/>
-                </a:solidFill>
-                <a:uFill>
-                  <a:solidFill>
-                    <a:srgbClr val="ffffff"/>
+              <a:rPr lang="pt-BR" sz="1800" strike="noStrike" spc="-1">
+                <a:solidFill>
+                  <a:srgbClr val="000000"/>
+                </a:solidFill>
+                <a:uFill>
+                  <a:solidFill>
+                    <a:srgbClr val="FFFFFF"/>
                   </a:solidFill>
                 </a:uFill>
                 <a:latin typeface="Arial"/>
               </a:rPr>
               <a:t>Clique para editar o formato do texto da estrutura de tópicos</a:t>
             </a:r>
-            <a:endParaRPr lang="pt-BR" sz="1800" spc="-1" strike="noStrike">
-              <a:solidFill>
-                <a:srgbClr val="000000"/>
-              </a:solidFill>
-              <a:uFill>
-                <a:solidFill>
-                  <a:srgbClr val="ffffff"/>
-                </a:solidFill>
-              </a:uFill>
-              <a:latin typeface="Arial"/>
-            </a:endParaRPr>
-          </a:p>
-          <a:p>
-            <a:pPr lvl="1" marL="864000" indent="-324000">
+          </a:p>
+          <a:p>
+            <a:pPr marL="864000" lvl="1" indent="-324000">
               <a:buClr>
                 <a:srgbClr val="000000"/>
               </a:buClr>
@@ -5886,33 +6192,22 @@
               <a:buChar char=""/>
             </a:pPr>
             <a:r>
-              <a:rPr lang="pt-BR" sz="1800" spc="-1" strike="noStrike">
-                <a:solidFill>
-                  <a:srgbClr val="000000"/>
-                </a:solidFill>
-                <a:uFill>
-                  <a:solidFill>
-                    <a:srgbClr val="ffffff"/>
+              <a:rPr lang="pt-BR" sz="1800" strike="noStrike" spc="-1">
+                <a:solidFill>
+                  <a:srgbClr val="000000"/>
+                </a:solidFill>
+                <a:uFill>
+                  <a:solidFill>
+                    <a:srgbClr val="FFFFFF"/>
                   </a:solidFill>
                 </a:uFill>
                 <a:latin typeface="Arial"/>
               </a:rPr>
               <a:t>2.º nível da estrutura de tópicos</a:t>
             </a:r>
-            <a:endParaRPr lang="pt-BR" sz="1800" spc="-1" strike="noStrike">
-              <a:solidFill>
-                <a:srgbClr val="000000"/>
-              </a:solidFill>
-              <a:uFill>
-                <a:solidFill>
-                  <a:srgbClr val="ffffff"/>
-                </a:solidFill>
-              </a:uFill>
-              <a:latin typeface="Arial"/>
-            </a:endParaRPr>
-          </a:p>
-          <a:p>
-            <a:pPr lvl="2" marL="1296000" indent="-288000">
+          </a:p>
+          <a:p>
+            <a:pPr marL="1296000" lvl="2" indent="-288000">
               <a:buClr>
                 <a:srgbClr val="000000"/>
               </a:buClr>
@@ -5921,33 +6216,22 @@
               <a:buChar char=""/>
             </a:pPr>
             <a:r>
-              <a:rPr lang="pt-BR" sz="1800" spc="-1" strike="noStrike">
-                <a:solidFill>
-                  <a:srgbClr val="000000"/>
-                </a:solidFill>
-                <a:uFill>
-                  <a:solidFill>
-                    <a:srgbClr val="ffffff"/>
+              <a:rPr lang="pt-BR" sz="1800" strike="noStrike" spc="-1">
+                <a:solidFill>
+                  <a:srgbClr val="000000"/>
+                </a:solidFill>
+                <a:uFill>
+                  <a:solidFill>
+                    <a:srgbClr val="FFFFFF"/>
                   </a:solidFill>
                 </a:uFill>
                 <a:latin typeface="Arial"/>
               </a:rPr>
               <a:t>3.º nível da estrutura de tópicos</a:t>
             </a:r>
-            <a:endParaRPr lang="pt-BR" sz="1800" spc="-1" strike="noStrike">
-              <a:solidFill>
-                <a:srgbClr val="000000"/>
-              </a:solidFill>
-              <a:uFill>
-                <a:solidFill>
-                  <a:srgbClr val="ffffff"/>
-                </a:solidFill>
-              </a:uFill>
-              <a:latin typeface="Arial"/>
-            </a:endParaRPr>
-          </a:p>
-          <a:p>
-            <a:pPr lvl="3" marL="1728000" indent="-216000">
+          </a:p>
+          <a:p>
+            <a:pPr marL="1728000" lvl="3" indent="-216000">
               <a:buClr>
                 <a:srgbClr val="000000"/>
               </a:buClr>
@@ -5956,33 +6240,22 @@
               <a:buChar char=""/>
             </a:pPr>
             <a:r>
-              <a:rPr lang="pt-BR" sz="1800" spc="-1" strike="noStrike">
-                <a:solidFill>
-                  <a:srgbClr val="000000"/>
-                </a:solidFill>
-                <a:uFill>
-                  <a:solidFill>
-                    <a:srgbClr val="ffffff"/>
+              <a:rPr lang="pt-BR" sz="1800" strike="noStrike" spc="-1">
+                <a:solidFill>
+                  <a:srgbClr val="000000"/>
+                </a:solidFill>
+                <a:uFill>
+                  <a:solidFill>
+                    <a:srgbClr val="FFFFFF"/>
                   </a:solidFill>
                 </a:uFill>
                 <a:latin typeface="Arial"/>
               </a:rPr>
               <a:t>4.º nível da estrutura de tópicos</a:t>
             </a:r>
-            <a:endParaRPr lang="pt-BR" sz="1800" spc="-1" strike="noStrike">
-              <a:solidFill>
-                <a:srgbClr val="000000"/>
-              </a:solidFill>
-              <a:uFill>
-                <a:solidFill>
-                  <a:srgbClr val="ffffff"/>
-                </a:solidFill>
-              </a:uFill>
-              <a:latin typeface="Arial"/>
-            </a:endParaRPr>
-          </a:p>
-          <a:p>
-            <a:pPr lvl="4" marL="2160000" indent="-216000">
+          </a:p>
+          <a:p>
+            <a:pPr marL="2160000" lvl="4" indent="-216000">
               <a:buClr>
                 <a:srgbClr val="000000"/>
               </a:buClr>
@@ -5991,33 +6264,22 @@
               <a:buChar char=""/>
             </a:pPr>
             <a:r>
-              <a:rPr lang="pt-BR" sz="1800" spc="-1" strike="noStrike">
-                <a:solidFill>
-                  <a:srgbClr val="000000"/>
-                </a:solidFill>
-                <a:uFill>
-                  <a:solidFill>
-                    <a:srgbClr val="ffffff"/>
+              <a:rPr lang="pt-BR" sz="1800" strike="noStrike" spc="-1">
+                <a:solidFill>
+                  <a:srgbClr val="000000"/>
+                </a:solidFill>
+                <a:uFill>
+                  <a:solidFill>
+                    <a:srgbClr val="FFFFFF"/>
                   </a:solidFill>
                 </a:uFill>
                 <a:latin typeface="Arial"/>
               </a:rPr>
               <a:t>5.º nível da estrutura de tópicos</a:t>
             </a:r>
-            <a:endParaRPr lang="pt-BR" sz="1800" spc="-1" strike="noStrike">
-              <a:solidFill>
-                <a:srgbClr val="000000"/>
-              </a:solidFill>
-              <a:uFill>
-                <a:solidFill>
-                  <a:srgbClr val="ffffff"/>
-                </a:solidFill>
-              </a:uFill>
-              <a:latin typeface="Arial"/>
-            </a:endParaRPr>
-          </a:p>
-          <a:p>
-            <a:pPr lvl="5" marL="2592000" indent="-216000">
+          </a:p>
+          <a:p>
+            <a:pPr marL="2592000" lvl="5" indent="-216000">
               <a:buClr>
                 <a:srgbClr val="000000"/>
               </a:buClr>
@@ -6026,33 +6288,22 @@
               <a:buChar char=""/>
             </a:pPr>
             <a:r>
-              <a:rPr lang="pt-BR" sz="1800" spc="-1" strike="noStrike">
-                <a:solidFill>
-                  <a:srgbClr val="000000"/>
-                </a:solidFill>
-                <a:uFill>
-                  <a:solidFill>
-                    <a:srgbClr val="ffffff"/>
+              <a:rPr lang="pt-BR" sz="1800" strike="noStrike" spc="-1">
+                <a:solidFill>
+                  <a:srgbClr val="000000"/>
+                </a:solidFill>
+                <a:uFill>
+                  <a:solidFill>
+                    <a:srgbClr val="FFFFFF"/>
                   </a:solidFill>
                 </a:uFill>
                 <a:latin typeface="Arial"/>
               </a:rPr>
               <a:t>6.º nível da estrutura de tópicos</a:t>
             </a:r>
-            <a:endParaRPr lang="pt-BR" sz="1800" spc="-1" strike="noStrike">
-              <a:solidFill>
-                <a:srgbClr val="000000"/>
-              </a:solidFill>
-              <a:uFill>
-                <a:solidFill>
-                  <a:srgbClr val="ffffff"/>
-                </a:solidFill>
-              </a:uFill>
-              <a:latin typeface="Arial"/>
-            </a:endParaRPr>
-          </a:p>
-          <a:p>
-            <a:pPr lvl="6" marL="3024000" indent="-216000">
+          </a:p>
+          <a:p>
+            <a:pPr marL="3024000" lvl="6" indent="-216000">
               <a:buClr>
                 <a:srgbClr val="000000"/>
               </a:buClr>
@@ -6061,61 +6312,56 @@
               <a:buChar char=""/>
             </a:pPr>
             <a:r>
-              <a:rPr lang="pt-BR" sz="1800" spc="-1" strike="noStrike">
-                <a:solidFill>
-                  <a:srgbClr val="000000"/>
-                </a:solidFill>
-                <a:uFill>
-                  <a:solidFill>
-                    <a:srgbClr val="ffffff"/>
+              <a:rPr lang="pt-BR" sz="1800" strike="noStrike" spc="-1">
+                <a:solidFill>
+                  <a:srgbClr val="000000"/>
+                </a:solidFill>
+                <a:uFill>
+                  <a:solidFill>
+                    <a:srgbClr val="FFFFFF"/>
                   </a:solidFill>
                 </a:uFill>
                 <a:latin typeface="Arial"/>
               </a:rPr>
               <a:t>7.º nível da estrutura de tópicos</a:t>
             </a:r>
-            <a:endParaRPr lang="pt-BR" sz="1800" spc="-1" strike="noStrike">
-              <a:solidFill>
-                <a:srgbClr val="000000"/>
-              </a:solidFill>
-              <a:uFill>
-                <a:solidFill>
-                  <a:srgbClr val="ffffff"/>
-                </a:solidFill>
-              </a:uFill>
-              <a:latin typeface="Arial"/>
-            </a:endParaRPr>
           </a:p>
         </p:txBody>
       </p:sp>
     </p:spTree>
   </p:cSld>
-  <p:clrMap bg1="lt1" bg2="lt2" tx1="dk1" tx2="dk2" accent1="accent1" accent2="accent2" accent3="accent3" accent4="accent4" accent5="accent5" accent6="accent6" hlink="hlink" folHlink="folHlink"/>
+  <p:clrMap bg1="lt1" tx1="dk1" bg2="lt2" tx2="dk2" accent1="accent1" accent2="accent2" accent3="accent3" accent4="accent4" accent5="accent5" accent6="accent6" hlink="hlink" folHlink="folHlink"/>
   <p:sldLayoutIdLst>
-    <p:sldLayoutId id="2147483662" r:id="rId2"/>
-    <p:sldLayoutId id="2147483663" r:id="rId3"/>
-    <p:sldLayoutId id="2147483664" r:id="rId4"/>
-    <p:sldLayoutId id="2147483665" r:id="rId5"/>
-    <p:sldLayoutId id="2147483666" r:id="rId6"/>
-    <p:sldLayoutId id="2147483667" r:id="rId7"/>
-    <p:sldLayoutId id="2147483668" r:id="rId8"/>
-    <p:sldLayoutId id="2147483669" r:id="rId9"/>
-    <p:sldLayoutId id="2147483670" r:id="rId10"/>
-    <p:sldLayoutId id="2147483671" r:id="rId11"/>
-    <p:sldLayoutId id="2147483672" r:id="rId12"/>
-    <p:sldLayoutId id="2147483673" r:id="rId13"/>
+    <p:sldLayoutId id="2147483662" r:id="rId1"/>
+    <p:sldLayoutId id="2147483663" r:id="rId2"/>
+    <p:sldLayoutId id="2147483664" r:id="rId3"/>
+    <p:sldLayoutId id="2147483665" r:id="rId4"/>
+    <p:sldLayoutId id="2147483666" r:id="rId5"/>
+    <p:sldLayoutId id="2147483667" r:id="rId6"/>
+    <p:sldLayoutId id="2147483668" r:id="rId7"/>
+    <p:sldLayoutId id="2147483669" r:id="rId8"/>
+    <p:sldLayoutId id="2147483670" r:id="rId9"/>
+    <p:sldLayoutId id="2147483671" r:id="rId10"/>
+    <p:sldLayoutId id="2147483672" r:id="rId11"/>
+    <p:sldLayoutId id="2147483673" r:id="rId12"/>
   </p:sldLayoutIdLst>
+  <p:txStyles>
+    <p:titleStyle/>
+    <p:bodyStyle/>
+    <p:otherStyle/>
+  </p:txStyles>
 </p:sldMaster>
 </file>
 
 <file path=ppt/slideMasters/slideMaster3.xml><?xml version="1.0" encoding="utf-8"?>
-<p:sldMaster xmlns:a="http://schemas.openxmlformats.org/drawingml/2006/main" xmlns:p="http://schemas.openxmlformats.org/presentationml/2006/main" xmlns:r="http://schemas.openxmlformats.org/officeDocument/2006/relationships">
+<p:sldMaster xmlns:a="http://schemas.openxmlformats.org/drawingml/2006/main" xmlns:r="http://schemas.openxmlformats.org/officeDocument/2006/relationships" xmlns:p="http://schemas.openxmlformats.org/presentationml/2006/main">
   <p:cSld>
     <p:bg>
       <p:bgPr>
         <a:solidFill>
-          <a:srgbClr val="ffffff"/>
+          <a:srgbClr val="FFFFFF"/>
         </a:solidFill>
+        <a:effectLst/>
       </p:bgPr>
     </p:bg>
     <p:spTree>
@@ -6157,9 +6403,15 @@
           </a:ln>
         </p:spPr>
         <p:style>
-          <a:lnRef idx="0"/>
-          <a:fillRef idx="0"/>
-          <a:effectRef idx="0"/>
+          <a:lnRef idx="0">
+            <a:scrgbClr r="0" g="0" b="0"/>
+          </a:lnRef>
+          <a:fillRef idx="0">
+            <a:scrgbClr r="0" g="0" b="0"/>
+          </a:fillRef>
+          <a:effectRef idx="0">
+            <a:scrgbClr r="0" g="0" b="0"/>
+          </a:effectRef>
           <a:fontRef idx="minor"/>
         </p:style>
       </p:sp>
@@ -6187,9 +6439,15 @@
           </a:ln>
         </p:spPr>
         <p:style>
-          <a:lnRef idx="0"/>
-          <a:fillRef idx="0"/>
-          <a:effectRef idx="0"/>
+          <a:lnRef idx="0">
+            <a:scrgbClr r="0" g="0" b="0"/>
+          </a:lnRef>
+          <a:fillRef idx="0">
+            <a:scrgbClr r="0" g="0" b="0"/>
+          </a:fillRef>
+          <a:effectRef idx="0">
+            <a:scrgbClr r="0" g="0" b="0"/>
+          </a:effectRef>
           <a:fontRef idx="minor"/>
         </p:style>
       </p:sp>
@@ -6215,9 +6473,15 @@
           </a:ln>
         </p:spPr>
         <p:style>
-          <a:lnRef idx="0"/>
-          <a:fillRef idx="0"/>
-          <a:effectRef idx="0"/>
+          <a:lnRef idx="0">
+            <a:scrgbClr r="0" g="0" b="0"/>
+          </a:lnRef>
+          <a:fillRef idx="0">
+            <a:scrgbClr r="0" g="0" b="0"/>
+          </a:fillRef>
+          <a:effectRef idx="0">
+            <a:scrgbClr r="0" g="0" b="0"/>
+          </a:effectRef>
           <a:fontRef idx="minor"/>
         </p:style>
       </p:sp>
@@ -6245,7 +6509,7 @@
             <a:noFill/>
           </a:ln>
           <a:effectLst>
-            <a:outerShdw blurRad="50800" dir="5400000" dist="25000" rotWithShape="0">
+            <a:outerShdw blurRad="50800" dist="25000" dir="5400000" rotWithShape="0">
               <a:srgbClr val="000000">
                 <a:alpha val="40000"/>
               </a:srgbClr>
@@ -6287,9 +6551,15 @@
           </a:ln>
         </p:spPr>
         <p:style>
-          <a:lnRef idx="0"/>
-          <a:fillRef idx="0"/>
-          <a:effectRef idx="0"/>
+          <a:lnRef idx="0">
+            <a:scrgbClr r="0" g="0" b="0"/>
+          </a:lnRef>
+          <a:fillRef idx="0">
+            <a:scrgbClr r="0" g="0" b="0"/>
+          </a:fillRef>
+          <a:effectRef idx="0">
+            <a:scrgbClr r="0" g="0" b="0"/>
+          </a:effectRef>
           <a:fontRef idx="minor"/>
         </p:style>
       </p:sp>
@@ -6311,7 +6581,7 @@
             <a:noFill/>
           </a:ln>
           <a:effectLst>
-            <a:outerShdw blurRad="50800" dir="5400000" dist="25000" rotWithShape="0">
+            <a:outerShdw blurRad="50800" dist="25000" dir="5400000" rotWithShape="0">
               <a:srgbClr val="000000">
                 <a:alpha val="40000"/>
               </a:srgbClr>
@@ -6351,15 +6621,16 @@
           </a:prstGeom>
         </p:spPr>
         <p:txBody>
-          <a:bodyPr lIns="0" rIns="0" tIns="0" bIns="0" anchor="ctr"/>
-          <a:p>
-            <a:endParaRPr lang="pt-BR" sz="1979" spc="-1" strike="noStrike">
-              <a:solidFill>
-                <a:srgbClr val="000000"/>
-              </a:solidFill>
-              <a:uFill>
-                <a:solidFill>
-                  <a:srgbClr val="ffffff"/>
+          <a:bodyPr lIns="0" tIns="0" rIns="0" bIns="0" anchor="ctr"/>
+          <a:lstStyle/>
+          <a:p>
+            <a:endParaRPr lang="pt-BR" sz="1979" strike="noStrike" spc="-1">
+              <a:solidFill>
+                <a:srgbClr val="000000"/>
+              </a:solidFill>
+              <a:uFill>
+                <a:solidFill>
+                  <a:srgbClr val="FFFFFF"/>
                 </a:solidFill>
               </a:uFill>
               <a:latin typeface="Arial"/>
@@ -6387,7 +6658,8 @@
           </a:prstGeom>
         </p:spPr>
         <p:txBody>
-          <a:bodyPr lIns="0" rIns="0" tIns="0" bIns="0"/>
+          <a:bodyPr lIns="0" tIns="0" rIns="0" bIns="0"/>
+          <a:lstStyle/>
           <a:p>
             <a:pPr marL="432000" indent="-324000">
               <a:buClr>
@@ -6398,33 +6670,22 @@
               <a:buChar char=""/>
             </a:pPr>
             <a:r>
-              <a:rPr lang="pt-BR" sz="1800" spc="-1" strike="noStrike">
-                <a:solidFill>
-                  <a:srgbClr val="000000"/>
-                </a:solidFill>
-                <a:uFill>
-                  <a:solidFill>
-                    <a:srgbClr val="ffffff"/>
+              <a:rPr lang="pt-BR" sz="1800" strike="noStrike" spc="-1">
+                <a:solidFill>
+                  <a:srgbClr val="000000"/>
+                </a:solidFill>
+                <a:uFill>
+                  <a:solidFill>
+                    <a:srgbClr val="FFFFFF"/>
                   </a:solidFill>
                 </a:uFill>
                 <a:latin typeface="Arial"/>
               </a:rPr>
               <a:t>Clique para editar o formato do texto da estrutura de tópicos</a:t>
             </a:r>
-            <a:endParaRPr lang="pt-BR" sz="1800" spc="-1" strike="noStrike">
-              <a:solidFill>
-                <a:srgbClr val="000000"/>
-              </a:solidFill>
-              <a:uFill>
-                <a:solidFill>
-                  <a:srgbClr val="ffffff"/>
-                </a:solidFill>
-              </a:uFill>
-              <a:latin typeface="Arial"/>
-            </a:endParaRPr>
-          </a:p>
-          <a:p>
-            <a:pPr lvl="1" marL="864000" indent="-324000">
+          </a:p>
+          <a:p>
+            <a:pPr marL="864000" lvl="1" indent="-324000">
               <a:buClr>
                 <a:srgbClr val="000000"/>
               </a:buClr>
@@ -6433,33 +6694,22 @@
               <a:buChar char=""/>
             </a:pPr>
             <a:r>
-              <a:rPr lang="pt-BR" sz="1800" spc="-1" strike="noStrike">
-                <a:solidFill>
-                  <a:srgbClr val="000000"/>
-                </a:solidFill>
-                <a:uFill>
-                  <a:solidFill>
-                    <a:srgbClr val="ffffff"/>
+              <a:rPr lang="pt-BR" sz="1800" strike="noStrike" spc="-1">
+                <a:solidFill>
+                  <a:srgbClr val="000000"/>
+                </a:solidFill>
+                <a:uFill>
+                  <a:solidFill>
+                    <a:srgbClr val="FFFFFF"/>
                   </a:solidFill>
                 </a:uFill>
                 <a:latin typeface="Arial"/>
               </a:rPr>
               <a:t>2.º nível da estrutura de tópicos</a:t>
             </a:r>
-            <a:endParaRPr lang="pt-BR" sz="1800" spc="-1" strike="noStrike">
-              <a:solidFill>
-                <a:srgbClr val="000000"/>
-              </a:solidFill>
-              <a:uFill>
-                <a:solidFill>
-                  <a:srgbClr val="ffffff"/>
-                </a:solidFill>
-              </a:uFill>
-              <a:latin typeface="Arial"/>
-            </a:endParaRPr>
-          </a:p>
-          <a:p>
-            <a:pPr lvl="2" marL="1296000" indent="-288000">
+          </a:p>
+          <a:p>
+            <a:pPr marL="1296000" lvl="2" indent="-288000">
               <a:buClr>
                 <a:srgbClr val="000000"/>
               </a:buClr>
@@ -6468,33 +6718,22 @@
               <a:buChar char=""/>
             </a:pPr>
             <a:r>
-              <a:rPr lang="pt-BR" sz="1800" spc="-1" strike="noStrike">
-                <a:solidFill>
-                  <a:srgbClr val="000000"/>
-                </a:solidFill>
-                <a:uFill>
-                  <a:solidFill>
-                    <a:srgbClr val="ffffff"/>
+              <a:rPr lang="pt-BR" sz="1800" strike="noStrike" spc="-1">
+                <a:solidFill>
+                  <a:srgbClr val="000000"/>
+                </a:solidFill>
+                <a:uFill>
+                  <a:solidFill>
+                    <a:srgbClr val="FFFFFF"/>
                   </a:solidFill>
                 </a:uFill>
                 <a:latin typeface="Arial"/>
               </a:rPr>
               <a:t>3.º nível da estrutura de tópicos</a:t>
             </a:r>
-            <a:endParaRPr lang="pt-BR" sz="1800" spc="-1" strike="noStrike">
-              <a:solidFill>
-                <a:srgbClr val="000000"/>
-              </a:solidFill>
-              <a:uFill>
-                <a:solidFill>
-                  <a:srgbClr val="ffffff"/>
-                </a:solidFill>
-              </a:uFill>
-              <a:latin typeface="Arial"/>
-            </a:endParaRPr>
-          </a:p>
-          <a:p>
-            <a:pPr lvl="3" marL="1728000" indent="-216000">
+          </a:p>
+          <a:p>
+            <a:pPr marL="1728000" lvl="3" indent="-216000">
               <a:buClr>
                 <a:srgbClr val="000000"/>
               </a:buClr>
@@ -6503,33 +6742,22 @@
               <a:buChar char=""/>
             </a:pPr>
             <a:r>
-              <a:rPr lang="pt-BR" sz="1800" spc="-1" strike="noStrike">
-                <a:solidFill>
-                  <a:srgbClr val="000000"/>
-                </a:solidFill>
-                <a:uFill>
-                  <a:solidFill>
-                    <a:srgbClr val="ffffff"/>
+              <a:rPr lang="pt-BR" sz="1800" strike="noStrike" spc="-1">
+                <a:solidFill>
+                  <a:srgbClr val="000000"/>
+                </a:solidFill>
+                <a:uFill>
+                  <a:solidFill>
+                    <a:srgbClr val="FFFFFF"/>
                   </a:solidFill>
                 </a:uFill>
                 <a:latin typeface="Arial"/>
               </a:rPr>
               <a:t>4.º nível da estrutura de tópicos</a:t>
             </a:r>
-            <a:endParaRPr lang="pt-BR" sz="1800" spc="-1" strike="noStrike">
-              <a:solidFill>
-                <a:srgbClr val="000000"/>
-              </a:solidFill>
-              <a:uFill>
-                <a:solidFill>
-                  <a:srgbClr val="ffffff"/>
-                </a:solidFill>
-              </a:uFill>
-              <a:latin typeface="Arial"/>
-            </a:endParaRPr>
-          </a:p>
-          <a:p>
-            <a:pPr lvl="4" marL="2160000" indent="-216000">
+          </a:p>
+          <a:p>
+            <a:pPr marL="2160000" lvl="4" indent="-216000">
               <a:buClr>
                 <a:srgbClr val="000000"/>
               </a:buClr>
@@ -6538,33 +6766,22 @@
               <a:buChar char=""/>
             </a:pPr>
             <a:r>
-              <a:rPr lang="pt-BR" sz="1800" spc="-1" strike="noStrike">
-                <a:solidFill>
-                  <a:srgbClr val="000000"/>
-                </a:solidFill>
-                <a:uFill>
-                  <a:solidFill>
-                    <a:srgbClr val="ffffff"/>
+              <a:rPr lang="pt-BR" sz="1800" strike="noStrike" spc="-1">
+                <a:solidFill>
+                  <a:srgbClr val="000000"/>
+                </a:solidFill>
+                <a:uFill>
+                  <a:solidFill>
+                    <a:srgbClr val="FFFFFF"/>
                   </a:solidFill>
                 </a:uFill>
                 <a:latin typeface="Arial"/>
               </a:rPr>
               <a:t>5.º nível da estrutura de tópicos</a:t>
             </a:r>
-            <a:endParaRPr lang="pt-BR" sz="1800" spc="-1" strike="noStrike">
-              <a:solidFill>
-                <a:srgbClr val="000000"/>
-              </a:solidFill>
-              <a:uFill>
-                <a:solidFill>
-                  <a:srgbClr val="ffffff"/>
-                </a:solidFill>
-              </a:uFill>
-              <a:latin typeface="Arial"/>
-            </a:endParaRPr>
-          </a:p>
-          <a:p>
-            <a:pPr lvl="5" marL="2592000" indent="-216000">
+          </a:p>
+          <a:p>
+            <a:pPr marL="2592000" lvl="5" indent="-216000">
               <a:buClr>
                 <a:srgbClr val="000000"/>
               </a:buClr>
@@ -6573,33 +6790,22 @@
               <a:buChar char=""/>
             </a:pPr>
             <a:r>
-              <a:rPr lang="pt-BR" sz="1800" spc="-1" strike="noStrike">
-                <a:solidFill>
-                  <a:srgbClr val="000000"/>
-                </a:solidFill>
-                <a:uFill>
-                  <a:solidFill>
-                    <a:srgbClr val="ffffff"/>
+              <a:rPr lang="pt-BR" sz="1800" strike="noStrike" spc="-1">
+                <a:solidFill>
+                  <a:srgbClr val="000000"/>
+                </a:solidFill>
+                <a:uFill>
+                  <a:solidFill>
+                    <a:srgbClr val="FFFFFF"/>
                   </a:solidFill>
                 </a:uFill>
                 <a:latin typeface="Arial"/>
               </a:rPr>
               <a:t>6.º nível da estrutura de tópicos</a:t>
             </a:r>
-            <a:endParaRPr lang="pt-BR" sz="1800" spc="-1" strike="noStrike">
-              <a:solidFill>
-                <a:srgbClr val="000000"/>
-              </a:solidFill>
-              <a:uFill>
-                <a:solidFill>
-                  <a:srgbClr val="ffffff"/>
-                </a:solidFill>
-              </a:uFill>
-              <a:latin typeface="Arial"/>
-            </a:endParaRPr>
-          </a:p>
-          <a:p>
-            <a:pPr lvl="6" marL="3024000" indent="-216000">
+          </a:p>
+          <a:p>
+            <a:pPr marL="3024000" lvl="6" indent="-216000">
               <a:buClr>
                 <a:srgbClr val="000000"/>
               </a:buClr>
@@ -6608,55 +6814,49 @@
               <a:buChar char=""/>
             </a:pPr>
             <a:r>
-              <a:rPr lang="pt-BR" sz="1800" spc="-1" strike="noStrike">
-                <a:solidFill>
-                  <a:srgbClr val="000000"/>
-                </a:solidFill>
-                <a:uFill>
-                  <a:solidFill>
-                    <a:srgbClr val="ffffff"/>
+              <a:rPr lang="pt-BR" sz="1800" strike="noStrike" spc="-1">
+                <a:solidFill>
+                  <a:srgbClr val="000000"/>
+                </a:solidFill>
+                <a:uFill>
+                  <a:solidFill>
+                    <a:srgbClr val="FFFFFF"/>
                   </a:solidFill>
                 </a:uFill>
                 <a:latin typeface="Arial"/>
               </a:rPr>
               <a:t>7.º nível da estrutura de tópicos</a:t>
             </a:r>
-            <a:endParaRPr lang="pt-BR" sz="1800" spc="-1" strike="noStrike">
-              <a:solidFill>
-                <a:srgbClr val="000000"/>
-              </a:solidFill>
-              <a:uFill>
-                <a:solidFill>
-                  <a:srgbClr val="ffffff"/>
-                </a:solidFill>
-              </a:uFill>
-              <a:latin typeface="Arial"/>
-            </a:endParaRPr>
           </a:p>
         </p:txBody>
       </p:sp>
     </p:spTree>
   </p:cSld>
-  <p:clrMap bg1="lt1" bg2="lt2" tx1="dk1" tx2="dk2" accent1="accent1" accent2="accent2" accent3="accent3" accent4="accent4" accent5="accent5" accent6="accent6" hlink="hlink" folHlink="folHlink"/>
+  <p:clrMap bg1="lt1" tx1="dk1" bg2="lt2" tx2="dk2" accent1="accent1" accent2="accent2" accent3="accent3" accent4="accent4" accent5="accent5" accent6="accent6" hlink="hlink" folHlink="folHlink"/>
   <p:sldLayoutIdLst>
-    <p:sldLayoutId id="2147483675" r:id="rId2"/>
-    <p:sldLayoutId id="2147483676" r:id="rId3"/>
-    <p:sldLayoutId id="2147483677" r:id="rId4"/>
-    <p:sldLayoutId id="2147483678" r:id="rId5"/>
-    <p:sldLayoutId id="2147483679" r:id="rId6"/>
-    <p:sldLayoutId id="2147483680" r:id="rId7"/>
-    <p:sldLayoutId id="2147483681" r:id="rId8"/>
-    <p:sldLayoutId id="2147483682" r:id="rId9"/>
-    <p:sldLayoutId id="2147483683" r:id="rId10"/>
-    <p:sldLayoutId id="2147483684" r:id="rId11"/>
-    <p:sldLayoutId id="2147483685" r:id="rId12"/>
-    <p:sldLayoutId id="2147483686" r:id="rId13"/>
+    <p:sldLayoutId id="2147483675" r:id="rId1"/>
+    <p:sldLayoutId id="2147483676" r:id="rId2"/>
+    <p:sldLayoutId id="2147483677" r:id="rId3"/>
+    <p:sldLayoutId id="2147483678" r:id="rId4"/>
+    <p:sldLayoutId id="2147483679" r:id="rId5"/>
+    <p:sldLayoutId id="2147483680" r:id="rId6"/>
+    <p:sldLayoutId id="2147483681" r:id="rId7"/>
+    <p:sldLayoutId id="2147483682" r:id="rId8"/>
+    <p:sldLayoutId id="2147483683" r:id="rId9"/>
+    <p:sldLayoutId id="2147483684" r:id="rId10"/>
+    <p:sldLayoutId id="2147483685" r:id="rId11"/>
+    <p:sldLayoutId id="2147483686" r:id="rId12"/>
   </p:sldLayoutIdLst>
+  <p:txStyles>
+    <p:titleStyle/>
+    <p:bodyStyle/>
+    <p:otherStyle/>
+  </p:txStyles>
 </p:sldMaster>
 </file>
 
 <file path=ppt/slides/slide1.xml><?xml version="1.0" encoding="utf-8"?>
-<p:sld xmlns:a="http://schemas.openxmlformats.org/drawingml/2006/main" xmlns:p="http://schemas.openxmlformats.org/presentationml/2006/main" xmlns:r="http://schemas.openxmlformats.org/officeDocument/2006/relationships">
+<p:sld xmlns:a="http://schemas.openxmlformats.org/drawingml/2006/main" xmlns:r="http://schemas.openxmlformats.org/officeDocument/2006/relationships" xmlns:p="http://schemas.openxmlformats.org/presentationml/2006/main">
   <p:cSld>
     <p:spTree>
       <p:nvGrpSpPr>
@@ -6692,13 +6892,20 @@
           </a:ln>
         </p:spPr>
         <p:style>
-          <a:lnRef idx="0"/>
-          <a:fillRef idx="0"/>
-          <a:effectRef idx="0"/>
+          <a:lnRef idx="0">
+            <a:scrgbClr r="0" g="0" b="0"/>
+          </a:lnRef>
+          <a:fillRef idx="0">
+            <a:scrgbClr r="0" g="0" b="0"/>
+          </a:fillRef>
+          <a:effectRef idx="0">
+            <a:scrgbClr r="0" g="0" b="0"/>
+          </a:effectRef>
           <a:fontRef idx="minor"/>
         </p:style>
         <p:txBody>
-          <a:bodyPr lIns="90000" rIns="90000" tIns="45000" bIns="45000" anchor="b"/>
+          <a:bodyPr lIns="90000" tIns="45000" rIns="90000" bIns="45000" anchor="b"/>
+          <a:lstStyle/>
           <a:p>
             <a:pPr>
               <a:lnSpc>
@@ -6706,13 +6913,13 @@
               </a:lnSpc>
             </a:pPr>
             <a:r>
-              <a:rPr b="1" lang="pt-BR" sz="3000" spc="-1" strike="noStrike" cap="small">
-                <a:solidFill>
-                  <a:srgbClr val="575f6d"/>
-                </a:solidFill>
-                <a:uFill>
-                  <a:solidFill>
-                    <a:srgbClr val="ffffff"/>
+              <a:rPr lang="pt-BR" sz="3000" b="1" strike="noStrike" cap="small" spc="-1">
+                <a:solidFill>
+                  <a:srgbClr val="575F6D"/>
+                </a:solidFill>
+                <a:uFill>
+                  <a:solidFill>
+                    <a:srgbClr val="FFFFFF"/>
                   </a:solidFill>
                 </a:uFill>
                 <a:latin typeface="Century Schoolbook"/>
@@ -6720,13 +6927,13 @@
               </a:rPr>
               <a:t>ALGORITMO K-MEANS</a:t>
             </a:r>
-            <a:endParaRPr lang="pt-BR" sz="1800" spc="-1" strike="noStrike">
-              <a:solidFill>
-                <a:srgbClr val="000000"/>
-              </a:solidFill>
-              <a:uFill>
-                <a:solidFill>
-                  <a:srgbClr val="ffffff"/>
+            <a:endParaRPr lang="pt-BR" sz="1800" strike="noStrike" spc="-1">
+              <a:solidFill>
+                <a:srgbClr val="000000"/>
+              </a:solidFill>
+              <a:uFill>
+                <a:solidFill>
+                  <a:srgbClr val="FFFFFF"/>
                 </a:solidFill>
               </a:uFill>
               <a:latin typeface="Arial"/>
@@ -6754,13 +6961,20 @@
           </a:ln>
         </p:spPr>
         <p:style>
-          <a:lnRef idx="0"/>
-          <a:fillRef idx="0"/>
-          <a:effectRef idx="0"/>
+          <a:lnRef idx="0">
+            <a:scrgbClr r="0" g="0" b="0"/>
+          </a:lnRef>
+          <a:fillRef idx="0">
+            <a:scrgbClr r="0" g="0" b="0"/>
+          </a:fillRef>
+          <a:effectRef idx="0">
+            <a:scrgbClr r="0" g="0" b="0"/>
+          </a:effectRef>
           <a:fontRef idx="minor"/>
         </p:style>
         <p:txBody>
-          <a:bodyPr lIns="90000" rIns="90000" tIns="45000" bIns="45000"/>
+          <a:bodyPr lIns="90000" tIns="45000" rIns="90000" bIns="45000"/>
+          <a:lstStyle/>
           <a:p>
             <a:pPr>
               <a:lnSpc>
@@ -6768,13 +6982,13 @@
               </a:lnSpc>
             </a:pPr>
             <a:r>
-              <a:rPr b="1" lang="pt-BR" sz="1800" spc="-1" strike="noStrike">
-                <a:solidFill>
-                  <a:srgbClr val="575f6d"/>
-                </a:solidFill>
-                <a:uFill>
-                  <a:solidFill>
-                    <a:srgbClr val="ffffff"/>
+              <a:rPr lang="pt-BR" sz="1800" b="1" strike="noStrike" spc="-1">
+                <a:solidFill>
+                  <a:srgbClr val="575F6D"/>
+                </a:solidFill>
+                <a:uFill>
+                  <a:solidFill>
+                    <a:srgbClr val="FFFFFF"/>
                   </a:solidFill>
                 </a:uFill>
                 <a:latin typeface="Century Schoolbook"/>
@@ -6782,13 +6996,13 @@
               </a:rPr>
               <a:t>Processamento Digital de Imagens</a:t>
             </a:r>
-            <a:endParaRPr lang="pt-BR" sz="1800" spc="-1" strike="noStrike">
-              <a:solidFill>
-                <a:srgbClr val="000000"/>
-              </a:solidFill>
-              <a:uFill>
-                <a:solidFill>
-                  <a:srgbClr val="ffffff"/>
+            <a:endParaRPr lang="pt-BR" sz="1800" strike="noStrike" spc="-1">
+              <a:solidFill>
+                <a:srgbClr val="000000"/>
+              </a:solidFill>
+              <a:uFill>
+                <a:solidFill>
+                  <a:srgbClr val="FFFFFF"/>
                 </a:solidFill>
               </a:uFill>
               <a:latin typeface="Arial"/>
@@ -6801,13 +7015,13 @@
               </a:lnSpc>
             </a:pPr>
             <a:r>
-              <a:rPr b="1" lang="pt-BR" sz="1800" spc="-1" strike="noStrike">
-                <a:solidFill>
-                  <a:srgbClr val="575f6d"/>
-                </a:solidFill>
-                <a:uFill>
-                  <a:solidFill>
-                    <a:srgbClr val="ffffff"/>
+              <a:rPr lang="pt-BR" sz="1800" b="1" strike="noStrike" spc="-1">
+                <a:solidFill>
+                  <a:srgbClr val="575F6D"/>
+                </a:solidFill>
+                <a:uFill>
+                  <a:solidFill>
+                    <a:srgbClr val="FFFFFF"/>
                   </a:solidFill>
                 </a:uFill>
                 <a:latin typeface="Century Schoolbook"/>
@@ -6815,13 +7029,13 @@
               </a:rPr>
               <a:t>Tarcísio Bruno C. Oliveira e </a:t>
             </a:r>
-            <a:endParaRPr lang="pt-BR" sz="1800" spc="-1" strike="noStrike">
-              <a:solidFill>
-                <a:srgbClr val="000000"/>
-              </a:solidFill>
-              <a:uFill>
-                <a:solidFill>
-                  <a:srgbClr val="ffffff"/>
+            <a:endParaRPr lang="pt-BR" sz="1800" strike="noStrike" spc="-1">
+              <a:solidFill>
+                <a:srgbClr val="000000"/>
+              </a:solidFill>
+              <a:uFill>
+                <a:solidFill>
+                  <a:srgbClr val="FFFFFF"/>
                 </a:solidFill>
               </a:uFill>
               <a:latin typeface="Arial"/>
@@ -6834,13 +7048,13 @@
               </a:lnSpc>
             </a:pPr>
             <a:r>
-              <a:rPr b="1" lang="pt-BR" sz="1800" spc="-1" strike="noStrike">
-                <a:solidFill>
-                  <a:srgbClr val="575f6d"/>
-                </a:solidFill>
-                <a:uFill>
-                  <a:solidFill>
-                    <a:srgbClr val="ffffff"/>
+              <a:rPr lang="pt-BR" sz="1800" b="1" strike="noStrike" spc="-1">
+                <a:solidFill>
+                  <a:srgbClr val="575F6D"/>
+                </a:solidFill>
+                <a:uFill>
+                  <a:solidFill>
+                    <a:srgbClr val="FFFFFF"/>
                   </a:solidFill>
                 </a:uFill>
                 <a:latin typeface="Century Schoolbook"/>
@@ -6848,13 +7062,13 @@
               </a:rPr>
               <a:t>Jonathan Negreiros de Freitas</a:t>
             </a:r>
-            <a:endParaRPr lang="pt-BR" sz="1800" spc="-1" strike="noStrike">
-              <a:solidFill>
-                <a:srgbClr val="000000"/>
-              </a:solidFill>
-              <a:uFill>
-                <a:solidFill>
-                  <a:srgbClr val="ffffff"/>
+            <a:endParaRPr lang="pt-BR" sz="1800" strike="noStrike" spc="-1">
+              <a:solidFill>
+                <a:srgbClr val="000000"/>
+              </a:solidFill>
+              <a:uFill>
+                <a:solidFill>
+                  <a:srgbClr val="FFFFFF"/>
                 </a:solidFill>
               </a:uFill>
               <a:latin typeface="Arial"/>
@@ -6864,6 +7078,9 @@
       </p:sp>
     </p:spTree>
   </p:cSld>
+  <p:clrMapOvr>
+    <a:masterClrMapping/>
+  </p:clrMapOvr>
   <p:timing>
     <p:tnLst>
       <p:par>
@@ -6872,14 +7089,14 @@
             <p:seq>
               <p:cTn id="2" nodeType="mainSeq"/>
               <p:prevCondLst>
-                <p:cond delay="0" evt="onPrev">
+                <p:cond evt="onPrev" delay="0">
                   <p:tgtEl>
                     <p:sldTgt/>
                   </p:tgtEl>
                 </p:cond>
               </p:prevCondLst>
               <p:nextCondLst>
-                <p:cond delay="0" evt="onNext">
+                <p:cond evt="onNext" delay="0">
                   <p:tgtEl>
                     <p:sldTgt/>
                   </p:tgtEl>
@@ -6895,7 +7112,7 @@
 </file>
 
 <file path=ppt/slides/slide10.xml><?xml version="1.0" encoding="utf-8"?>
-<p:sld xmlns:a="http://schemas.openxmlformats.org/drawingml/2006/main" xmlns:p="http://schemas.openxmlformats.org/presentationml/2006/main" xmlns:r="http://schemas.openxmlformats.org/officeDocument/2006/relationships">
+<p:sld xmlns:a="http://schemas.openxmlformats.org/drawingml/2006/main" xmlns:r="http://schemas.openxmlformats.org/officeDocument/2006/relationships" xmlns:p="http://schemas.openxmlformats.org/presentationml/2006/main">
   <p:cSld>
     <p:spTree>
       <p:nvGrpSpPr>
@@ -6931,16 +7148,17 @@
           </a:ln>
         </p:spPr>
         <p:txBody>
-          <a:bodyPr lIns="0" rIns="0" tIns="0" bIns="0" anchor="ctr"/>
-          <a:p>
-            <a:r>
-              <a:rPr b="1" lang="pt-BR" sz="3000" spc="-1" strike="noStrike">
-                <a:solidFill>
-                  <a:srgbClr val="000000"/>
-                </a:solidFill>
-                <a:uFill>
-                  <a:solidFill>
-                    <a:srgbClr val="ffffff"/>
+          <a:bodyPr lIns="0" tIns="0" rIns="0" bIns="0" anchor="ctr"/>
+          <a:lstStyle/>
+          <a:p>
+            <a:r>
+              <a:rPr lang="pt-BR" sz="3000" b="1" strike="noStrike" spc="-1" dirty="0">
+                <a:solidFill>
+                  <a:srgbClr val="000000"/>
+                </a:solidFill>
+                <a:uFill>
+                  <a:solidFill>
+                    <a:srgbClr val="FFFFFF"/>
                   </a:solidFill>
                 </a:uFill>
                 <a:latin typeface="Century Schoolbook"/>
@@ -6948,13 +7166,13 @@
               </a:rPr>
               <a:t>EXPERIMENTO:  SEGMENTAÇÃO COM K = 3 → Autor: DIXIT</a:t>
             </a:r>
-            <a:endParaRPr lang="pt-BR" sz="1979" spc="-1" strike="noStrike">
-              <a:solidFill>
-                <a:srgbClr val="000000"/>
-              </a:solidFill>
-              <a:uFill>
-                <a:solidFill>
-                  <a:srgbClr val="ffffff"/>
+            <a:endParaRPr lang="pt-BR" sz="1979" strike="noStrike" spc="-1" dirty="0">
+              <a:solidFill>
+                <a:srgbClr val="000000"/>
+              </a:solidFill>
+              <a:uFill>
+                <a:solidFill>
+                  <a:srgbClr val="FFFFFF"/>
                 </a:solidFill>
               </a:uFill>
               <a:latin typeface="Arial"/>
@@ -6964,12 +7182,12 @@
       </p:sp>
       <p:pic>
         <p:nvPicPr>
-          <p:cNvPr id="163" name="" descr=""/>
+          <p:cNvPr id="163" name="Imagem 162"/>
           <p:cNvPicPr/>
           <p:nvPr/>
         </p:nvPicPr>
         <p:blipFill>
-          <a:blip r:embed="rId1"/>
+          <a:blip r:embed="rId2" cstate="print"/>
           <a:stretch/>
         </p:blipFill>
         <p:spPr>
@@ -6987,12 +7205,12 @@
       </p:pic>
       <p:pic>
         <p:nvPicPr>
-          <p:cNvPr id="164" name="" descr=""/>
+          <p:cNvPr id="164" name="Imagem 163"/>
           <p:cNvPicPr/>
           <p:nvPr/>
         </p:nvPicPr>
         <p:blipFill>
-          <a:blip r:embed="rId2"/>
+          <a:blip r:embed="rId3" cstate="print"/>
           <a:stretch/>
         </p:blipFill>
         <p:spPr>
@@ -7010,22 +7228,25 @@
       </p:pic>
     </p:spTree>
   </p:cSld>
+  <p:clrMapOvr>
+    <a:masterClrMapping/>
+  </p:clrMapOvr>
   <p:timing>
     <p:tnLst>
       <p:par>
-        <p:cTn id="19" dur="indefinite" restart="never" nodeType="tmRoot">
+        <p:cTn id="1" dur="indefinite" restart="never" nodeType="tmRoot">
           <p:childTnLst>
             <p:seq>
-              <p:cTn id="20" nodeType="mainSeq"/>
+              <p:cTn id="2" nodeType="mainSeq"/>
               <p:prevCondLst>
-                <p:cond delay="0" evt="onPrev">
+                <p:cond evt="onPrev" delay="0">
                   <p:tgtEl>
                     <p:sldTgt/>
                   </p:tgtEl>
                 </p:cond>
               </p:prevCondLst>
               <p:nextCondLst>
-                <p:cond delay="0" evt="onNext">
+                <p:cond evt="onNext" delay="0">
                   <p:tgtEl>
                     <p:sldTgt/>
                   </p:tgtEl>
@@ -7041,7 +7262,7 @@
 </file>
 
 <file path=ppt/slides/slide11.xml><?xml version="1.0" encoding="utf-8"?>
-<p:sld xmlns:a="http://schemas.openxmlformats.org/drawingml/2006/main" xmlns:p="http://schemas.openxmlformats.org/presentationml/2006/main" xmlns:r="http://schemas.openxmlformats.org/officeDocument/2006/relationships">
+<p:sld xmlns:a="http://schemas.openxmlformats.org/drawingml/2006/main" xmlns:r="http://schemas.openxmlformats.org/officeDocument/2006/relationships" xmlns:p="http://schemas.openxmlformats.org/presentationml/2006/main">
   <p:cSld>
     <p:spTree>
       <p:nvGrpSpPr>
@@ -7077,16 +7298,17 @@
           </a:ln>
         </p:spPr>
         <p:txBody>
-          <a:bodyPr lIns="0" rIns="0" tIns="0" bIns="0" anchor="ctr"/>
-          <a:p>
-            <a:r>
-              <a:rPr b="1" lang="pt-BR" sz="3000" spc="-1" strike="noStrike">
-                <a:solidFill>
-                  <a:srgbClr val="000000"/>
-                </a:solidFill>
-                <a:uFill>
-                  <a:solidFill>
-                    <a:srgbClr val="ffffff"/>
+          <a:bodyPr lIns="0" tIns="0" rIns="0" bIns="0" anchor="ctr"/>
+          <a:lstStyle/>
+          <a:p>
+            <a:r>
+              <a:rPr lang="pt-BR" sz="3000" b="1" strike="noStrike" spc="-1">
+                <a:solidFill>
+                  <a:srgbClr val="000000"/>
+                </a:solidFill>
+                <a:uFill>
+                  <a:solidFill>
+                    <a:srgbClr val="FFFFFF"/>
                   </a:solidFill>
                 </a:uFill>
                 <a:latin typeface="Century Schoolbook"/>
@@ -7094,13 +7316,13 @@
               </a:rPr>
               <a:t>CONCLUSÃO</a:t>
             </a:r>
-            <a:endParaRPr lang="pt-BR" sz="1979" spc="-1" strike="noStrike">
-              <a:solidFill>
-                <a:srgbClr val="000000"/>
-              </a:solidFill>
-              <a:uFill>
-                <a:solidFill>
-                  <a:srgbClr val="ffffff"/>
+            <a:endParaRPr lang="pt-BR" sz="1979" strike="noStrike" spc="-1">
+              <a:solidFill>
+                <a:srgbClr val="000000"/>
+              </a:solidFill>
+              <a:uFill>
+                <a:solidFill>
+                  <a:srgbClr val="FFFFFF"/>
                 </a:solidFill>
               </a:uFill>
               <a:latin typeface="Arial"/>
@@ -7128,7 +7350,8 @@
           </a:ln>
         </p:spPr>
         <p:txBody>
-          <a:bodyPr lIns="0" rIns="0" tIns="0" bIns="0"/>
+          <a:bodyPr lIns="0" tIns="0" rIns="0" bIns="0"/>
+          <a:lstStyle/>
           <a:p>
             <a:pPr marL="432000" indent="-324000">
               <a:buClr>
@@ -7139,26 +7362,48 @@
               <a:buChar char=""/>
             </a:pPr>
             <a:r>
-              <a:rPr lang="pt-BR" sz="2400" spc="-1" strike="noStrike">
-                <a:solidFill>
-                  <a:srgbClr val="000000"/>
-                </a:solidFill>
-                <a:uFill>
-                  <a:solidFill>
-                    <a:srgbClr val="ffffff"/>
+              <a:rPr lang="pt-BR" sz="2400" strike="noStrike" spc="-1" dirty="0">
+                <a:solidFill>
+                  <a:srgbClr val="000000"/>
+                </a:solidFill>
+                <a:uFill>
+                  <a:solidFill>
+                    <a:srgbClr val="FFFFFF"/>
                   </a:solidFill>
                 </a:uFill>
                 <a:latin typeface="Century Schoolbook L"/>
               </a:rPr>
-              <a:t>A técnica de K-MEANS é de fácil implementação e rápida execução, portanto, possibilita a criação de versões variadas para alcançar objetivos diversos.</a:t>
-            </a:r>
-            <a:endParaRPr lang="pt-BR" sz="2400" spc="-1" strike="noStrike">
-              <a:solidFill>
-                <a:srgbClr val="000000"/>
-              </a:solidFill>
-              <a:uFill>
-                <a:solidFill>
-                  <a:srgbClr val="ffffff"/>
+              <a:t>A técnica de K-MEANS é de fácil implementação e rápida execução, portanto, possibilita a criação de versões variadas para alcançar objetivos diversos</a:t>
+            </a:r>
+            <a:r>
+              <a:rPr lang="pt-BR" sz="2400" strike="noStrike" spc="-1" dirty="0" smtClean="0">
+                <a:solidFill>
+                  <a:srgbClr val="000000"/>
+                </a:solidFill>
+                <a:uFill>
+                  <a:solidFill>
+                    <a:srgbClr val="FFFFFF"/>
+                  </a:solidFill>
+                </a:uFill>
+                <a:latin typeface="Century Schoolbook L"/>
+              </a:rPr>
+              <a:t>.</a:t>
+            </a:r>
+          </a:p>
+          <a:p>
+            <a:pPr marL="432000" indent="-324000">
+              <a:buClr>
+                <a:srgbClr val="000000"/>
+              </a:buClr>
+              <a:buSzPct val="45000"/>
+            </a:pPr>
+            <a:endParaRPr lang="pt-BR" sz="2400" strike="noStrike" spc="-1" dirty="0">
+              <a:solidFill>
+                <a:srgbClr val="000000"/>
+              </a:solidFill>
+              <a:uFill>
+                <a:solidFill>
+                  <a:srgbClr val="FFFFFF"/>
                 </a:solidFill>
               </a:uFill>
               <a:latin typeface="Century Schoolbook L"/>
@@ -7174,26 +7419,76 @@
               <a:buChar char=""/>
             </a:pPr>
             <a:r>
-              <a:rPr lang="pt-BR" sz="2400" spc="-1" strike="noStrike">
-                <a:solidFill>
-                  <a:srgbClr val="000000"/>
-                </a:solidFill>
-                <a:uFill>
-                  <a:solidFill>
-                    <a:srgbClr val="ffffff"/>
+              <a:rPr lang="pt-BR" sz="2400" strike="noStrike" spc="-1" dirty="0">
+                <a:solidFill>
+                  <a:srgbClr val="000000"/>
+                </a:solidFill>
+                <a:uFill>
+                  <a:solidFill>
+                    <a:srgbClr val="FFFFFF"/>
                   </a:solidFill>
                 </a:uFill>
                 <a:latin typeface="Century Schoolbook L"/>
               </a:rPr>
-              <a:t>Quando o dataset possui informações pouco correlacionadas, o algoritmo apresenta bons resultados ao separá-las em clusters distintos.</a:t>
-            </a:r>
-            <a:endParaRPr lang="pt-BR" sz="2400" spc="-1" strike="noStrike">
-              <a:solidFill>
-                <a:srgbClr val="000000"/>
-              </a:solidFill>
-              <a:uFill>
-                <a:solidFill>
-                  <a:srgbClr val="ffffff"/>
+              <a:t>Quando o </a:t>
+            </a:r>
+            <a:r>
+              <a:rPr lang="pt-BR" sz="2400" strike="noStrike" spc="-1" dirty="0" err="1">
+                <a:solidFill>
+                  <a:srgbClr val="000000"/>
+                </a:solidFill>
+                <a:uFill>
+                  <a:solidFill>
+                    <a:srgbClr val="FFFFFF"/>
+                  </a:solidFill>
+                </a:uFill>
+                <a:latin typeface="Century Schoolbook L"/>
+              </a:rPr>
+              <a:t>dataset</a:t>
+            </a:r>
+            <a:r>
+              <a:rPr lang="pt-BR" sz="2400" strike="noStrike" spc="-1" dirty="0">
+                <a:solidFill>
+                  <a:srgbClr val="000000"/>
+                </a:solidFill>
+                <a:uFill>
+                  <a:solidFill>
+                    <a:srgbClr val="FFFFFF"/>
+                  </a:solidFill>
+                </a:uFill>
+                <a:latin typeface="Century Schoolbook L"/>
+              </a:rPr>
+              <a:t> possui informações pouco correlacionadas, o algoritmo apresenta bons resultados ao separá-las em clusters distintos</a:t>
+            </a:r>
+            <a:r>
+              <a:rPr lang="pt-BR" sz="2400" strike="noStrike" spc="-1" dirty="0" smtClean="0">
+                <a:solidFill>
+                  <a:srgbClr val="000000"/>
+                </a:solidFill>
+                <a:uFill>
+                  <a:solidFill>
+                    <a:srgbClr val="FFFFFF"/>
+                  </a:solidFill>
+                </a:uFill>
+                <a:latin typeface="Century Schoolbook L"/>
+              </a:rPr>
+              <a:t>.</a:t>
+            </a:r>
+          </a:p>
+          <a:p>
+            <a:pPr marL="432000" indent="-324000">
+              <a:buClr>
+                <a:srgbClr val="000000"/>
+              </a:buClr>
+              <a:buSzPct val="45000"/>
+            </a:pPr>
+            <a:endParaRPr lang="pt-BR" sz="2400" strike="noStrike" spc="-1" dirty="0">
+              <a:solidFill>
+                <a:srgbClr val="000000"/>
+              </a:solidFill>
+              <a:uFill>
+                <a:solidFill>
+                  <a:srgbClr val="FFFFFF"/>
                 </a:solidFill>
               </a:uFill>
               <a:latin typeface="Century Schoolbook L"/>
@@ -7209,51 +7504,127 @@
               <a:buChar char=""/>
             </a:pPr>
             <a:r>
-              <a:rPr lang="pt-BR" sz="2400" spc="-1" strike="noStrike">
-                <a:solidFill>
-                  <a:srgbClr val="000000"/>
-                </a:solidFill>
-                <a:uFill>
-                  <a:solidFill>
-                    <a:srgbClr val="ffffff"/>
+              <a:rPr lang="pt-BR" sz="2400" strike="noStrike" spc="-1" dirty="0">
+                <a:solidFill>
+                  <a:srgbClr val="000000"/>
+                </a:solidFill>
+                <a:uFill>
+                  <a:solidFill>
+                    <a:srgbClr val="FFFFFF"/>
                   </a:solidFill>
                 </a:uFill>
                 <a:latin typeface="Century Schoolbook L"/>
               </a:rPr>
-              <a:t>Por outro lado, a escolha aleatória dos centroides pode levar as resultados diferentes a partir do mesmo dataset. Isto se acentua quando o dataset é não-linear.</a:t>
-            </a:r>
-            <a:endParaRPr lang="pt-BR" sz="2400" spc="-1" strike="noStrike">
-              <a:solidFill>
-                <a:srgbClr val="000000"/>
-              </a:solidFill>
-              <a:uFill>
-                <a:solidFill>
-                  <a:srgbClr val="ffffff"/>
-                </a:solidFill>
-              </a:uFill>
-              <a:latin typeface="Century Schoolbook L"/>
-            </a:endParaRPr>
+              <a:t>Por outro lado, a escolha aleatória dos </a:t>
+            </a:r>
+            <a:r>
+              <a:rPr lang="pt-BR" sz="2400" strike="noStrike" spc="-1" dirty="0" err="1">
+                <a:solidFill>
+                  <a:srgbClr val="000000"/>
+                </a:solidFill>
+                <a:uFill>
+                  <a:solidFill>
+                    <a:srgbClr val="FFFFFF"/>
+                  </a:solidFill>
+                </a:uFill>
+                <a:latin typeface="Century Schoolbook L"/>
+              </a:rPr>
+              <a:t>centroides</a:t>
+            </a:r>
+            <a:r>
+              <a:rPr lang="pt-BR" sz="2400" strike="noStrike" spc="-1" dirty="0">
+                <a:solidFill>
+                  <a:srgbClr val="000000"/>
+                </a:solidFill>
+                <a:uFill>
+                  <a:solidFill>
+                    <a:srgbClr val="FFFFFF"/>
+                  </a:solidFill>
+                </a:uFill>
+                <a:latin typeface="Century Schoolbook L"/>
+              </a:rPr>
+              <a:t> pode levar as resultados diferentes a partir do mesmo </a:t>
+            </a:r>
+            <a:r>
+              <a:rPr lang="pt-BR" sz="2400" strike="noStrike" spc="-1" dirty="0" err="1">
+                <a:solidFill>
+                  <a:srgbClr val="000000"/>
+                </a:solidFill>
+                <a:uFill>
+                  <a:solidFill>
+                    <a:srgbClr val="FFFFFF"/>
+                  </a:solidFill>
+                </a:uFill>
+                <a:latin typeface="Century Schoolbook L"/>
+              </a:rPr>
+              <a:t>dataset</a:t>
+            </a:r>
+            <a:r>
+              <a:rPr lang="pt-BR" sz="2400" strike="noStrike" spc="-1" dirty="0">
+                <a:solidFill>
+                  <a:srgbClr val="000000"/>
+                </a:solidFill>
+                <a:uFill>
+                  <a:solidFill>
+                    <a:srgbClr val="FFFFFF"/>
+                  </a:solidFill>
+                </a:uFill>
+                <a:latin typeface="Century Schoolbook L"/>
+              </a:rPr>
+              <a:t>. Isto se acentua quando o </a:t>
+            </a:r>
+            <a:r>
+              <a:rPr lang="pt-BR" sz="2400" strike="noStrike" spc="-1" dirty="0" err="1">
+                <a:solidFill>
+                  <a:srgbClr val="000000"/>
+                </a:solidFill>
+                <a:uFill>
+                  <a:solidFill>
+                    <a:srgbClr val="FFFFFF"/>
+                  </a:solidFill>
+                </a:uFill>
+                <a:latin typeface="Century Schoolbook L"/>
+              </a:rPr>
+              <a:t>dataset</a:t>
+            </a:r>
+            <a:r>
+              <a:rPr lang="pt-BR" sz="2400" strike="noStrike" spc="-1" dirty="0">
+                <a:solidFill>
+                  <a:srgbClr val="000000"/>
+                </a:solidFill>
+                <a:uFill>
+                  <a:solidFill>
+                    <a:srgbClr val="FFFFFF"/>
+                  </a:solidFill>
+                </a:uFill>
+                <a:latin typeface="Century Schoolbook L"/>
+              </a:rPr>
+              <a:t> é não-linear.</a:t>
+            </a:r>
           </a:p>
         </p:txBody>
       </p:sp>
     </p:spTree>
   </p:cSld>
+  <p:clrMapOvr>
+    <a:masterClrMapping/>
+  </p:clrMapOvr>
   <p:timing>
     <p:tnLst>
       <p:par>
-        <p:cTn id="21" dur="indefinite" restart="never" nodeType="tmRoot">
+        <p:cTn id="1" dur="indefinite" restart="never" nodeType="tmRoot">
           <p:childTnLst>
             <p:seq>
-              <p:cTn id="22" nodeType="mainSeq"/>
+              <p:cTn id="2" nodeType="mainSeq"/>
               <p:prevCondLst>
-                <p:cond delay="0" evt="onPrev">
+                <p:cond evt="onPrev" delay="0">
                   <p:tgtEl>
                     <p:sldTgt/>
                   </p:tgtEl>
                 </p:cond>
               </p:prevCondLst>
               <p:nextCondLst>
-                <p:cond delay="0" evt="onNext">
+                <p:cond evt="onNext" delay="0">
                   <p:tgtEl>
                     <p:sldTgt/>
                   </p:tgtEl>
@@ -7269,7 +7640,7 @@
 </file>
 
 <file path=ppt/slides/slide12.xml><?xml version="1.0" encoding="utf-8"?>
-<p:sld xmlns:a="http://schemas.openxmlformats.org/drawingml/2006/main" xmlns:p="http://schemas.openxmlformats.org/presentationml/2006/main" xmlns:r="http://schemas.openxmlformats.org/officeDocument/2006/relationships">
+<p:sld xmlns:a="http://schemas.openxmlformats.org/drawingml/2006/main" xmlns:r="http://schemas.openxmlformats.org/officeDocument/2006/relationships" xmlns:p="http://schemas.openxmlformats.org/presentationml/2006/main">
   <p:cSld>
     <p:spTree>
       <p:nvGrpSpPr>
@@ -7305,16 +7676,17 @@
           </a:ln>
         </p:spPr>
         <p:txBody>
-          <a:bodyPr lIns="0" rIns="0" tIns="0" bIns="0" anchor="ctr"/>
-          <a:p>
-            <a:r>
-              <a:rPr b="1" lang="pt-BR" sz="3000" spc="-1" strike="noStrike">
-                <a:solidFill>
-                  <a:srgbClr val="000000"/>
-                </a:solidFill>
-                <a:uFill>
-                  <a:solidFill>
-                    <a:srgbClr val="ffffff"/>
+          <a:bodyPr lIns="0" tIns="0" rIns="0" bIns="0" anchor="ctr"/>
+          <a:lstStyle/>
+          <a:p>
+            <a:r>
+              <a:rPr lang="pt-BR" sz="3000" b="1" strike="noStrike" spc="-1">
+                <a:solidFill>
+                  <a:srgbClr val="000000"/>
+                </a:solidFill>
+                <a:uFill>
+                  <a:solidFill>
+                    <a:srgbClr val="FFFFFF"/>
                   </a:solidFill>
                 </a:uFill>
                 <a:latin typeface="Century Schoolbook"/>
@@ -7322,13 +7694,13 @@
               </a:rPr>
               <a:t>REFERÊNCIAS</a:t>
             </a:r>
-            <a:endParaRPr lang="pt-BR" sz="1979" spc="-1" strike="noStrike">
-              <a:solidFill>
-                <a:srgbClr val="000000"/>
-              </a:solidFill>
-              <a:uFill>
-                <a:solidFill>
-                  <a:srgbClr val="ffffff"/>
+            <a:endParaRPr lang="pt-BR" sz="1979" strike="noStrike" spc="-1">
+              <a:solidFill>
+                <a:srgbClr val="000000"/>
+              </a:solidFill>
+              <a:uFill>
+                <a:solidFill>
+                  <a:srgbClr val="FFFFFF"/>
                 </a:solidFill>
               </a:uFill>
               <a:latin typeface="Arial"/>
@@ -7356,7 +7728,8 @@
           </a:ln>
         </p:spPr>
         <p:txBody>
-          <a:bodyPr lIns="0" rIns="0" tIns="0" bIns="0"/>
+          <a:bodyPr lIns="0" tIns="0" rIns="0" bIns="0"/>
+          <a:lstStyle/>
           <a:p>
             <a:pPr marL="432000" indent="-324000" algn="just">
               <a:buClr>
@@ -7367,13 +7740,13 @@
               <a:buChar char=""/>
             </a:pPr>
             <a:r>
-              <a:rPr lang="pt-BR" sz="2400" spc="-1" strike="noStrike">
-                <a:solidFill>
-                  <a:srgbClr val="000000"/>
-                </a:solidFill>
-                <a:uFill>
-                  <a:solidFill>
-                    <a:srgbClr val="ffffff"/>
+              <a:rPr lang="pt-BR" sz="2400" strike="noStrike" spc="-1">
+                <a:solidFill>
+                  <a:srgbClr val="000000"/>
+                </a:solidFill>
+                <a:uFill>
+                  <a:solidFill>
+                    <a:srgbClr val="FFFFFF"/>
                   </a:solidFill>
                 </a:uFill>
                 <a:latin typeface="Century Schoolbook"/>
@@ -7382,13 +7755,13 @@
               <a:t>GONZALEZ, Rafael C.; WOODS, Richard E. </a:t>
             </a:r>
             <a:r>
-              <a:rPr b="1" lang="pt-BR" sz="2400" spc="-1" strike="noStrike">
-                <a:solidFill>
-                  <a:srgbClr val="000000"/>
-                </a:solidFill>
-                <a:uFill>
-                  <a:solidFill>
-                    <a:srgbClr val="ffffff"/>
+              <a:rPr lang="pt-BR" sz="2400" b="1" strike="noStrike" spc="-1">
+                <a:solidFill>
+                  <a:srgbClr val="000000"/>
+                </a:solidFill>
+                <a:uFill>
+                  <a:solidFill>
+                    <a:srgbClr val="FFFFFF"/>
                   </a:solidFill>
                 </a:uFill>
                 <a:latin typeface="Century Schoolbook"/>
@@ -7397,13 +7770,13 @@
               <a:t>Processamento de Imagens Digitais</a:t>
             </a:r>
             <a:r>
-              <a:rPr lang="pt-BR" sz="2400" spc="-1" strike="noStrike">
-                <a:solidFill>
-                  <a:srgbClr val="000000"/>
-                </a:solidFill>
-                <a:uFill>
-                  <a:solidFill>
-                    <a:srgbClr val="ffffff"/>
+              <a:rPr lang="pt-BR" sz="2400" strike="noStrike" spc="-1">
+                <a:solidFill>
+                  <a:srgbClr val="000000"/>
+                </a:solidFill>
+                <a:uFill>
+                  <a:solidFill>
+                    <a:srgbClr val="FFFFFF"/>
                   </a:solidFill>
                 </a:uFill>
                 <a:latin typeface="Century Schoolbook"/>
@@ -7411,13 +7784,13 @@
               </a:rPr>
               <a:t>. Edgard Blucher, 2000.</a:t>
             </a:r>
-            <a:endParaRPr lang="pt-BR" sz="2400" spc="-1" strike="noStrike">
-              <a:solidFill>
-                <a:srgbClr val="000000"/>
-              </a:solidFill>
-              <a:uFill>
-                <a:solidFill>
-                  <a:srgbClr val="ffffff"/>
+            <a:endParaRPr lang="pt-BR" sz="2400" strike="noStrike" spc="-1">
+              <a:solidFill>
+                <a:srgbClr val="000000"/>
+              </a:solidFill>
+              <a:uFill>
+                <a:solidFill>
+                  <a:srgbClr val="FFFFFF"/>
                 </a:solidFill>
               </a:uFill>
               <a:latin typeface="Century Schoolbook L"/>
@@ -7433,13 +7806,13 @@
               <a:buChar char=""/>
             </a:pPr>
             <a:r>
-              <a:rPr lang="pt-BR" sz="2400" spc="-1" strike="noStrike">
-                <a:solidFill>
-                  <a:srgbClr val="000000"/>
-                </a:solidFill>
-                <a:uFill>
-                  <a:solidFill>
-                    <a:srgbClr val="ffffff"/>
+              <a:rPr lang="pt-BR" sz="2400" strike="noStrike" spc="-1">
+                <a:solidFill>
+                  <a:srgbClr val="000000"/>
+                </a:solidFill>
+                <a:uFill>
+                  <a:solidFill>
+                    <a:srgbClr val="FFFFFF"/>
                   </a:solidFill>
                 </a:uFill>
                 <a:latin typeface="Century Schoolbook"/>
@@ -7448,13 +7821,13 @@
               <a:t>Dhanachandra, Nameirakpam, Khumanthem Manglem, and Yambem Jina Chanu. "</a:t>
             </a:r>
             <a:r>
-              <a:rPr b="1" lang="pt-BR" sz="2400" spc="-1" strike="noStrike">
-                <a:solidFill>
-                  <a:srgbClr val="000000"/>
-                </a:solidFill>
-                <a:uFill>
-                  <a:solidFill>
-                    <a:srgbClr val="ffffff"/>
+              <a:rPr lang="pt-BR" sz="2400" b="1" strike="noStrike" spc="-1">
+                <a:solidFill>
+                  <a:srgbClr val="000000"/>
+                </a:solidFill>
+                <a:uFill>
+                  <a:solidFill>
+                    <a:srgbClr val="FFFFFF"/>
                   </a:solidFill>
                 </a:uFill>
                 <a:latin typeface="Century Schoolbook"/>
@@ -7463,13 +7836,13 @@
               <a:t>Image Segmentation Using K-means Clustering Algorithm and Subtractive Clustering Algorithm.</a:t>
             </a:r>
             <a:r>
-              <a:rPr lang="pt-BR" sz="2400" spc="-1" strike="noStrike">
-                <a:solidFill>
-                  <a:srgbClr val="000000"/>
-                </a:solidFill>
-                <a:uFill>
-                  <a:solidFill>
-                    <a:srgbClr val="ffffff"/>
+              <a:rPr lang="pt-BR" sz="2400" strike="noStrike" spc="-1">
+                <a:solidFill>
+                  <a:srgbClr val="000000"/>
+                </a:solidFill>
+                <a:uFill>
+                  <a:solidFill>
+                    <a:srgbClr val="FFFFFF"/>
                   </a:solidFill>
                 </a:uFill>
                 <a:latin typeface="Century Schoolbook"/>
@@ -7477,13 +7850,13 @@
               </a:rPr>
               <a:t>" Procedia Computer Science 54 (2015): 764-771.</a:t>
             </a:r>
-            <a:endParaRPr lang="pt-BR" sz="2400" spc="-1" strike="noStrike">
-              <a:solidFill>
-                <a:srgbClr val="000000"/>
-              </a:solidFill>
-              <a:uFill>
-                <a:solidFill>
-                  <a:srgbClr val="ffffff"/>
+            <a:endParaRPr lang="pt-BR" sz="2400" strike="noStrike" spc="-1">
+              <a:solidFill>
+                <a:srgbClr val="000000"/>
+              </a:solidFill>
+              <a:uFill>
+                <a:solidFill>
+                  <a:srgbClr val="FFFFFF"/>
                 </a:solidFill>
               </a:uFill>
               <a:latin typeface="Century Schoolbook L"/>
@@ -7499,13 +7872,13 @@
               <a:buChar char=""/>
             </a:pPr>
             <a:r>
-              <a:rPr lang="pt-BR" sz="2400" spc="-1" strike="noStrike">
-                <a:solidFill>
-                  <a:srgbClr val="000000"/>
-                </a:solidFill>
-                <a:uFill>
-                  <a:solidFill>
-                    <a:srgbClr val="ffffff"/>
+              <a:rPr lang="pt-BR" sz="2400" strike="noStrike" spc="-1">
+                <a:solidFill>
+                  <a:srgbClr val="000000"/>
+                </a:solidFill>
+                <a:uFill>
+                  <a:solidFill>
+                    <a:srgbClr val="FFFFFF"/>
                   </a:solidFill>
                 </a:uFill>
                 <a:latin typeface="Century Schoolbook"/>
@@ -7514,13 +7887,13 @@
               <a:t>Hamerly, Greg, and Charles Elkan. "</a:t>
             </a:r>
             <a:r>
-              <a:rPr b="1" lang="pt-BR" sz="2400" spc="-1" strike="noStrike">
-                <a:solidFill>
-                  <a:srgbClr val="000000"/>
-                </a:solidFill>
-                <a:uFill>
-                  <a:solidFill>
-                    <a:srgbClr val="ffffff"/>
+              <a:rPr lang="pt-BR" sz="2400" b="1" strike="noStrike" spc="-1">
+                <a:solidFill>
+                  <a:srgbClr val="000000"/>
+                </a:solidFill>
+                <a:uFill>
+                  <a:solidFill>
+                    <a:srgbClr val="FFFFFF"/>
                   </a:solidFill>
                 </a:uFill>
                 <a:latin typeface="Century Schoolbook"/>
@@ -7529,13 +7902,13 @@
               <a:t>Learning the k in k-means.</a:t>
             </a:r>
             <a:r>
-              <a:rPr lang="pt-BR" sz="2400" spc="-1" strike="noStrike">
-                <a:solidFill>
-                  <a:srgbClr val="000000"/>
-                </a:solidFill>
-                <a:uFill>
-                  <a:solidFill>
-                    <a:srgbClr val="ffffff"/>
+              <a:rPr lang="pt-BR" sz="2400" strike="noStrike" spc="-1">
+                <a:solidFill>
+                  <a:srgbClr val="000000"/>
+                </a:solidFill>
+                <a:uFill>
+                  <a:solidFill>
+                    <a:srgbClr val="FFFFFF"/>
                   </a:solidFill>
                 </a:uFill>
                 <a:latin typeface="Century Schoolbook"/>
@@ -7543,13 +7916,13 @@
               </a:rPr>
               <a:t>" Advances in neural information processing systems 16 (2004): 281.</a:t>
             </a:r>
-            <a:endParaRPr lang="pt-BR" sz="2400" spc="-1" strike="noStrike">
-              <a:solidFill>
-                <a:srgbClr val="000000"/>
-              </a:solidFill>
-              <a:uFill>
-                <a:solidFill>
-                  <a:srgbClr val="ffffff"/>
+            <a:endParaRPr lang="pt-BR" sz="2400" strike="noStrike" spc="-1">
+              <a:solidFill>
+                <a:srgbClr val="000000"/>
+              </a:solidFill>
+              <a:uFill>
+                <a:solidFill>
+                  <a:srgbClr val="FFFFFF"/>
                 </a:solidFill>
               </a:uFill>
               <a:latin typeface="Century Schoolbook L"/>
@@ -7565,13 +7938,13 @@
               <a:buChar char=""/>
             </a:pPr>
             <a:r>
-              <a:rPr lang="pt-BR" sz="2400" spc="-1" strike="noStrike">
-                <a:solidFill>
-                  <a:srgbClr val="000000"/>
-                </a:solidFill>
-                <a:uFill>
-                  <a:solidFill>
-                    <a:srgbClr val="ffffff"/>
+              <a:rPr lang="pt-BR" sz="2400" strike="noStrike" spc="-1">
+                <a:solidFill>
+                  <a:srgbClr val="000000"/>
+                </a:solidFill>
+                <a:uFill>
+                  <a:solidFill>
+                    <a:srgbClr val="FFFFFF"/>
                   </a:solidFill>
                 </a:uFill>
                 <a:latin typeface="Century Schoolbook"/>
@@ -7580,13 +7953,13 @@
               <a:t>Tatiraju, Suman, and Avi Mehta. "</a:t>
             </a:r>
             <a:r>
-              <a:rPr b="1" lang="pt-BR" sz="2400" spc="-1" strike="noStrike">
-                <a:solidFill>
-                  <a:srgbClr val="000000"/>
-                </a:solidFill>
-                <a:uFill>
-                  <a:solidFill>
-                    <a:srgbClr val="ffffff"/>
+              <a:rPr lang="pt-BR" sz="2400" b="1" strike="noStrike" spc="-1">
+                <a:solidFill>
+                  <a:srgbClr val="000000"/>
+                </a:solidFill>
+                <a:uFill>
+                  <a:solidFill>
+                    <a:srgbClr val="FFFFFF"/>
                   </a:solidFill>
                 </a:uFill>
                 <a:latin typeface="Century Schoolbook"/>
@@ -7595,13 +7968,13 @@
               <a:t>Image Segmentation using k-means clustering, EM and Normalized Cuts.</a:t>
             </a:r>
             <a:r>
-              <a:rPr lang="pt-BR" sz="2400" spc="-1" strike="noStrike">
-                <a:solidFill>
-                  <a:srgbClr val="000000"/>
-                </a:solidFill>
-                <a:uFill>
-                  <a:solidFill>
-                    <a:srgbClr val="ffffff"/>
+              <a:rPr lang="pt-BR" sz="2400" strike="noStrike" spc="-1">
+                <a:solidFill>
+                  <a:srgbClr val="000000"/>
+                </a:solidFill>
+                <a:uFill>
+                  <a:solidFill>
+                    <a:srgbClr val="FFFFFF"/>
                   </a:solidFill>
                 </a:uFill>
                 <a:latin typeface="Century Schoolbook"/>
@@ -7609,13 +7982,13 @@
               </a:rPr>
               <a:t>" Department of EECS 1 (2008): 1-7.</a:t>
             </a:r>
-            <a:endParaRPr lang="pt-BR" sz="2400" spc="-1" strike="noStrike">
-              <a:solidFill>
-                <a:srgbClr val="000000"/>
-              </a:solidFill>
-              <a:uFill>
-                <a:solidFill>
-                  <a:srgbClr val="ffffff"/>
+            <a:endParaRPr lang="pt-BR" sz="2400" strike="noStrike" spc="-1">
+              <a:solidFill>
+                <a:srgbClr val="000000"/>
+              </a:solidFill>
+              <a:uFill>
+                <a:solidFill>
+                  <a:srgbClr val="FFFFFF"/>
                 </a:solidFill>
               </a:uFill>
               <a:latin typeface="Century Schoolbook L"/>
@@ -7625,22 +7998,25 @@
       </p:sp>
     </p:spTree>
   </p:cSld>
+  <p:clrMapOvr>
+    <a:masterClrMapping/>
+  </p:clrMapOvr>
   <p:timing>
     <p:tnLst>
       <p:par>
-        <p:cTn id="23" dur="indefinite" restart="never" nodeType="tmRoot">
+        <p:cTn id="1" dur="indefinite" restart="never" nodeType="tmRoot">
           <p:childTnLst>
             <p:seq>
-              <p:cTn id="24" nodeType="mainSeq"/>
+              <p:cTn id="2" nodeType="mainSeq"/>
               <p:prevCondLst>
-                <p:cond delay="0" evt="onPrev">
+                <p:cond evt="onPrev" delay="0">
                   <p:tgtEl>
                     <p:sldTgt/>
                   </p:tgtEl>
                 </p:cond>
               </p:prevCondLst>
               <p:nextCondLst>
-                <p:cond delay="0" evt="onNext">
+                <p:cond evt="onNext" delay="0">
                   <p:tgtEl>
                     <p:sldTgt/>
                   </p:tgtEl>
@@ -7656,7 +8032,7 @@
 </file>
 
 <file path=ppt/slides/slide2.xml><?xml version="1.0" encoding="utf-8"?>
-<p:sld xmlns:a="http://schemas.openxmlformats.org/drawingml/2006/main" xmlns:p="http://schemas.openxmlformats.org/presentationml/2006/main" xmlns:r="http://schemas.openxmlformats.org/officeDocument/2006/relationships">
+<p:sld xmlns:a="http://schemas.openxmlformats.org/drawingml/2006/main" xmlns:r="http://schemas.openxmlformats.org/officeDocument/2006/relationships" xmlns:p="http://schemas.openxmlformats.org/presentationml/2006/main">
   <p:cSld>
     <p:spTree>
       <p:nvGrpSpPr>
@@ -7692,13 +8068,20 @@
           </a:ln>
         </p:spPr>
         <p:style>
-          <a:lnRef idx="0"/>
-          <a:fillRef idx="0"/>
-          <a:effectRef idx="0"/>
+          <a:lnRef idx="0">
+            <a:scrgbClr r="0" g="0" b="0"/>
+          </a:lnRef>
+          <a:fillRef idx="0">
+            <a:scrgbClr r="0" g="0" b="0"/>
+          </a:fillRef>
+          <a:effectRef idx="0">
+            <a:scrgbClr r="0" g="0" b="0"/>
+          </a:effectRef>
           <a:fontRef idx="minor"/>
         </p:style>
         <p:txBody>
-          <a:bodyPr lIns="0" rIns="0" tIns="0" bIns="0" anchor="ctr"/>
+          <a:bodyPr lIns="0" tIns="0" rIns="0" bIns="0" anchor="ctr"/>
+          <a:lstStyle/>
           <a:p>
             <a:pPr>
               <a:lnSpc>
@@ -7706,13 +8089,13 @@
               </a:lnSpc>
             </a:pPr>
             <a:r>
-              <a:rPr b="1" lang="pt-BR" sz="3000" spc="-1" strike="noStrike">
-                <a:solidFill>
-                  <a:srgbClr val="000000"/>
-                </a:solidFill>
-                <a:uFill>
-                  <a:solidFill>
-                    <a:srgbClr val="ffffff"/>
+              <a:rPr lang="pt-BR" sz="3000" b="1" strike="noStrike" spc="-1">
+                <a:solidFill>
+                  <a:srgbClr val="000000"/>
+                </a:solidFill>
+                <a:uFill>
+                  <a:solidFill>
+                    <a:srgbClr val="FFFFFF"/>
                   </a:solidFill>
                 </a:uFill>
                 <a:latin typeface="Century Schoolbook"/>
@@ -7720,13 +8103,13 @@
               </a:rPr>
               <a:t>OBJETIVOS</a:t>
             </a:r>
-            <a:endParaRPr lang="pt-BR" sz="3000" spc="-1" strike="noStrike">
-              <a:solidFill>
-                <a:srgbClr val="000000"/>
-              </a:solidFill>
-              <a:uFill>
-                <a:solidFill>
-                  <a:srgbClr val="ffffff"/>
+            <a:endParaRPr lang="pt-BR" sz="3000" strike="noStrike" spc="-1">
+              <a:solidFill>
+                <a:srgbClr val="000000"/>
+              </a:solidFill>
+              <a:uFill>
+                <a:solidFill>
+                  <a:srgbClr val="FFFFFF"/>
                 </a:solidFill>
               </a:uFill>
               <a:latin typeface="Arial"/>
@@ -7754,26 +8137,33 @@
           </a:ln>
         </p:spPr>
         <p:style>
-          <a:lnRef idx="0"/>
-          <a:fillRef idx="0"/>
-          <a:effectRef idx="0"/>
+          <a:lnRef idx="0">
+            <a:scrgbClr r="0" g="0" b="0"/>
+          </a:lnRef>
+          <a:fillRef idx="0">
+            <a:scrgbClr r="0" g="0" b="0"/>
+          </a:fillRef>
+          <a:effectRef idx="0">
+            <a:scrgbClr r="0" g="0" b="0"/>
+          </a:effectRef>
           <a:fontRef idx="minor"/>
         </p:style>
         <p:txBody>
-          <a:bodyPr lIns="0" rIns="0" tIns="0" bIns="0"/>
+          <a:bodyPr lIns="0" tIns="0" rIns="0" bIns="0"/>
+          <a:lstStyle/>
           <a:p>
             <a:pPr>
               <a:lnSpc>
                 <a:spcPct val="100000"/>
               </a:lnSpc>
             </a:pPr>
-            <a:endParaRPr lang="pt-BR" sz="1979" spc="-1" strike="noStrike">
-              <a:solidFill>
-                <a:srgbClr val="000000"/>
-              </a:solidFill>
-              <a:uFill>
-                <a:solidFill>
-                  <a:srgbClr val="ffffff"/>
+            <a:endParaRPr lang="pt-BR" sz="1979" strike="noStrike" spc="-1" dirty="0">
+              <a:solidFill>
+                <a:srgbClr val="000000"/>
+              </a:solidFill>
+              <a:uFill>
+                <a:solidFill>
+                  <a:srgbClr val="FFFFFF"/>
                 </a:solidFill>
               </a:uFill>
               <a:latin typeface="Arial"/>
@@ -7792,13 +8182,13 @@
               <a:buChar char=""/>
             </a:pPr>
             <a:r>
-              <a:rPr lang="pt-BR" sz="2400" spc="-1" strike="noStrike">
-                <a:solidFill>
-                  <a:srgbClr val="000000"/>
-                </a:solidFill>
-                <a:uFill>
-                  <a:solidFill>
-                    <a:srgbClr val="ffffff"/>
+              <a:rPr lang="pt-BR" sz="2400" strike="noStrike" spc="-1" dirty="0">
+                <a:solidFill>
+                  <a:srgbClr val="000000"/>
+                </a:solidFill>
+                <a:uFill>
+                  <a:solidFill>
+                    <a:srgbClr val="FFFFFF"/>
                   </a:solidFill>
                 </a:uFill>
                 <a:latin typeface="Century Schoolbook L"/>
@@ -7807,13 +8197,13 @@
               <a:t>Utilização do algoritmo </a:t>
             </a:r>
             <a:r>
-              <a:rPr i="1" lang="pt-BR" sz="2400" spc="-1" strike="noStrike">
-                <a:solidFill>
-                  <a:srgbClr val="000000"/>
-                </a:solidFill>
-                <a:uFill>
-                  <a:solidFill>
-                    <a:srgbClr val="ffffff"/>
+              <a:rPr lang="pt-BR" sz="2400" i="1" strike="noStrike" spc="-1" dirty="0" err="1">
+                <a:solidFill>
+                  <a:srgbClr val="000000"/>
+                </a:solidFill>
+                <a:uFill>
+                  <a:solidFill>
+                    <a:srgbClr val="FFFFFF"/>
                   </a:solidFill>
                 </a:uFill>
                 <a:latin typeface="Century Schoolbook L"/>
@@ -7822,13 +8212,13 @@
               <a:t>k-means</a:t>
             </a:r>
             <a:r>
-              <a:rPr lang="pt-BR" sz="2400" spc="-1" strike="noStrike">
-                <a:solidFill>
-                  <a:srgbClr val="000000"/>
-                </a:solidFill>
-                <a:uFill>
-                  <a:solidFill>
-                    <a:srgbClr val="ffffff"/>
+              <a:rPr lang="pt-BR" sz="2400" strike="noStrike" spc="-1" dirty="0">
+                <a:solidFill>
+                  <a:srgbClr val="000000"/>
+                </a:solidFill>
+                <a:uFill>
+                  <a:solidFill>
+                    <a:srgbClr val="FFFFFF"/>
                   </a:solidFill>
                 </a:uFill>
                 <a:latin typeface="Century Schoolbook L"/>
@@ -7836,13 +8226,13 @@
               </a:rPr>
               <a:t> em duas aplicações:</a:t>
             </a:r>
-            <a:endParaRPr lang="pt-BR" sz="1979" spc="-1" strike="noStrike">
-              <a:solidFill>
-                <a:srgbClr val="000000"/>
-              </a:solidFill>
-              <a:uFill>
-                <a:solidFill>
-                  <a:srgbClr val="ffffff"/>
+            <a:endParaRPr lang="pt-BR" sz="1979" strike="noStrike" spc="-1" dirty="0">
+              <a:solidFill>
+                <a:srgbClr val="000000"/>
+              </a:solidFill>
+              <a:uFill>
+                <a:solidFill>
+                  <a:srgbClr val="FFFFFF"/>
                 </a:solidFill>
               </a:uFill>
               <a:latin typeface="Arial"/>
@@ -7860,35 +8250,20 @@
               <a:buFont typeface="Wingdings" charset="2"/>
               <a:buChar char=""/>
             </a:pPr>
-            <a:r>
-              <a:rPr lang="pt-BR" sz="2400" spc="-1" strike="noStrike">
-                <a:solidFill>
-                  <a:srgbClr val="000000"/>
-                </a:solidFill>
-                <a:uFill>
-                  <a:solidFill>
-                    <a:srgbClr val="ffffff"/>
-                  </a:solidFill>
-                </a:uFill>
-                <a:latin typeface="Century Schoolbook L"/>
-                <a:ea typeface="DejaVu Sans"/>
-              </a:rPr>
-              <a:t> </a:t>
-            </a:r>
-            <a:endParaRPr lang="pt-BR" sz="1979" spc="-1" strike="noStrike">
-              <a:solidFill>
-                <a:srgbClr val="000000"/>
-              </a:solidFill>
-              <a:uFill>
-                <a:solidFill>
-                  <a:srgbClr val="ffffff"/>
-                </a:solidFill>
-              </a:uFill>
-              <a:latin typeface="Arial"/>
-            </a:endParaRPr>
-          </a:p>
-          <a:p>
-            <a:pPr lvl="2" marL="648000" indent="-216000">
+            <a:endParaRPr lang="pt-BR" sz="1979" strike="noStrike" spc="-1" dirty="0">
+              <a:solidFill>
+                <a:srgbClr val="000000"/>
+              </a:solidFill>
+              <a:uFill>
+                <a:solidFill>
+                  <a:srgbClr val="FFFFFF"/>
+                </a:solidFill>
+              </a:uFill>
+              <a:latin typeface="Arial"/>
+            </a:endParaRPr>
+          </a:p>
+          <a:p>
+            <a:pPr marL="648000" lvl="2" indent="-216000">
               <a:lnSpc>
                 <a:spcPct val="100000"/>
               </a:lnSpc>
@@ -7900,34 +8275,64 @@
               <a:buChar char=""/>
             </a:pPr>
             <a:r>
-              <a:rPr lang="pt-BR" sz="2400" spc="-1" strike="noStrike">
-                <a:solidFill>
-                  <a:srgbClr val="000000"/>
-                </a:solidFill>
-                <a:uFill>
-                  <a:solidFill>
-                    <a:srgbClr val="ffffff"/>
+              <a:rPr lang="pt-BR" sz="2400" spc="-1" dirty="0">
+                <a:solidFill>
+                  <a:srgbClr val="000000"/>
+                </a:solidFill>
+                <a:uFill>
+                  <a:solidFill>
+                    <a:srgbClr val="FFFFFF"/>
                   </a:solidFill>
                 </a:uFill>
                 <a:latin typeface="Century Schoolbook L"/>
                 <a:ea typeface="DejaVu Sans"/>
               </a:rPr>
-              <a:t>segmentação;</a:t>
-            </a:r>
-            <a:endParaRPr lang="pt-BR" sz="1979" spc="-1" strike="noStrike">
-              <a:solidFill>
-                <a:srgbClr val="000000"/>
-              </a:solidFill>
-              <a:uFill>
-                <a:solidFill>
-                  <a:srgbClr val="ffffff"/>
-                </a:solidFill>
-              </a:uFill>
-              <a:latin typeface="Arial"/>
-            </a:endParaRPr>
-          </a:p>
-          <a:p>
-            <a:pPr lvl="2" marL="648000" indent="-216000">
+              <a:t>S</a:t>
+            </a:r>
+            <a:r>
+              <a:rPr lang="pt-BR" sz="2400" strike="noStrike" spc="-1" dirty="0" smtClean="0">
+                <a:solidFill>
+                  <a:srgbClr val="000000"/>
+                </a:solidFill>
+                <a:uFill>
+                  <a:solidFill>
+                    <a:srgbClr val="FFFFFF"/>
+                  </a:solidFill>
+                </a:uFill>
+                <a:latin typeface="Century Schoolbook L"/>
+                <a:ea typeface="DejaVu Sans"/>
+              </a:rPr>
+              <a:t>egmentação</a:t>
+            </a:r>
+            <a:r>
+              <a:rPr lang="pt-BR" sz="2400" strike="noStrike" spc="-1" dirty="0">
+                <a:solidFill>
+                  <a:srgbClr val="000000"/>
+                </a:solidFill>
+                <a:uFill>
+                  <a:solidFill>
+                    <a:srgbClr val="FFFFFF"/>
+                  </a:solidFill>
+                </a:uFill>
+                <a:latin typeface="Century Schoolbook L"/>
+                <a:ea typeface="DejaVu Sans"/>
+              </a:rPr>
+              <a:t>;</a:t>
+            </a:r>
+            <a:endParaRPr lang="pt-BR" sz="1979" strike="noStrike" spc="-1" dirty="0">
+              <a:solidFill>
+                <a:srgbClr val="000000"/>
+              </a:solidFill>
+              <a:uFill>
+                <a:solidFill>
+                  <a:srgbClr val="FFFFFF"/>
+                </a:solidFill>
+              </a:uFill>
+              <a:latin typeface="Arial"/>
+            </a:endParaRPr>
+          </a:p>
+          <a:p>
+            <a:pPr marL="648000" lvl="2" indent="-216000">
               <a:lnSpc>
                 <a:spcPct val="100000"/>
               </a:lnSpc>
@@ -7939,57 +8344,87 @@
               <a:buChar char=""/>
             </a:pPr>
             <a:r>
-              <a:rPr lang="pt-BR" sz="2400" spc="-1" strike="noStrike">
-                <a:solidFill>
-                  <a:srgbClr val="000000"/>
-                </a:solidFill>
-                <a:uFill>
-                  <a:solidFill>
-                    <a:srgbClr val="ffffff"/>
+              <a:rPr lang="pt-BR" sz="2400" spc="-1" dirty="0">
+                <a:solidFill>
+                  <a:srgbClr val="000000"/>
+                </a:solidFill>
+                <a:uFill>
+                  <a:solidFill>
+                    <a:srgbClr val="FFFFFF"/>
                   </a:solidFill>
                 </a:uFill>
                 <a:latin typeface="Century Schoolbook L"/>
                 <a:ea typeface="DejaVu Sans"/>
               </a:rPr>
-              <a:t>agrupamento (</a:t>
-            </a:r>
-            <a:r>
-              <a:rPr i="1" lang="pt-BR" sz="2400" spc="-1" strike="noStrike">
-                <a:solidFill>
-                  <a:srgbClr val="000000"/>
-                </a:solidFill>
-                <a:uFill>
-                  <a:solidFill>
-                    <a:srgbClr val="ffffff"/>
+              <a:t>A</a:t>
+            </a:r>
+            <a:r>
+              <a:rPr lang="pt-BR" sz="2400" strike="noStrike" spc="-1" smtClean="0">
+                <a:solidFill>
+                  <a:srgbClr val="000000"/>
+                </a:solidFill>
+                <a:uFill>
+                  <a:solidFill>
+                    <a:srgbClr val="FFFFFF"/>
                   </a:solidFill>
                 </a:uFill>
                 <a:latin typeface="Century Schoolbook L"/>
                 <a:ea typeface="DejaVu Sans"/>
               </a:rPr>
-              <a:t>clustering</a:t>
-            </a:r>
-            <a:r>
-              <a:rPr lang="pt-BR" sz="2400" spc="-1" strike="noStrike">
-                <a:solidFill>
-                  <a:srgbClr val="000000"/>
-                </a:solidFill>
-                <a:uFill>
-                  <a:solidFill>
-                    <a:srgbClr val="ffffff"/>
+              <a:t>grupamento </a:t>
+            </a:r>
+            <a:r>
+              <a:rPr lang="pt-BR" sz="2400" strike="noStrike" spc="-1" dirty="0">
+                <a:solidFill>
+                  <a:srgbClr val="000000"/>
+                </a:solidFill>
+                <a:uFill>
+                  <a:solidFill>
+                    <a:srgbClr val="FFFFFF"/>
                   </a:solidFill>
                 </a:uFill>
                 <a:latin typeface="Century Schoolbook L"/>
                 <a:ea typeface="DejaVu Sans"/>
               </a:rPr>
+              <a:t>(</a:t>
+            </a:r>
+            <a:r>
+              <a:rPr lang="pt-BR" sz="2400" i="1" strike="noStrike" spc="-1" dirty="0" err="1">
+                <a:solidFill>
+                  <a:srgbClr val="000000"/>
+                </a:solidFill>
+                <a:uFill>
+                  <a:solidFill>
+                    <a:srgbClr val="FFFFFF"/>
+                  </a:solidFill>
+                </a:uFill>
+                <a:latin typeface="Century Schoolbook L"/>
+                <a:ea typeface="DejaVu Sans"/>
+              </a:rPr>
+              <a:t>clustering</a:t>
+            </a:r>
+            <a:r>
+              <a:rPr lang="pt-BR" sz="2400" strike="noStrike" spc="-1" dirty="0">
+                <a:solidFill>
+                  <a:srgbClr val="000000"/>
+                </a:solidFill>
+                <a:uFill>
+                  <a:solidFill>
+                    <a:srgbClr val="FFFFFF"/>
+                  </a:solidFill>
+                </a:uFill>
+                <a:latin typeface="Century Schoolbook L"/>
+                <a:ea typeface="DejaVu Sans"/>
+              </a:rPr>
               <a:t>).</a:t>
             </a:r>
-            <a:endParaRPr lang="pt-BR" sz="1979" spc="-1" strike="noStrike">
-              <a:solidFill>
-                <a:srgbClr val="000000"/>
-              </a:solidFill>
-              <a:uFill>
-                <a:solidFill>
-                  <a:srgbClr val="ffffff"/>
+            <a:endParaRPr lang="pt-BR" sz="1979" strike="noStrike" spc="-1" dirty="0">
+              <a:solidFill>
+                <a:srgbClr val="000000"/>
+              </a:solidFill>
+              <a:uFill>
+                <a:solidFill>
+                  <a:srgbClr val="FFFFFF"/>
                 </a:solidFill>
               </a:uFill>
               <a:latin typeface="Arial"/>
@@ -7999,22 +8434,25 @@
       </p:sp>
     </p:spTree>
   </p:cSld>
+  <p:clrMapOvr>
+    <a:masterClrMapping/>
+  </p:clrMapOvr>
   <p:timing>
     <p:tnLst>
       <p:par>
-        <p:cTn id="3" dur="indefinite" restart="never" nodeType="tmRoot">
+        <p:cTn id="1" dur="indefinite" restart="never" nodeType="tmRoot">
           <p:childTnLst>
             <p:seq>
-              <p:cTn id="4" nodeType="mainSeq"/>
+              <p:cTn id="2" nodeType="mainSeq"/>
               <p:prevCondLst>
-                <p:cond delay="0" evt="onPrev">
+                <p:cond evt="onPrev" delay="0">
                   <p:tgtEl>
                     <p:sldTgt/>
                   </p:tgtEl>
                 </p:cond>
               </p:prevCondLst>
               <p:nextCondLst>
-                <p:cond delay="0" evt="onNext">
+                <p:cond evt="onNext" delay="0">
                   <p:tgtEl>
                     <p:sldTgt/>
                   </p:tgtEl>
@@ -8030,7 +8468,7 @@
 </file>
 
 <file path=ppt/slides/slide3.xml><?xml version="1.0" encoding="utf-8"?>
-<p:sld xmlns:a="http://schemas.openxmlformats.org/drawingml/2006/main" xmlns:p="http://schemas.openxmlformats.org/presentationml/2006/main" xmlns:r="http://schemas.openxmlformats.org/officeDocument/2006/relationships">
+<p:sld xmlns:a="http://schemas.openxmlformats.org/drawingml/2006/main" xmlns:r="http://schemas.openxmlformats.org/officeDocument/2006/relationships" xmlns:p="http://schemas.openxmlformats.org/presentationml/2006/main">
   <p:cSld>
     <p:spTree>
       <p:nvGrpSpPr>
@@ -8066,33 +8504,23 @@
           </a:ln>
         </p:spPr>
         <p:txBody>
-          <a:bodyPr lIns="0" rIns="0" tIns="0" bIns="0" anchor="ctr"/>
-          <a:p>
-            <a:r>
-              <a:rPr b="1" lang="pt-BR" sz="3000" spc="-1" strike="noStrike">
-                <a:solidFill>
-                  <a:srgbClr val="000000"/>
-                </a:solidFill>
-                <a:uFill>
-                  <a:solidFill>
-                    <a:srgbClr val="ffffff"/>
+          <a:bodyPr lIns="0" tIns="0" rIns="0" bIns="0" anchor="ctr"/>
+          <a:lstStyle/>
+          <a:p>
+            <a:r>
+              <a:rPr lang="pt-BR" sz="3000" b="1" strike="noStrike" spc="-1">
+                <a:solidFill>
+                  <a:srgbClr val="000000"/>
+                </a:solidFill>
+                <a:uFill>
+                  <a:solidFill>
+                    <a:srgbClr val="FFFFFF"/>
                   </a:solidFill>
                 </a:uFill>
                 <a:latin typeface="Century Schoolbook L"/>
               </a:rPr>
               <a:t>PROBLEMAS</a:t>
             </a:r>
-            <a:endParaRPr b="1" lang="pt-BR" sz="3000" spc="-1" strike="noStrike">
-              <a:solidFill>
-                <a:srgbClr val="000000"/>
-              </a:solidFill>
-              <a:uFill>
-                <a:solidFill>
-                  <a:srgbClr val="ffffff"/>
-                </a:solidFill>
-              </a:uFill>
-              <a:latin typeface="Century Schoolbook L"/>
-            </a:endParaRPr>
           </a:p>
         </p:txBody>
       </p:sp>
@@ -8116,7 +8544,8 @@
           </a:ln>
         </p:spPr>
         <p:txBody>
-          <a:bodyPr lIns="0" rIns="0" tIns="0" bIns="0"/>
+          <a:bodyPr lIns="0" tIns="0" rIns="0" bIns="0"/>
+          <a:lstStyle/>
           <a:p>
             <a:pPr marL="216000" indent="-216000">
               <a:buClr>
@@ -8127,30 +8556,19 @@
               <a:buChar char=""/>
             </a:pPr>
             <a:r>
-              <a:rPr lang="pt-BR" sz="2400" spc="-1" strike="noStrike">
-                <a:solidFill>
-                  <a:srgbClr val="000000"/>
-                </a:solidFill>
-                <a:uFill>
-                  <a:solidFill>
-                    <a:srgbClr val="ffffff"/>
+              <a:rPr lang="pt-BR" sz="2400" strike="noStrike" spc="-1" dirty="0">
+                <a:solidFill>
+                  <a:srgbClr val="000000"/>
+                </a:solidFill>
+                <a:uFill>
+                  <a:solidFill>
+                    <a:srgbClr val="FFFFFF"/>
                   </a:solidFill>
                 </a:uFill>
                 <a:latin typeface="Century Schoolbook L"/>
               </a:rPr>
               <a:t>A partir de um conjunto de dados, como classificar os diferentes tipos de informações existentes?</a:t>
             </a:r>
-            <a:endParaRPr lang="pt-BR" sz="2400" spc="-1" strike="noStrike">
-              <a:solidFill>
-                <a:srgbClr val="000000"/>
-              </a:solidFill>
-              <a:uFill>
-                <a:solidFill>
-                  <a:srgbClr val="ffffff"/>
-                </a:solidFill>
-              </a:uFill>
-              <a:latin typeface="Century Schoolbook L"/>
-            </a:endParaRPr>
           </a:p>
           <a:p>
             <a:pPr marL="216000" indent="-216000">
@@ -8161,27 +8579,13 @@
               <a:buFont typeface="Wingdings" charset="2"/>
               <a:buChar char=""/>
             </a:pPr>
-            <a:r>
-              <a:rPr lang="pt-BR" sz="2400" spc="-1" strike="noStrike">
-                <a:solidFill>
-                  <a:srgbClr val="000000"/>
-                </a:solidFill>
-                <a:uFill>
-                  <a:solidFill>
-                    <a:srgbClr val="ffffff"/>
-                  </a:solidFill>
-                </a:uFill>
-                <a:latin typeface="Century Schoolbook L"/>
-              </a:rPr>
-              <a:t> </a:t>
-            </a:r>
-            <a:endParaRPr lang="pt-BR" sz="2400" spc="-1" strike="noStrike">
-              <a:solidFill>
-                <a:srgbClr val="000000"/>
-              </a:solidFill>
-              <a:uFill>
-                <a:solidFill>
-                  <a:srgbClr val="ffffff"/>
+            <a:endParaRPr lang="pt-BR" sz="2400" strike="noStrike" spc="-1" dirty="0">
+              <a:solidFill>
+                <a:srgbClr val="000000"/>
+              </a:solidFill>
+              <a:uFill>
+                <a:solidFill>
+                  <a:srgbClr val="FFFFFF"/>
                 </a:solidFill>
               </a:uFill>
               <a:latin typeface="Century Schoolbook L"/>
@@ -8197,51 +8601,43 @@
               <a:buChar char=""/>
             </a:pPr>
             <a:r>
-              <a:rPr lang="pt-BR" sz="2400" spc="-1" strike="noStrike">
-                <a:solidFill>
-                  <a:srgbClr val="000000"/>
-                </a:solidFill>
-                <a:uFill>
-                  <a:solidFill>
-                    <a:srgbClr val="ffffff"/>
+              <a:rPr lang="pt-BR" sz="2400" strike="noStrike" spc="-1" dirty="0">
+                <a:solidFill>
+                  <a:srgbClr val="000000"/>
+                </a:solidFill>
+                <a:uFill>
+                  <a:solidFill>
+                    <a:srgbClr val="FFFFFF"/>
                   </a:solidFill>
                 </a:uFill>
                 <a:latin typeface="Century Schoolbook L"/>
               </a:rPr>
               <a:t>Quais as implicações do uso do algoritmo em uma imagem?</a:t>
             </a:r>
-            <a:endParaRPr lang="pt-BR" sz="2400" spc="-1" strike="noStrike">
-              <a:solidFill>
-                <a:srgbClr val="000000"/>
-              </a:solidFill>
-              <a:uFill>
-                <a:solidFill>
-                  <a:srgbClr val="ffffff"/>
-                </a:solidFill>
-              </a:uFill>
-              <a:latin typeface="Century Schoolbook L"/>
-            </a:endParaRPr>
           </a:p>
         </p:txBody>
       </p:sp>
     </p:spTree>
   </p:cSld>
+  <p:clrMapOvr>
+    <a:masterClrMapping/>
+  </p:clrMapOvr>
   <p:timing>
     <p:tnLst>
       <p:par>
-        <p:cTn id="5" dur="indefinite" restart="never" nodeType="tmRoot">
+        <p:cTn id="1" dur="indefinite" restart="never" nodeType="tmRoot">
           <p:childTnLst>
             <p:seq>
-              <p:cTn id="6" nodeType="mainSeq"/>
+              <p:cTn id="2" nodeType="mainSeq"/>
               <p:prevCondLst>
-                <p:cond delay="0" evt="onPrev">
+                <p:cond evt="onPrev" delay="0">
                   <p:tgtEl>
                     <p:sldTgt/>
                   </p:tgtEl>
                 </p:cond>
               </p:prevCondLst>
               <p:nextCondLst>
-                <p:cond delay="0" evt="onNext">
+                <p:cond evt="onNext" delay="0">
                   <p:tgtEl>
                     <p:sldTgt/>
                   </p:tgtEl>
@@ -8257,7 +8653,7 @@
 </file>
 
 <file path=ppt/slides/slide4.xml><?xml version="1.0" encoding="utf-8"?>
-<p:sld xmlns:a="http://schemas.openxmlformats.org/drawingml/2006/main" xmlns:p="http://schemas.openxmlformats.org/presentationml/2006/main" xmlns:r="http://schemas.openxmlformats.org/officeDocument/2006/relationships">
+<p:sld xmlns:a="http://schemas.openxmlformats.org/drawingml/2006/main" xmlns:r="http://schemas.openxmlformats.org/officeDocument/2006/relationships" xmlns:p="http://schemas.openxmlformats.org/presentationml/2006/main">
   <p:cSld>
     <p:spTree>
       <p:nvGrpSpPr>
@@ -8293,13 +8689,20 @@
           </a:ln>
         </p:spPr>
         <p:style>
-          <a:lnRef idx="0"/>
-          <a:fillRef idx="0"/>
-          <a:effectRef idx="0"/>
+          <a:lnRef idx="0">
+            <a:scrgbClr r="0" g="0" b="0"/>
+          </a:lnRef>
+          <a:fillRef idx="0">
+            <a:scrgbClr r="0" g="0" b="0"/>
+          </a:fillRef>
+          <a:effectRef idx="0">
+            <a:scrgbClr r="0" g="0" b="0"/>
+          </a:effectRef>
           <a:fontRef idx="minor"/>
         </p:style>
         <p:txBody>
-          <a:bodyPr lIns="0" rIns="0" tIns="0" bIns="0" anchor="ctr"/>
+          <a:bodyPr lIns="0" tIns="0" rIns="0" bIns="0" anchor="ctr"/>
+          <a:lstStyle/>
           <a:p>
             <a:pPr>
               <a:lnSpc>
@@ -8307,13 +8710,13 @@
               </a:lnSpc>
             </a:pPr>
             <a:r>
-              <a:rPr b="1" lang="pt-BR" sz="3000" spc="-1" strike="noStrike">
-                <a:solidFill>
-                  <a:srgbClr val="000000"/>
-                </a:solidFill>
-                <a:uFill>
-                  <a:solidFill>
-                    <a:srgbClr val="ffffff"/>
+              <a:rPr lang="pt-BR" sz="3000" b="1" strike="noStrike" spc="-1">
+                <a:solidFill>
+                  <a:srgbClr val="000000"/>
+                </a:solidFill>
+                <a:uFill>
+                  <a:solidFill>
+                    <a:srgbClr val="FFFFFF"/>
                   </a:solidFill>
                 </a:uFill>
                 <a:latin typeface="Century Schoolbook"/>
@@ -8321,13 +8724,13 @@
               </a:rPr>
               <a:t>FUNDAMENTAÇÃO:  ALGORITMO K-MEANS → AGRUPAMENTO</a:t>
             </a:r>
-            <a:endParaRPr lang="pt-BR" sz="1979" spc="-1" strike="noStrike">
-              <a:solidFill>
-                <a:srgbClr val="000000"/>
-              </a:solidFill>
-              <a:uFill>
-                <a:solidFill>
-                  <a:srgbClr val="ffffff"/>
+            <a:endParaRPr lang="pt-BR" sz="1979" strike="noStrike" spc="-1">
+              <a:solidFill>
+                <a:srgbClr val="000000"/>
+              </a:solidFill>
+              <a:uFill>
+                <a:solidFill>
+                  <a:srgbClr val="FFFFFF"/>
                 </a:solidFill>
               </a:uFill>
               <a:latin typeface="Arial"/>
@@ -8355,26 +8758,33 @@
           </a:ln>
         </p:spPr>
         <p:style>
-          <a:lnRef idx="0"/>
-          <a:fillRef idx="0"/>
-          <a:effectRef idx="0"/>
+          <a:lnRef idx="0">
+            <a:scrgbClr r="0" g="0" b="0"/>
+          </a:lnRef>
+          <a:fillRef idx="0">
+            <a:scrgbClr r="0" g="0" b="0"/>
+          </a:fillRef>
+          <a:effectRef idx="0">
+            <a:scrgbClr r="0" g="0" b="0"/>
+          </a:effectRef>
           <a:fontRef idx="minor"/>
         </p:style>
         <p:txBody>
-          <a:bodyPr lIns="0" rIns="0" tIns="0" bIns="0"/>
+          <a:bodyPr lIns="0" tIns="0" rIns="0" bIns="0"/>
+          <a:lstStyle/>
           <a:p>
             <a:pPr>
               <a:lnSpc>
                 <a:spcPct val="100000"/>
               </a:lnSpc>
             </a:pPr>
-            <a:endParaRPr lang="pt-BR" sz="1979" spc="-1" strike="noStrike">
-              <a:solidFill>
-                <a:srgbClr val="000000"/>
-              </a:solidFill>
-              <a:uFill>
-                <a:solidFill>
-                  <a:srgbClr val="ffffff"/>
+            <a:endParaRPr lang="pt-BR" sz="1979" strike="noStrike" spc="-1" dirty="0">
+              <a:solidFill>
+                <a:srgbClr val="000000"/>
+              </a:solidFill>
+              <a:uFill>
+                <a:solidFill>
+                  <a:srgbClr val="FFFFFF"/>
                 </a:solidFill>
               </a:uFill>
               <a:latin typeface="Arial"/>
@@ -8393,72 +8803,87 @@
               <a:buChar char=""/>
             </a:pPr>
             <a:r>
-              <a:rPr lang="pt-BR" sz="2400" spc="-1" strike="noStrike">
-                <a:solidFill>
-                  <a:srgbClr val="000000"/>
-                </a:solidFill>
-                <a:uFill>
-                  <a:solidFill>
-                    <a:srgbClr val="ffffff"/>
+              <a:rPr lang="pt-BR" sz="2400" strike="noStrike" spc="-1" dirty="0">
+                <a:solidFill>
+                  <a:srgbClr val="000000"/>
+                </a:solidFill>
+                <a:uFill>
+                  <a:solidFill>
+                    <a:srgbClr val="FFFFFF"/>
                   </a:solidFill>
                 </a:uFill>
                 <a:latin typeface="Century Schoolbook L"/>
                 <a:ea typeface="DejaVu Sans"/>
               </a:rPr>
-              <a:t>O algoritmo faz o particionamento (separação) em “K” </a:t>
-            </a:r>
-            <a:r>
-              <a:rPr i="1" lang="pt-BR" sz="2400" spc="-1" strike="noStrike">
-                <a:solidFill>
-                  <a:srgbClr val="000000"/>
-                </a:solidFill>
-                <a:uFill>
-                  <a:solidFill>
-                    <a:srgbClr val="ffffff"/>
+              <a:t>O algoritmo faz o </a:t>
+            </a:r>
+            <a:r>
+              <a:rPr lang="pt-BR" sz="2400" strike="noStrike" spc="-1" dirty="0" err="1">
+                <a:solidFill>
+                  <a:srgbClr val="000000"/>
+                </a:solidFill>
+                <a:uFill>
+                  <a:solidFill>
+                    <a:srgbClr val="FFFFFF"/>
                   </a:solidFill>
                 </a:uFill>
                 <a:latin typeface="Century Schoolbook L"/>
                 <a:ea typeface="DejaVu Sans"/>
               </a:rPr>
-              <a:t>clusters </a:t>
-            </a:r>
-            <a:r>
-              <a:rPr lang="pt-BR" sz="2400" spc="-1" strike="noStrike">
-                <a:solidFill>
-                  <a:srgbClr val="000000"/>
-                </a:solidFill>
-                <a:uFill>
-                  <a:solidFill>
-                    <a:srgbClr val="ffffff"/>
+              <a:t>particionamento</a:t>
+            </a:r>
+            <a:r>
+              <a:rPr lang="pt-BR" sz="2400" strike="noStrike" spc="-1" dirty="0">
+                <a:solidFill>
+                  <a:srgbClr val="000000"/>
+                </a:solidFill>
+                <a:uFill>
+                  <a:solidFill>
+                    <a:srgbClr val="FFFFFF"/>
                   </a:solidFill>
                 </a:uFill>
                 <a:latin typeface="Century Schoolbook L"/>
                 <a:ea typeface="DejaVu Sans"/>
               </a:rPr>
-              <a:t>para um conjunto de dados</a:t>
-            </a:r>
-            <a:r>
-              <a:rPr lang="pt-BR" sz="2400" spc="-1" strike="noStrike">
-                <a:solidFill>
-                  <a:srgbClr val="000000"/>
-                </a:solidFill>
-                <a:uFill>
-                  <a:solidFill>
-                    <a:srgbClr val="ffffff"/>
+              <a:t> (separação) em “K” </a:t>
+            </a:r>
+            <a:r>
+              <a:rPr lang="pt-BR" sz="2400" i="1" strike="noStrike" spc="-1" dirty="0">
+                <a:solidFill>
+                  <a:srgbClr val="000000"/>
+                </a:solidFill>
+                <a:uFill>
+                  <a:solidFill>
+                    <a:srgbClr val="FFFFFF"/>
                   </a:solidFill>
                 </a:uFill>
                 <a:latin typeface="Century Schoolbook L"/>
                 <a:ea typeface="DejaVu Sans"/>
               </a:rPr>
-              <a:t>.</a:t>
-            </a:r>
-            <a:endParaRPr lang="pt-BR" sz="1979" spc="-1" strike="noStrike">
-              <a:solidFill>
-                <a:srgbClr val="000000"/>
-              </a:solidFill>
-              <a:uFill>
-                <a:solidFill>
-                  <a:srgbClr val="ffffff"/>
+              <a:t>clusters </a:t>
+            </a:r>
+            <a:r>
+              <a:rPr lang="pt-BR" sz="2400" strike="noStrike" spc="-1" dirty="0">
+                <a:solidFill>
+                  <a:srgbClr val="000000"/>
+                </a:solidFill>
+                <a:uFill>
+                  <a:solidFill>
+                    <a:srgbClr val="FFFFFF"/>
+                  </a:solidFill>
+                </a:uFill>
+                <a:latin typeface="Century Schoolbook L"/>
+                <a:ea typeface="DejaVu Sans"/>
+              </a:rPr>
+              <a:t>para um conjunto de dados.</a:t>
+            </a:r>
+            <a:endParaRPr lang="pt-BR" sz="1979" strike="noStrike" spc="-1" dirty="0">
+              <a:solidFill>
+                <a:srgbClr val="000000"/>
+              </a:solidFill>
+              <a:uFill>
+                <a:solidFill>
+                  <a:srgbClr val="FFFFFF"/>
                 </a:solidFill>
               </a:uFill>
               <a:latin typeface="Arial"/>
@@ -8476,28 +8901,13 @@
               <a:buFont typeface="Wingdings" charset="2"/>
               <a:buChar char=""/>
             </a:pPr>
-            <a:r>
-              <a:rPr lang="pt-BR" sz="2400" spc="-1" strike="noStrike">
-                <a:solidFill>
-                  <a:srgbClr val="000000"/>
-                </a:solidFill>
-                <a:uFill>
-                  <a:solidFill>
-                    <a:srgbClr val="ffffff"/>
-                  </a:solidFill>
-                </a:uFill>
-                <a:latin typeface="Century Schoolbook L"/>
-                <a:ea typeface="DejaVu Sans"/>
-              </a:rPr>
-              <a:t> </a:t>
-            </a:r>
-            <a:endParaRPr lang="pt-BR" sz="1979" spc="-1" strike="noStrike">
-              <a:solidFill>
-                <a:srgbClr val="000000"/>
-              </a:solidFill>
-              <a:uFill>
-                <a:solidFill>
-                  <a:srgbClr val="ffffff"/>
+            <a:endParaRPr lang="pt-BR" sz="1979" strike="noStrike" spc="-1" dirty="0">
+              <a:solidFill>
+                <a:srgbClr val="000000"/>
+              </a:solidFill>
+              <a:uFill>
+                <a:solidFill>
+                  <a:srgbClr val="FFFFFF"/>
                 </a:solidFill>
               </a:uFill>
               <a:latin typeface="Arial"/>
@@ -8516,13 +8926,13 @@
               <a:buChar char=""/>
             </a:pPr>
             <a:r>
-              <a:rPr lang="pt-BR" sz="2400" spc="-1" strike="noStrike">
-                <a:solidFill>
-                  <a:srgbClr val="000000"/>
-                </a:solidFill>
-                <a:uFill>
-                  <a:solidFill>
-                    <a:srgbClr val="ffffff"/>
+              <a:rPr lang="pt-BR" sz="2400" strike="noStrike" spc="-1" dirty="0">
+                <a:solidFill>
+                  <a:srgbClr val="000000"/>
+                </a:solidFill>
+                <a:uFill>
+                  <a:solidFill>
+                    <a:srgbClr val="FFFFFF"/>
                   </a:solidFill>
                 </a:uFill>
                 <a:latin typeface="Century Schoolbook L"/>
@@ -8531,13 +8941,13 @@
               <a:t>A afiliação (atribuição) de um dado pertencente a um </a:t>
             </a:r>
             <a:r>
-              <a:rPr i="1" lang="pt-BR" sz="2400" spc="-1" strike="noStrike">
-                <a:solidFill>
-                  <a:srgbClr val="000000"/>
-                </a:solidFill>
-                <a:uFill>
-                  <a:solidFill>
-                    <a:srgbClr val="ffffff"/>
+              <a:rPr lang="pt-BR" sz="2400" i="1" strike="noStrike" spc="-1" dirty="0">
+                <a:solidFill>
+                  <a:srgbClr val="000000"/>
+                </a:solidFill>
+                <a:uFill>
+                  <a:solidFill>
+                    <a:srgbClr val="FFFFFF"/>
                   </a:solidFill>
                 </a:uFill>
                 <a:latin typeface="Century Schoolbook L"/>
@@ -8546,72 +8956,102 @@
               <a:t>cluster</a:t>
             </a:r>
             <a:r>
-              <a:rPr lang="pt-BR" sz="2400" spc="-1" strike="noStrike">
-                <a:solidFill>
-                  <a:srgbClr val="000000"/>
-                </a:solidFill>
-                <a:uFill>
-                  <a:solidFill>
-                    <a:srgbClr val="ffffff"/>
+              <a:rPr lang="pt-BR" sz="2400" strike="noStrike" spc="-1" dirty="0">
+                <a:solidFill>
+                  <a:srgbClr val="000000"/>
+                </a:solidFill>
+                <a:uFill>
+                  <a:solidFill>
+                    <a:srgbClr val="FFFFFF"/>
                   </a:solidFill>
                 </a:uFill>
                 <a:latin typeface="Century Schoolbook L"/>
                 <a:ea typeface="DejaVu Sans"/>
               </a:rPr>
-              <a:t>, é definido pela distância deste dado para um centroide K</a:t>
-            </a:r>
-            <a:r>
-              <a:rPr lang="pt-BR" sz="2400" spc="-1" strike="noStrike" baseline="-33000">
-                <a:solidFill>
-                  <a:srgbClr val="000000"/>
-                </a:solidFill>
-                <a:uFill>
-                  <a:solidFill>
-                    <a:srgbClr val="ffffff"/>
+              <a:t>, é definido pela distância deste dado para um </a:t>
+            </a:r>
+            <a:r>
+              <a:rPr lang="pt-BR" sz="2400" strike="noStrike" spc="-1" dirty="0" err="1">
+                <a:solidFill>
+                  <a:srgbClr val="000000"/>
+                </a:solidFill>
+                <a:uFill>
+                  <a:solidFill>
+                    <a:srgbClr val="FFFFFF"/>
                   </a:solidFill>
                 </a:uFill>
                 <a:latin typeface="Century Schoolbook L"/>
                 <a:ea typeface="DejaVu Sans"/>
               </a:rPr>
-              <a:t>n</a:t>
-            </a:r>
-            <a:r>
-              <a:rPr lang="pt-BR" sz="2400" spc="-1" strike="noStrike">
-                <a:solidFill>
-                  <a:srgbClr val="000000"/>
-                </a:solidFill>
-                <a:uFill>
-                  <a:solidFill>
-                    <a:srgbClr val="ffffff"/>
+              <a:t>centroide</a:t>
+            </a:r>
+            <a:r>
+              <a:rPr lang="pt-BR" sz="2400" strike="noStrike" spc="-1" dirty="0">
+                <a:solidFill>
+                  <a:srgbClr val="000000"/>
+                </a:solidFill>
+                <a:uFill>
+                  <a:solidFill>
+                    <a:srgbClr val="FFFFFF"/>
                   </a:solidFill>
                 </a:uFill>
                 <a:latin typeface="Century Schoolbook L"/>
                 <a:ea typeface="DejaVu Sans"/>
               </a:rPr>
-              <a:t> qualquer</a:t>
-            </a:r>
-            <a:r>
-              <a:rPr lang="pt-BR" sz="2400" spc="-1" strike="noStrike">
-                <a:solidFill>
-                  <a:srgbClr val="000000"/>
-                </a:solidFill>
-                <a:uFill>
-                  <a:solidFill>
-                    <a:srgbClr val="ffffff"/>
+              <a:t> </a:t>
+            </a:r>
+            <a:r>
+              <a:rPr lang="pt-BR" sz="2400" strike="noStrike" spc="-1" dirty="0" err="1">
+                <a:solidFill>
+                  <a:srgbClr val="000000"/>
+                </a:solidFill>
+                <a:uFill>
+                  <a:solidFill>
+                    <a:srgbClr val="FFFFFF"/>
                   </a:solidFill>
                 </a:uFill>
                 <a:latin typeface="Century Schoolbook L"/>
                 <a:ea typeface="DejaVu Sans"/>
               </a:rPr>
-              <a:t>.</a:t>
-            </a:r>
-            <a:endParaRPr lang="pt-BR" sz="1979" spc="-1" strike="noStrike">
-              <a:solidFill>
-                <a:srgbClr val="000000"/>
-              </a:solidFill>
-              <a:uFill>
-                <a:solidFill>
-                  <a:srgbClr val="ffffff"/>
+              <a:t>K</a:t>
+            </a:r>
+            <a:r>
+              <a:rPr lang="pt-BR" sz="2400" strike="noStrike" spc="-1" baseline="-33000" dirty="0" err="1">
+                <a:solidFill>
+                  <a:srgbClr val="000000"/>
+                </a:solidFill>
+                <a:uFill>
+                  <a:solidFill>
+                    <a:srgbClr val="FFFFFF"/>
+                  </a:solidFill>
+                </a:uFill>
+                <a:latin typeface="Century Schoolbook L"/>
+                <a:ea typeface="DejaVu Sans"/>
+              </a:rPr>
+              <a:t>n</a:t>
+            </a:r>
+            <a:r>
+              <a:rPr lang="pt-BR" sz="2400" strike="noStrike" spc="-1" dirty="0">
+                <a:solidFill>
+                  <a:srgbClr val="000000"/>
+                </a:solidFill>
+                <a:uFill>
+                  <a:solidFill>
+                    <a:srgbClr val="FFFFFF"/>
+                  </a:solidFill>
+                </a:uFill>
+                <a:latin typeface="Century Schoolbook L"/>
+                <a:ea typeface="DejaVu Sans"/>
+              </a:rPr>
+              <a:t> qualquer.</a:t>
+            </a:r>
+            <a:endParaRPr lang="pt-BR" sz="1979" strike="noStrike" spc="-1" dirty="0">
+              <a:solidFill>
+                <a:srgbClr val="000000"/>
+              </a:solidFill>
+              <a:uFill>
+                <a:solidFill>
+                  <a:srgbClr val="FFFFFF"/>
                 </a:solidFill>
               </a:uFill>
               <a:latin typeface="Arial"/>
@@ -8629,28 +9069,13 @@
               <a:buFont typeface="Wingdings" charset="2"/>
               <a:buChar char=""/>
             </a:pPr>
-            <a:r>
-              <a:rPr lang="pt-BR" sz="2400" spc="-1" strike="noStrike">
-                <a:solidFill>
-                  <a:srgbClr val="000000"/>
-                </a:solidFill>
-                <a:uFill>
-                  <a:solidFill>
-                    <a:srgbClr val="ffffff"/>
-                  </a:solidFill>
-                </a:uFill>
-                <a:latin typeface="Century Schoolbook L"/>
-                <a:ea typeface="DejaVu Sans"/>
-              </a:rPr>
-              <a:t> </a:t>
-            </a:r>
-            <a:endParaRPr lang="pt-BR" sz="1979" spc="-1" strike="noStrike">
-              <a:solidFill>
-                <a:srgbClr val="000000"/>
-              </a:solidFill>
-              <a:uFill>
-                <a:solidFill>
-                  <a:srgbClr val="ffffff"/>
+            <a:endParaRPr lang="pt-BR" sz="1979" strike="noStrike" spc="-1" dirty="0">
+              <a:solidFill>
+                <a:srgbClr val="000000"/>
+              </a:solidFill>
+              <a:uFill>
+                <a:solidFill>
+                  <a:srgbClr val="FFFFFF"/>
                 </a:solidFill>
               </a:uFill>
               <a:latin typeface="Arial"/>
@@ -8669,57 +9094,117 @@
               <a:buChar char=""/>
             </a:pPr>
             <a:r>
-              <a:rPr lang="pt-BR" sz="2400" spc="-1" strike="noStrike">
-                <a:solidFill>
-                  <a:srgbClr val="000000"/>
-                </a:solidFill>
-                <a:uFill>
-                  <a:solidFill>
-                    <a:srgbClr val="ffffff"/>
+              <a:rPr lang="pt-BR" sz="2400" strike="noStrike" spc="-1" dirty="0">
+                <a:solidFill>
+                  <a:srgbClr val="000000"/>
+                </a:solidFill>
+                <a:uFill>
+                  <a:solidFill>
+                    <a:srgbClr val="FFFFFF"/>
                   </a:solidFill>
                 </a:uFill>
                 <a:latin typeface="Century Schoolbook L"/>
                 <a:ea typeface="DejaVu Sans"/>
               </a:rPr>
-              <a:t>O centroide para cada </a:t>
-            </a:r>
-            <a:r>
-              <a:rPr i="1" lang="pt-BR" sz="2400" spc="-1" strike="noStrike">
-                <a:solidFill>
-                  <a:srgbClr val="000000"/>
-                </a:solidFill>
-                <a:uFill>
-                  <a:solidFill>
-                    <a:srgbClr val="ffffff"/>
+              <a:t>O </a:t>
+            </a:r>
+            <a:r>
+              <a:rPr lang="pt-BR" sz="2400" strike="noStrike" spc="-1" dirty="0" err="1">
+                <a:solidFill>
+                  <a:srgbClr val="000000"/>
+                </a:solidFill>
+                <a:uFill>
+                  <a:solidFill>
+                    <a:srgbClr val="FFFFFF"/>
                   </a:solidFill>
                 </a:uFill>
                 <a:latin typeface="Century Schoolbook L"/>
                 <a:ea typeface="DejaVu Sans"/>
               </a:rPr>
-              <a:t>cluster</a:t>
-            </a:r>
-            <a:r>
-              <a:rPr lang="pt-BR" sz="2400" spc="-1" strike="noStrike">
-                <a:solidFill>
-                  <a:srgbClr val="000000"/>
-                </a:solidFill>
-                <a:uFill>
-                  <a:solidFill>
-                    <a:srgbClr val="ffffff"/>
+              <a:t>centroide</a:t>
+            </a:r>
+            <a:r>
+              <a:rPr lang="pt-BR" sz="2400" strike="noStrike" spc="-1" dirty="0">
+                <a:solidFill>
+                  <a:srgbClr val="000000"/>
+                </a:solidFill>
+                <a:uFill>
+                  <a:solidFill>
+                    <a:srgbClr val="FFFFFF"/>
                   </a:solidFill>
                 </a:uFill>
                 <a:latin typeface="Century Schoolbook L"/>
                 <a:ea typeface="DejaVu Sans"/>
               </a:rPr>
-              <a:t> é o ponto no qual a soma de todas as distâncias dos dados em relação ao centroide são minimizados.</a:t>
-            </a:r>
-            <a:endParaRPr lang="pt-BR" sz="1979" spc="-1" strike="noStrike">
-              <a:solidFill>
-                <a:srgbClr val="000000"/>
-              </a:solidFill>
-              <a:uFill>
-                <a:solidFill>
-                  <a:srgbClr val="ffffff"/>
+              <a:t> para cada </a:t>
+            </a:r>
+            <a:r>
+              <a:rPr lang="pt-BR" sz="2400" i="1" strike="noStrike" spc="-1" dirty="0">
+                <a:solidFill>
+                  <a:srgbClr val="000000"/>
+                </a:solidFill>
+                <a:uFill>
+                  <a:solidFill>
+                    <a:srgbClr val="FFFFFF"/>
+                  </a:solidFill>
+                </a:uFill>
+                <a:latin typeface="Century Schoolbook L"/>
+                <a:ea typeface="DejaVu Sans"/>
+              </a:rPr>
+              <a:t>cluster</a:t>
+            </a:r>
+            <a:r>
+              <a:rPr lang="pt-BR" sz="2400" strike="noStrike" spc="-1" dirty="0">
+                <a:solidFill>
+                  <a:srgbClr val="000000"/>
+                </a:solidFill>
+                <a:uFill>
+                  <a:solidFill>
+                    <a:srgbClr val="FFFFFF"/>
+                  </a:solidFill>
+                </a:uFill>
+                <a:latin typeface="Century Schoolbook L"/>
+                <a:ea typeface="DejaVu Sans"/>
+              </a:rPr>
+              <a:t> é o ponto no qual a soma de todas as distâncias dos dados em relação ao </a:t>
+            </a:r>
+            <a:r>
+              <a:rPr lang="pt-BR" sz="2400" strike="noStrike" spc="-1" dirty="0" err="1">
+                <a:solidFill>
+                  <a:srgbClr val="000000"/>
+                </a:solidFill>
+                <a:uFill>
+                  <a:solidFill>
+                    <a:srgbClr val="FFFFFF"/>
+                  </a:solidFill>
+                </a:uFill>
+                <a:latin typeface="Century Schoolbook L"/>
+                <a:ea typeface="DejaVu Sans"/>
+              </a:rPr>
+              <a:t>centroide</a:t>
+            </a:r>
+            <a:r>
+              <a:rPr lang="pt-BR" sz="2400" strike="noStrike" spc="-1" dirty="0">
+                <a:solidFill>
+                  <a:srgbClr val="000000"/>
+                </a:solidFill>
+                <a:uFill>
+                  <a:solidFill>
+                    <a:srgbClr val="FFFFFF"/>
+                  </a:solidFill>
+                </a:uFill>
+                <a:latin typeface="Century Schoolbook L"/>
+                <a:ea typeface="DejaVu Sans"/>
+              </a:rPr>
+              <a:t> são minimizados.</a:t>
+            </a:r>
+            <a:endParaRPr lang="pt-BR" sz="1979" strike="noStrike" spc="-1" dirty="0">
+              <a:solidFill>
+                <a:srgbClr val="000000"/>
+              </a:solidFill>
+              <a:uFill>
+                <a:solidFill>
+                  <a:srgbClr val="FFFFFF"/>
                 </a:solidFill>
               </a:uFill>
               <a:latin typeface="Arial"/>
@@ -8729,22 +9214,25 @@
       </p:sp>
     </p:spTree>
   </p:cSld>
+  <p:clrMapOvr>
+    <a:masterClrMapping/>
+  </p:clrMapOvr>
   <p:timing>
     <p:tnLst>
       <p:par>
-        <p:cTn id="7" dur="indefinite" restart="never" nodeType="tmRoot">
+        <p:cTn id="1" dur="indefinite" restart="never" nodeType="tmRoot">
           <p:childTnLst>
             <p:seq>
-              <p:cTn id="8" nodeType="mainSeq"/>
+              <p:cTn id="2" nodeType="mainSeq"/>
               <p:prevCondLst>
-                <p:cond delay="0" evt="onPrev">
+                <p:cond evt="onPrev" delay="0">
                   <p:tgtEl>
                     <p:sldTgt/>
                   </p:tgtEl>
                 </p:cond>
               </p:prevCondLst>
               <p:nextCondLst>
-                <p:cond delay="0" evt="onNext">
+                <p:cond evt="onNext" delay="0">
                   <p:tgtEl>
                     <p:sldTgt/>
                   </p:tgtEl>
@@ -8760,7 +9248,7 @@
 </file>
 
 <file path=ppt/slides/slide5.xml><?xml version="1.0" encoding="utf-8"?>
-<p:sld xmlns:a="http://schemas.openxmlformats.org/drawingml/2006/main" xmlns:p="http://schemas.openxmlformats.org/presentationml/2006/main" xmlns:r="http://schemas.openxmlformats.org/officeDocument/2006/relationships">
+<p:sld xmlns:a="http://schemas.openxmlformats.org/drawingml/2006/main" xmlns:r="http://schemas.openxmlformats.org/officeDocument/2006/relationships" xmlns:p="http://schemas.openxmlformats.org/presentationml/2006/main">
   <p:cSld>
     <p:spTree>
       <p:nvGrpSpPr>
@@ -8796,16 +9284,17 @@
           </a:ln>
         </p:spPr>
         <p:txBody>
-          <a:bodyPr lIns="0" rIns="0" tIns="0" bIns="0" anchor="ctr"/>
-          <a:p>
-            <a:r>
-              <a:rPr b="1" lang="pt-BR" sz="3000" spc="-1" strike="noStrike">
-                <a:solidFill>
-                  <a:srgbClr val="000000"/>
-                </a:solidFill>
-                <a:uFill>
-                  <a:solidFill>
-                    <a:srgbClr val="ffffff"/>
+          <a:bodyPr lIns="0" tIns="0" rIns="0" bIns="0" anchor="ctr"/>
+          <a:lstStyle/>
+          <a:p>
+            <a:r>
+              <a:rPr lang="pt-BR" sz="3000" b="1" strike="noStrike" spc="-1">
+                <a:solidFill>
+                  <a:srgbClr val="000000"/>
+                </a:solidFill>
+                <a:uFill>
+                  <a:solidFill>
+                    <a:srgbClr val="FFFFFF"/>
                   </a:solidFill>
                 </a:uFill>
                 <a:latin typeface="Century Schoolbook"/>
@@ -8814,13 +9303,13 @@
               <a:t>EXPERIMENTO:  </a:t>
             </a:r>
             <a:r>
-              <a:rPr b="1" i="1" lang="pt-BR" sz="3000" spc="-1" strike="noStrike">
-                <a:solidFill>
-                  <a:srgbClr val="000000"/>
-                </a:solidFill>
-                <a:uFill>
-                  <a:solidFill>
-                    <a:srgbClr val="ffffff"/>
+              <a:rPr lang="pt-BR" sz="3000" b="1" i="1" strike="noStrike" spc="-1">
+                <a:solidFill>
+                  <a:srgbClr val="000000"/>
+                </a:solidFill>
+                <a:uFill>
+                  <a:solidFill>
+                    <a:srgbClr val="FFFFFF"/>
                   </a:solidFill>
                 </a:uFill>
                 <a:latin typeface="Century Schoolbook"/>
@@ -8829,13 +9318,13 @@
               <a:t>DATASET</a:t>
             </a:r>
             <a:r>
-              <a:rPr b="1" lang="pt-BR" sz="3000" spc="-1" strike="noStrike">
-                <a:solidFill>
-                  <a:srgbClr val="000000"/>
-                </a:solidFill>
-                <a:uFill>
-                  <a:solidFill>
-                    <a:srgbClr val="ffffff"/>
+              <a:rPr lang="pt-BR" sz="3000" b="1" strike="noStrike" spc="-1">
+                <a:solidFill>
+                  <a:srgbClr val="000000"/>
+                </a:solidFill>
+                <a:uFill>
+                  <a:solidFill>
+                    <a:srgbClr val="FFFFFF"/>
                   </a:solidFill>
                 </a:uFill>
                 <a:latin typeface="Century Schoolbook"/>
@@ -8843,13 +9332,13 @@
               </a:rPr>
               <a:t> COM DISTRIBUIÇÃO UNIFORME</a:t>
             </a:r>
-            <a:endParaRPr lang="pt-BR" sz="1979" spc="-1" strike="noStrike">
-              <a:solidFill>
-                <a:srgbClr val="000000"/>
-              </a:solidFill>
-              <a:uFill>
-                <a:solidFill>
-                  <a:srgbClr val="ffffff"/>
+            <a:endParaRPr lang="pt-BR" sz="1979" strike="noStrike" spc="-1">
+              <a:solidFill>
+                <a:srgbClr val="000000"/>
+              </a:solidFill>
+              <a:uFill>
+                <a:solidFill>
+                  <a:srgbClr val="FFFFFF"/>
                 </a:solidFill>
               </a:uFill>
               <a:latin typeface="Arial"/>
@@ -8859,12 +9348,12 @@
       </p:sp>
       <p:pic>
         <p:nvPicPr>
-          <p:cNvPr id="151" name="" descr=""/>
+          <p:cNvPr id="151" name="Imagem 150"/>
           <p:cNvPicPr/>
           <p:nvPr/>
         </p:nvPicPr>
         <p:blipFill>
-          <a:blip r:embed="rId1"/>
+          <a:blip r:embed="rId2" cstate="print"/>
           <a:stretch/>
         </p:blipFill>
         <p:spPr>
@@ -8882,22 +9371,25 @@
       </p:pic>
     </p:spTree>
   </p:cSld>
+  <p:clrMapOvr>
+    <a:masterClrMapping/>
+  </p:clrMapOvr>
   <p:timing>
     <p:tnLst>
       <p:par>
-        <p:cTn id="9" dur="indefinite" restart="never" nodeType="tmRoot">
+        <p:cTn id="1" dur="indefinite" restart="never" nodeType="tmRoot">
           <p:childTnLst>
             <p:seq>
-              <p:cTn id="10" nodeType="mainSeq"/>
+              <p:cTn id="2" nodeType="mainSeq"/>
               <p:prevCondLst>
-                <p:cond delay="0" evt="onPrev">
+                <p:cond evt="onPrev" delay="0">
                   <p:tgtEl>
                     <p:sldTgt/>
                   </p:tgtEl>
                 </p:cond>
               </p:prevCondLst>
               <p:nextCondLst>
-                <p:cond delay="0" evt="onNext">
+                <p:cond evt="onNext" delay="0">
                   <p:tgtEl>
                     <p:sldTgt/>
                   </p:tgtEl>
@@ -8913,7 +9405,7 @@
 </file>
 
 <file path=ppt/slides/slide6.xml><?xml version="1.0" encoding="utf-8"?>
-<p:sld xmlns:a="http://schemas.openxmlformats.org/drawingml/2006/main" xmlns:p="http://schemas.openxmlformats.org/presentationml/2006/main" xmlns:r="http://schemas.openxmlformats.org/officeDocument/2006/relationships">
+<p:sld xmlns:a="http://schemas.openxmlformats.org/drawingml/2006/main" xmlns:r="http://schemas.openxmlformats.org/officeDocument/2006/relationships" xmlns:p="http://schemas.openxmlformats.org/presentationml/2006/main">
   <p:cSld>
     <p:spTree>
       <p:nvGrpSpPr>
@@ -8949,16 +9441,17 @@
           </a:ln>
         </p:spPr>
         <p:txBody>
-          <a:bodyPr lIns="0" rIns="0" tIns="0" bIns="0" anchor="ctr"/>
-          <a:p>
-            <a:r>
-              <a:rPr b="1" lang="pt-BR" sz="3000" spc="-1" strike="noStrike">
-                <a:solidFill>
-                  <a:srgbClr val="000000"/>
-                </a:solidFill>
-                <a:uFill>
-                  <a:solidFill>
-                    <a:srgbClr val="ffffff"/>
+          <a:bodyPr lIns="0" tIns="0" rIns="0" bIns="0" anchor="ctr"/>
+          <a:lstStyle/>
+          <a:p>
+            <a:r>
+              <a:rPr lang="pt-BR" sz="3000" b="1" strike="noStrike" spc="-1">
+                <a:solidFill>
+                  <a:srgbClr val="000000"/>
+                </a:solidFill>
+                <a:uFill>
+                  <a:solidFill>
+                    <a:srgbClr val="FFFFFF"/>
                   </a:solidFill>
                 </a:uFill>
                 <a:latin typeface="Century Schoolbook"/>
@@ -8967,13 +9460,13 @@
               <a:t>EXPERIMENTO:  APLICAÇÃO DA FUNÇÃO </a:t>
             </a:r>
             <a:r>
-              <a:rPr b="1" lang="pt-BR" sz="3000" spc="-1" strike="noStrike" u="sng">
-                <a:solidFill>
-                  <a:srgbClr val="000000"/>
-                </a:solidFill>
-                <a:uFill>
-                  <a:solidFill>
-                    <a:srgbClr val="ffffff"/>
+              <a:rPr lang="pt-BR" sz="3000" b="1" u="sng" strike="noStrike" spc="-1">
+                <a:solidFill>
+                  <a:srgbClr val="000000"/>
+                </a:solidFill>
+                <a:uFill>
+                  <a:solidFill>
+                    <a:srgbClr val="FFFFFF"/>
                   </a:solidFill>
                 </a:uFill>
                 <a:latin typeface="Century Schoolbook"/>
@@ -8982,13 +9475,13 @@
               <a:t>kmeans</a:t>
             </a:r>
             <a:r>
-              <a:rPr b="1" lang="pt-BR" sz="3000" spc="-1" strike="noStrike">
-                <a:solidFill>
-                  <a:srgbClr val="000000"/>
-                </a:solidFill>
-                <a:uFill>
-                  <a:solidFill>
-                    <a:srgbClr val="ffffff"/>
+              <a:rPr lang="pt-BR" sz="3000" b="1" strike="noStrike" spc="-1">
+                <a:solidFill>
+                  <a:srgbClr val="000000"/>
+                </a:solidFill>
+                <a:uFill>
+                  <a:solidFill>
+                    <a:srgbClr val="FFFFFF"/>
                   </a:solidFill>
                 </a:uFill>
                 <a:latin typeface="Century Schoolbook"/>
@@ -8996,13 +9489,13 @@
               </a:rPr>
               <a:t> DO MATLAB</a:t>
             </a:r>
-            <a:endParaRPr lang="pt-BR" sz="1979" spc="-1" strike="noStrike">
-              <a:solidFill>
-                <a:srgbClr val="000000"/>
-              </a:solidFill>
-              <a:uFill>
-                <a:solidFill>
-                  <a:srgbClr val="ffffff"/>
+            <a:endParaRPr lang="pt-BR" sz="1979" strike="noStrike" spc="-1">
+              <a:solidFill>
+                <a:srgbClr val="000000"/>
+              </a:solidFill>
+              <a:uFill>
+                <a:solidFill>
+                  <a:srgbClr val="FFFFFF"/>
                 </a:solidFill>
               </a:uFill>
               <a:latin typeface="Arial"/>
@@ -9012,12 +9505,12 @@
       </p:sp>
       <p:pic>
         <p:nvPicPr>
-          <p:cNvPr id="153" name="" descr=""/>
+          <p:cNvPr id="153" name="Imagem 152"/>
           <p:cNvPicPr/>
           <p:nvPr/>
         </p:nvPicPr>
         <p:blipFill>
-          <a:blip r:embed="rId1"/>
+          <a:blip r:embed="rId2" cstate="print"/>
           <a:stretch/>
         </p:blipFill>
         <p:spPr>
@@ -9035,22 +9528,25 @@
       </p:pic>
     </p:spTree>
   </p:cSld>
+  <p:clrMapOvr>
+    <a:masterClrMapping/>
+  </p:clrMapOvr>
   <p:timing>
     <p:tnLst>
       <p:par>
-        <p:cTn id="11" dur="indefinite" restart="never" nodeType="tmRoot">
+        <p:cTn id="1" dur="indefinite" restart="never" nodeType="tmRoot">
           <p:childTnLst>
             <p:seq>
-              <p:cTn id="12" nodeType="mainSeq"/>
+              <p:cTn id="2" nodeType="mainSeq"/>
               <p:prevCondLst>
-                <p:cond delay="0" evt="onPrev">
+                <p:cond evt="onPrev" delay="0">
                   <p:tgtEl>
                     <p:sldTgt/>
                   </p:tgtEl>
                 </p:cond>
               </p:prevCondLst>
               <p:nextCondLst>
-                <p:cond delay="0" evt="onNext">
+                <p:cond evt="onNext" delay="0">
                   <p:tgtEl>
                     <p:sldTgt/>
                   </p:tgtEl>
@@ -9066,7 +9562,7 @@
 </file>
 
 <file path=ppt/slides/slide7.xml><?xml version="1.0" encoding="utf-8"?>
-<p:sld xmlns:a="http://schemas.openxmlformats.org/drawingml/2006/main" xmlns:p="http://schemas.openxmlformats.org/presentationml/2006/main" xmlns:r="http://schemas.openxmlformats.org/officeDocument/2006/relationships">
+<p:sld xmlns:a="http://schemas.openxmlformats.org/drawingml/2006/main" xmlns:r="http://schemas.openxmlformats.org/officeDocument/2006/relationships" xmlns:p="http://schemas.openxmlformats.org/presentationml/2006/main">
   <p:cSld>
     <p:spTree>
       <p:nvGrpSpPr>
@@ -9102,16 +9598,17 @@
           </a:ln>
         </p:spPr>
         <p:txBody>
-          <a:bodyPr lIns="0" rIns="0" tIns="0" bIns="0" anchor="ctr"/>
-          <a:p>
-            <a:r>
-              <a:rPr b="1" lang="pt-BR" sz="3000" spc="-1" strike="noStrike">
-                <a:solidFill>
-                  <a:srgbClr val="000000"/>
-                </a:solidFill>
-                <a:uFill>
-                  <a:solidFill>
-                    <a:srgbClr val="ffffff"/>
+          <a:bodyPr lIns="0" tIns="0" rIns="0" bIns="0" anchor="ctr"/>
+          <a:lstStyle/>
+          <a:p>
+            <a:r>
+              <a:rPr lang="pt-BR" sz="3000" b="1" strike="noStrike" spc="-1">
+                <a:solidFill>
+                  <a:srgbClr val="000000"/>
+                </a:solidFill>
+                <a:uFill>
+                  <a:solidFill>
+                    <a:srgbClr val="FFFFFF"/>
                   </a:solidFill>
                 </a:uFill>
                 <a:latin typeface="Century Schoolbook"/>
@@ -9120,13 +9617,13 @@
               <a:t>EXPERIMENTO:  APLICAÇÃO DA FUNÇÃO </a:t>
             </a:r>
             <a:r>
-              <a:rPr b="1" lang="pt-BR" sz="3000" spc="-1" strike="noStrike" u="sng">
-                <a:solidFill>
-                  <a:srgbClr val="000000"/>
-                </a:solidFill>
-                <a:uFill>
-                  <a:solidFill>
-                    <a:srgbClr val="ffffff"/>
+              <a:rPr lang="pt-BR" sz="3000" b="1" u="sng" strike="noStrike" spc="-1">
+                <a:solidFill>
+                  <a:srgbClr val="000000"/>
+                </a:solidFill>
+                <a:uFill>
+                  <a:solidFill>
+                    <a:srgbClr val="FFFFFF"/>
                   </a:solidFill>
                 </a:uFill>
                 <a:latin typeface="Century Schoolbook"/>
@@ -9135,13 +9632,13 @@
               <a:t>silhouette</a:t>
             </a:r>
             <a:r>
-              <a:rPr b="1" lang="pt-BR" sz="3000" spc="-1" strike="noStrike">
-                <a:solidFill>
-                  <a:srgbClr val="000000"/>
-                </a:solidFill>
-                <a:uFill>
-                  <a:solidFill>
-                    <a:srgbClr val="ffffff"/>
+              <a:rPr lang="pt-BR" sz="3000" b="1" strike="noStrike" spc="-1">
+                <a:solidFill>
+                  <a:srgbClr val="000000"/>
+                </a:solidFill>
+                <a:uFill>
+                  <a:solidFill>
+                    <a:srgbClr val="FFFFFF"/>
                   </a:solidFill>
                 </a:uFill>
                 <a:latin typeface="Century Schoolbook"/>
@@ -9149,13 +9646,13 @@
               </a:rPr>
               <a:t> DO MATLAB</a:t>
             </a:r>
-            <a:endParaRPr lang="pt-BR" sz="1979" spc="-1" strike="noStrike">
-              <a:solidFill>
-                <a:srgbClr val="000000"/>
-              </a:solidFill>
-              <a:uFill>
-                <a:solidFill>
-                  <a:srgbClr val="ffffff"/>
+            <a:endParaRPr lang="pt-BR" sz="1979" strike="noStrike" spc="-1">
+              <a:solidFill>
+                <a:srgbClr val="000000"/>
+              </a:solidFill>
+              <a:uFill>
+                <a:solidFill>
+                  <a:srgbClr val="FFFFFF"/>
                 </a:solidFill>
               </a:uFill>
               <a:latin typeface="Arial"/>
@@ -9165,12 +9662,12 @@
       </p:sp>
       <p:pic>
         <p:nvPicPr>
-          <p:cNvPr id="155" name="" descr=""/>
+          <p:cNvPr id="155" name="Imagem 154"/>
           <p:cNvPicPr/>
           <p:nvPr/>
         </p:nvPicPr>
         <p:blipFill>
-          <a:blip r:embed="rId1"/>
+          <a:blip r:embed="rId2" cstate="print"/>
           <a:stretch/>
         </p:blipFill>
         <p:spPr>
@@ -9206,7 +9703,8 @@
           </a:ln>
         </p:spPr>
         <p:txBody>
-          <a:bodyPr lIns="0" rIns="0" tIns="0" bIns="0"/>
+          <a:bodyPr lIns="0" tIns="0" rIns="0" bIns="0"/>
+          <a:lstStyle/>
           <a:p>
             <a:pPr marL="432000" indent="-324000">
               <a:buClr>
@@ -9217,26 +9715,40 @@
               <a:buChar char=""/>
             </a:pPr>
             <a:r>
-              <a:rPr lang="pt-BR" sz="2400" spc="-1" strike="noStrike">
-                <a:solidFill>
-                  <a:srgbClr val="000000"/>
-                </a:solidFill>
-                <a:uFill>
-                  <a:solidFill>
-                    <a:srgbClr val="ffffff"/>
+              <a:rPr lang="pt-BR" sz="2000" strike="noStrike" spc="-1" dirty="0">
+                <a:solidFill>
+                  <a:srgbClr val="000000"/>
+                </a:solidFill>
+                <a:uFill>
+                  <a:solidFill>
+                    <a:srgbClr val="FFFFFF"/>
                   </a:solidFill>
                 </a:uFill>
                 <a:latin typeface="Century Schoolbook L"/>
               </a:rPr>
-              <a:t>O gráfico de SILHOUETTE demonstra o quão bem separados os clusters estão um do outro.</a:t>
-            </a:r>
-            <a:endParaRPr lang="pt-BR" sz="2400" spc="-1" strike="noStrike">
-              <a:solidFill>
-                <a:srgbClr val="000000"/>
-              </a:solidFill>
-              <a:uFill>
-                <a:solidFill>
-                  <a:srgbClr val="ffffff"/>
+              <a:t>O gráfico de SILHOUETTE demonstra o quão bem separados os clusters estão um do outro</a:t>
+            </a:r>
+            <a:r>
+              <a:rPr lang="pt-BR" sz="2000" strike="noStrike" spc="-1" dirty="0" smtClean="0">
+                <a:solidFill>
+                  <a:srgbClr val="000000"/>
+                </a:solidFill>
+                <a:uFill>
+                  <a:solidFill>
+                    <a:srgbClr val="FFFFFF"/>
+                  </a:solidFill>
+                </a:uFill>
+                <a:latin typeface="Century Schoolbook L"/>
+              </a:rPr>
+              <a:t>.</a:t>
+            </a:r>
+            <a:endParaRPr lang="pt-BR" sz="2000" strike="noStrike" spc="-1" dirty="0">
+              <a:solidFill>
+                <a:srgbClr val="000000"/>
+              </a:solidFill>
+              <a:uFill>
+                <a:solidFill>
+                  <a:srgbClr val="FFFFFF"/>
                 </a:solidFill>
               </a:uFill>
               <a:latin typeface="Century Schoolbook L"/>
@@ -9252,26 +9764,40 @@
               <a:buChar char=""/>
             </a:pPr>
             <a:r>
-              <a:rPr lang="pt-BR" sz="2400" spc="-1" strike="noStrike">
-                <a:solidFill>
-                  <a:srgbClr val="000000"/>
-                </a:solidFill>
-                <a:uFill>
-                  <a:solidFill>
-                    <a:srgbClr val="ffffff"/>
+              <a:rPr lang="pt-BR" sz="2000" strike="noStrike" spc="-1" dirty="0">
+                <a:solidFill>
+                  <a:srgbClr val="000000"/>
+                </a:solidFill>
+                <a:uFill>
+                  <a:solidFill>
+                    <a:srgbClr val="FFFFFF"/>
                   </a:solidFill>
                 </a:uFill>
                 <a:latin typeface="Century Schoolbook L"/>
               </a:rPr>
-              <a:t>Ele indica a escala de quão próximo um ponto está em relação a outros clusters adjacentes.</a:t>
-            </a:r>
-            <a:endParaRPr lang="pt-BR" sz="2400" spc="-1" strike="noStrike">
-              <a:solidFill>
-                <a:srgbClr val="000000"/>
-              </a:solidFill>
-              <a:uFill>
-                <a:solidFill>
-                  <a:srgbClr val="ffffff"/>
+              <a:t>Ele indica a escala de quão próximo um ponto está em relação a outros clusters adjacentes</a:t>
+            </a:r>
+            <a:r>
+              <a:rPr lang="pt-BR" sz="2000" strike="noStrike" spc="-1" dirty="0" smtClean="0">
+                <a:solidFill>
+                  <a:srgbClr val="000000"/>
+                </a:solidFill>
+                <a:uFill>
+                  <a:solidFill>
+                    <a:srgbClr val="FFFFFF"/>
+                  </a:solidFill>
+                </a:uFill>
+                <a:latin typeface="Century Schoolbook L"/>
+              </a:rPr>
+              <a:t>.</a:t>
+            </a:r>
+            <a:endParaRPr lang="pt-BR" sz="2000" strike="noStrike" spc="-1" dirty="0">
+              <a:solidFill>
+                <a:srgbClr val="000000"/>
+              </a:solidFill>
+              <a:uFill>
+                <a:solidFill>
+                  <a:srgbClr val="FFFFFF"/>
                 </a:solidFill>
               </a:uFill>
               <a:latin typeface="Century Schoolbook L"/>
@@ -9287,26 +9813,40 @@
               <a:buChar char=""/>
             </a:pPr>
             <a:r>
-              <a:rPr lang="pt-BR" sz="2400" spc="-1" strike="noStrike">
-                <a:solidFill>
-                  <a:srgbClr val="000000"/>
-                </a:solidFill>
-                <a:uFill>
-                  <a:solidFill>
-                    <a:srgbClr val="ffffff"/>
+              <a:rPr lang="pt-BR" sz="2000" strike="noStrike" spc="-1" dirty="0">
+                <a:solidFill>
+                  <a:srgbClr val="000000"/>
+                </a:solidFill>
+                <a:uFill>
+                  <a:solidFill>
+                    <a:srgbClr val="FFFFFF"/>
                   </a:solidFill>
                 </a:uFill>
                 <a:latin typeface="Century Schoolbook L"/>
               </a:rPr>
-              <a:t>Valores próximos de 1: tal ponto está distante de outros clusters.</a:t>
-            </a:r>
-            <a:endParaRPr lang="pt-BR" sz="2400" spc="-1" strike="noStrike">
-              <a:solidFill>
-                <a:srgbClr val="000000"/>
-              </a:solidFill>
-              <a:uFill>
-                <a:solidFill>
-                  <a:srgbClr val="ffffff"/>
+              <a:t>Valores próximos de 1: tal ponto está distante de outros clusters</a:t>
+            </a:r>
+            <a:r>
+              <a:rPr lang="pt-BR" sz="2000" strike="noStrike" spc="-1" dirty="0" smtClean="0">
+                <a:solidFill>
+                  <a:srgbClr val="000000"/>
+                </a:solidFill>
+                <a:uFill>
+                  <a:solidFill>
+                    <a:srgbClr val="FFFFFF"/>
+                  </a:solidFill>
+                </a:uFill>
+                <a:latin typeface="Century Schoolbook L"/>
+              </a:rPr>
+              <a:t>.</a:t>
+            </a:r>
+            <a:endParaRPr lang="pt-BR" sz="2000" strike="noStrike" spc="-1" dirty="0">
+              <a:solidFill>
+                <a:srgbClr val="000000"/>
+              </a:solidFill>
+              <a:uFill>
+                <a:solidFill>
+                  <a:srgbClr val="FFFFFF"/>
                 </a:solidFill>
               </a:uFill>
               <a:latin typeface="Century Schoolbook L"/>
@@ -9322,30 +9862,19 @@
               <a:buChar char=""/>
             </a:pPr>
             <a:r>
-              <a:rPr lang="pt-BR" sz="2400" spc="-1" strike="noStrike">
-                <a:solidFill>
-                  <a:srgbClr val="000000"/>
-                </a:solidFill>
-                <a:uFill>
-                  <a:solidFill>
-                    <a:srgbClr val="ffffff"/>
+              <a:rPr lang="pt-BR" sz="2000" strike="noStrike" spc="-1" dirty="0">
+                <a:solidFill>
+                  <a:srgbClr val="000000"/>
+                </a:solidFill>
+                <a:uFill>
+                  <a:solidFill>
+                    <a:srgbClr val="FFFFFF"/>
                   </a:solidFill>
                 </a:uFill>
                 <a:latin typeface="Century Schoolbook L"/>
               </a:rPr>
               <a:t>Valores próximos de 0: tal ponto não pode ser distinto de um cluster ou de outro.</a:t>
             </a:r>
-            <a:endParaRPr lang="pt-BR" sz="2400" spc="-1" strike="noStrike">
-              <a:solidFill>
-                <a:srgbClr val="000000"/>
-              </a:solidFill>
-              <a:uFill>
-                <a:solidFill>
-                  <a:srgbClr val="ffffff"/>
-                </a:solidFill>
-              </a:uFill>
-              <a:latin typeface="Century Schoolbook L"/>
-            </a:endParaRPr>
           </a:p>
           <a:p>
             <a:pPr marL="432000" indent="-324000">
@@ -9357,51 +9886,71 @@
               <a:buChar char=""/>
             </a:pPr>
             <a:r>
-              <a:rPr lang="pt-BR" sz="2400" spc="-1" strike="noStrike">
-                <a:solidFill>
-                  <a:srgbClr val="000000"/>
-                </a:solidFill>
-                <a:uFill>
-                  <a:solidFill>
-                    <a:srgbClr val="ffffff"/>
+              <a:rPr lang="pt-BR" sz="2000" strike="noStrike" spc="-1" dirty="0">
+                <a:solidFill>
+                  <a:srgbClr val="000000"/>
+                </a:solidFill>
+                <a:uFill>
+                  <a:solidFill>
+                    <a:srgbClr val="FFFFFF"/>
                   </a:solidFill>
                 </a:uFill>
                 <a:latin typeface="Century Schoolbook L"/>
               </a:rPr>
-              <a:t>Valore negativos: tal ponto possivelmente está afiliado a um cluster errado.</a:t>
-            </a:r>
-            <a:endParaRPr lang="pt-BR" sz="2400" spc="-1" strike="noStrike">
-              <a:solidFill>
-                <a:srgbClr val="000000"/>
-              </a:solidFill>
-              <a:uFill>
-                <a:solidFill>
-                  <a:srgbClr val="ffffff"/>
-                </a:solidFill>
-              </a:uFill>
-              <a:latin typeface="Century Schoolbook L"/>
-            </a:endParaRPr>
+              <a:t>Valore negativos: tal </a:t>
+            </a:r>
+            <a:r>
+              <a:rPr lang="pt-BR" sz="2400" strike="noStrike" spc="-1" dirty="0">
+                <a:solidFill>
+                  <a:srgbClr val="000000"/>
+                </a:solidFill>
+                <a:uFill>
+                  <a:solidFill>
+                    <a:srgbClr val="FFFFFF"/>
+                  </a:solidFill>
+                </a:uFill>
+                <a:latin typeface="Century Schoolbook L"/>
+              </a:rPr>
+              <a:t>ponto </a:t>
+            </a:r>
+            <a:r>
+              <a:rPr lang="pt-BR" sz="2000" strike="noStrike" spc="-1" dirty="0">
+                <a:solidFill>
+                  <a:srgbClr val="000000"/>
+                </a:solidFill>
+                <a:uFill>
+                  <a:solidFill>
+                    <a:srgbClr val="FFFFFF"/>
+                  </a:solidFill>
+                </a:uFill>
+                <a:latin typeface="Century Schoolbook L"/>
+              </a:rPr>
+              <a:t>possivelmente está afiliado a um cluster errado.</a:t>
+            </a:r>
           </a:p>
         </p:txBody>
       </p:sp>
     </p:spTree>
   </p:cSld>
+  <p:clrMapOvr>
+    <a:masterClrMapping/>
+  </p:clrMapOvr>
   <p:timing>
     <p:tnLst>
       <p:par>
-        <p:cTn id="13" dur="indefinite" restart="never" nodeType="tmRoot">
+        <p:cTn id="1" dur="indefinite" restart="never" nodeType="tmRoot">
           <p:childTnLst>
             <p:seq>
-              <p:cTn id="14" nodeType="mainSeq"/>
+              <p:cTn id="2" nodeType="mainSeq"/>
               <p:prevCondLst>
-                <p:cond delay="0" evt="onPrev">
+                <p:cond evt="onPrev" delay="0">
                   <p:tgtEl>
                     <p:sldTgt/>
                   </p:tgtEl>
                 </p:cond>
               </p:prevCondLst>
               <p:nextCondLst>
-                <p:cond delay="0" evt="onNext">
+                <p:cond evt="onNext" delay="0">
                   <p:tgtEl>
                     <p:sldTgt/>
                   </p:tgtEl>
@@ -9417,7 +9966,7 @@
 </file>
 
 <file path=ppt/slides/slide8.xml><?xml version="1.0" encoding="utf-8"?>
-<p:sld xmlns:a="http://schemas.openxmlformats.org/drawingml/2006/main" xmlns:p="http://schemas.openxmlformats.org/presentationml/2006/main" xmlns:r="http://schemas.openxmlformats.org/officeDocument/2006/relationships">
+<p:sld xmlns:a="http://schemas.openxmlformats.org/drawingml/2006/main" xmlns:r="http://schemas.openxmlformats.org/officeDocument/2006/relationships" xmlns:p="http://schemas.openxmlformats.org/presentationml/2006/main">
   <p:cSld>
     <p:spTree>
       <p:nvGrpSpPr>
@@ -9453,16 +10002,17 @@
           </a:ln>
         </p:spPr>
         <p:txBody>
-          <a:bodyPr lIns="0" rIns="0" tIns="0" bIns="0" anchor="ctr"/>
-          <a:p>
-            <a:r>
-              <a:rPr b="1" lang="pt-BR" sz="3000" spc="-1" strike="noStrike">
-                <a:solidFill>
-                  <a:srgbClr val="000000"/>
-                </a:solidFill>
-                <a:uFill>
-                  <a:solidFill>
-                    <a:srgbClr val="ffffff"/>
+          <a:bodyPr lIns="0" tIns="0" rIns="0" bIns="0" anchor="ctr"/>
+          <a:lstStyle/>
+          <a:p>
+            <a:r>
+              <a:rPr lang="pt-BR" sz="3000" b="1" strike="noStrike" spc="-1">
+                <a:solidFill>
+                  <a:srgbClr val="000000"/>
+                </a:solidFill>
+                <a:uFill>
+                  <a:solidFill>
+                    <a:srgbClr val="FFFFFF"/>
                   </a:solidFill>
                 </a:uFill>
                 <a:latin typeface="Century Schoolbook"/>
@@ -9470,13 +10020,13 @@
               </a:rPr>
               <a:t>FUNDAMENTAÇÃO:  ALGORITMO K-MEANS → SEGMENTAÇÃO</a:t>
             </a:r>
-            <a:endParaRPr lang="pt-BR" sz="1979" spc="-1" strike="noStrike">
-              <a:solidFill>
-                <a:srgbClr val="000000"/>
-              </a:solidFill>
-              <a:uFill>
-                <a:solidFill>
-                  <a:srgbClr val="ffffff"/>
+            <a:endParaRPr lang="pt-BR" sz="1979" strike="noStrike" spc="-1">
+              <a:solidFill>
+                <a:srgbClr val="000000"/>
+              </a:solidFill>
+              <a:uFill>
+                <a:solidFill>
+                  <a:srgbClr val="FFFFFF"/>
                 </a:solidFill>
               </a:uFill>
               <a:latin typeface="Arial"/>
@@ -9504,7 +10054,8 @@
           </a:ln>
         </p:spPr>
         <p:txBody>
-          <a:bodyPr lIns="0" rIns="0" tIns="0" bIns="0"/>
+          <a:bodyPr lIns="0" tIns="0" rIns="0" bIns="0"/>
+          <a:lstStyle/>
           <a:p>
             <a:pPr marL="432000" indent="-324000">
               <a:buClr>
@@ -9515,58 +10066,75 @@
               <a:buChar char=""/>
             </a:pPr>
             <a:r>
-              <a:rPr lang="pt-BR" sz="2400" spc="-1" strike="noStrike">
-                <a:solidFill>
-                  <a:srgbClr val="000000"/>
-                </a:solidFill>
-                <a:uFill>
-                  <a:solidFill>
-                    <a:srgbClr val="ffffff"/>
+              <a:rPr lang="pt-BR" sz="2400" strike="noStrike" spc="-1" dirty="0">
+                <a:solidFill>
+                  <a:srgbClr val="000000"/>
+                </a:solidFill>
+                <a:uFill>
+                  <a:solidFill>
+                    <a:srgbClr val="FFFFFF"/>
                   </a:solidFill>
                 </a:uFill>
                 <a:latin typeface="Century Schoolbook L"/>
               </a:rPr>
-              <a:t>Utilizado para particionar e agrupar regiões que possuem intensidades de </a:t>
-            </a:r>
-            <a:r>
-              <a:rPr i="1" lang="pt-BR" sz="2400" spc="-1" strike="noStrike">
-                <a:solidFill>
-                  <a:srgbClr val="000000"/>
-                </a:solidFill>
-                <a:uFill>
-                  <a:solidFill>
-                    <a:srgbClr val="ffffff"/>
+              <a:t>Utilizado para </a:t>
+            </a:r>
+            <a:r>
+              <a:rPr lang="pt-BR" sz="2400" strike="noStrike" spc="-1" dirty="0" err="1">
+                <a:solidFill>
+                  <a:srgbClr val="000000"/>
+                </a:solidFill>
+                <a:uFill>
+                  <a:solidFill>
+                    <a:srgbClr val="FFFFFF"/>
                   </a:solidFill>
                 </a:uFill>
                 <a:latin typeface="Century Schoolbook L"/>
               </a:rPr>
+              <a:t>particionar</a:t>
+            </a:r>
+            <a:r>
+              <a:rPr lang="pt-BR" sz="2400" strike="noStrike" spc="-1" dirty="0">
+                <a:solidFill>
+                  <a:srgbClr val="000000"/>
+                </a:solidFill>
+                <a:uFill>
+                  <a:solidFill>
+                    <a:srgbClr val="FFFFFF"/>
+                  </a:solidFill>
+                </a:uFill>
+                <a:latin typeface="Century Schoolbook L"/>
+              </a:rPr>
+              <a:t> e agrupar regiões que possuem intensidades de </a:t>
+            </a:r>
+            <a:r>
+              <a:rPr lang="pt-BR" sz="2400" i="1" strike="noStrike" spc="-1" dirty="0">
+                <a:solidFill>
+                  <a:srgbClr val="000000"/>
+                </a:solidFill>
+                <a:uFill>
+                  <a:solidFill>
+                    <a:srgbClr val="FFFFFF"/>
+                  </a:solidFill>
+                </a:uFill>
+                <a:latin typeface="Century Schoolbook L"/>
+              </a:rPr>
               <a:t>pixels</a:t>
             </a:r>
             <a:r>
-              <a:rPr lang="pt-BR" sz="2400" spc="-1" strike="noStrike">
-                <a:solidFill>
-                  <a:srgbClr val="000000"/>
-                </a:solidFill>
-                <a:uFill>
-                  <a:solidFill>
-                    <a:srgbClr val="ffffff"/>
+              <a:rPr lang="pt-BR" sz="2400" strike="noStrike" spc="-1" dirty="0">
+                <a:solidFill>
+                  <a:srgbClr val="000000"/>
+                </a:solidFill>
+                <a:uFill>
+                  <a:solidFill>
+                    <a:srgbClr val="FFFFFF"/>
                   </a:solidFill>
                 </a:uFill>
                 <a:latin typeface="Century Schoolbook L"/>
               </a:rPr>
               <a:t> semelhantes.</a:t>
             </a:r>
-            <a:endParaRPr lang="pt-BR" sz="2400" spc="-1" strike="noStrike">
-              <a:solidFill>
-                <a:srgbClr val="000000"/>
-              </a:solidFill>
-              <a:uFill>
-                <a:solidFill>
-                  <a:srgbClr val="ffffff"/>
-                </a:solidFill>
-              </a:uFill>
-              <a:latin typeface="Century Schoolbook L"/>
-            </a:endParaRPr>
           </a:p>
           <a:p>
             <a:pPr marL="432000" indent="-324000">
@@ -9577,27 +10145,13 @@
               <a:buFont typeface="Wingdings" charset="2"/>
               <a:buChar char=""/>
             </a:pPr>
-            <a:r>
-              <a:rPr lang="pt-BR" sz="2400" spc="-1" strike="noStrike">
-                <a:solidFill>
-                  <a:srgbClr val="000000"/>
-                </a:solidFill>
-                <a:uFill>
-                  <a:solidFill>
-                    <a:srgbClr val="ffffff"/>
-                  </a:solidFill>
-                </a:uFill>
-                <a:latin typeface="Century Schoolbook L"/>
-              </a:rPr>
-              <a:t> </a:t>
-            </a:r>
-            <a:endParaRPr lang="pt-BR" sz="2400" spc="-1" strike="noStrike">
-              <a:solidFill>
-                <a:srgbClr val="000000"/>
-              </a:solidFill>
-              <a:uFill>
-                <a:solidFill>
-                  <a:srgbClr val="ffffff"/>
+            <a:endParaRPr lang="pt-BR" sz="2400" strike="noStrike" spc="-1" dirty="0">
+              <a:solidFill>
+                <a:srgbClr val="000000"/>
+              </a:solidFill>
+              <a:uFill>
+                <a:solidFill>
+                  <a:srgbClr val="FFFFFF"/>
                 </a:solidFill>
               </a:uFill>
               <a:latin typeface="Century Schoolbook L"/>
@@ -9613,30 +10167,19 @@
               <a:buChar char=""/>
             </a:pPr>
             <a:r>
-              <a:rPr lang="pt-BR" sz="2400" spc="-1" strike="noStrike">
-                <a:solidFill>
-                  <a:srgbClr val="000000"/>
-                </a:solidFill>
-                <a:uFill>
-                  <a:solidFill>
-                    <a:srgbClr val="ffffff"/>
+              <a:rPr lang="pt-BR" sz="2400" strike="noStrike" spc="-1" dirty="0">
+                <a:solidFill>
+                  <a:srgbClr val="000000"/>
+                </a:solidFill>
+                <a:uFill>
+                  <a:solidFill>
+                    <a:srgbClr val="FFFFFF"/>
                   </a:solidFill>
                 </a:uFill>
                 <a:latin typeface="Century Schoolbook L"/>
               </a:rPr>
               <a:t>Possibilidade do uso do algoritmo K-MEANS para compressão de imagem.</a:t>
             </a:r>
-            <a:endParaRPr lang="pt-BR" sz="2400" spc="-1" strike="noStrike">
-              <a:solidFill>
-                <a:srgbClr val="000000"/>
-              </a:solidFill>
-              <a:uFill>
-                <a:solidFill>
-                  <a:srgbClr val="ffffff"/>
-                </a:solidFill>
-              </a:uFill>
-              <a:latin typeface="Century Schoolbook L"/>
-            </a:endParaRPr>
           </a:p>
           <a:p>
             <a:pPr marL="432000" indent="-324000">
@@ -9647,27 +10190,13 @@
               <a:buFont typeface="Wingdings" charset="2"/>
               <a:buChar char=""/>
             </a:pPr>
-            <a:r>
-              <a:rPr lang="pt-BR" sz="2400" spc="-1" strike="noStrike">
-                <a:solidFill>
-                  <a:srgbClr val="000000"/>
-                </a:solidFill>
-                <a:uFill>
-                  <a:solidFill>
-                    <a:srgbClr val="ffffff"/>
-                  </a:solidFill>
-                </a:uFill>
-                <a:latin typeface="Century Schoolbook L"/>
-              </a:rPr>
-              <a:t> </a:t>
-            </a:r>
-            <a:endParaRPr lang="pt-BR" sz="2400" spc="-1" strike="noStrike">
-              <a:solidFill>
-                <a:srgbClr val="000000"/>
-              </a:solidFill>
-              <a:uFill>
-                <a:solidFill>
-                  <a:srgbClr val="ffffff"/>
+            <a:endParaRPr lang="pt-BR" sz="2400" strike="noStrike" spc="-1" dirty="0">
+              <a:solidFill>
+                <a:srgbClr val="000000"/>
+              </a:solidFill>
+              <a:uFill>
+                <a:solidFill>
+                  <a:srgbClr val="FFFFFF"/>
                 </a:solidFill>
               </a:uFill>
               <a:latin typeface="Century Schoolbook L"/>
@@ -9683,51 +10212,43 @@
               <a:buChar char=""/>
             </a:pPr>
             <a:r>
-              <a:rPr lang="pt-BR" sz="2400" spc="-1" strike="noStrike">
-                <a:solidFill>
-                  <a:srgbClr val="000000"/>
-                </a:solidFill>
-                <a:uFill>
-                  <a:solidFill>
-                    <a:srgbClr val="ffffff"/>
+              <a:rPr lang="pt-BR" sz="2400" strike="noStrike" spc="-1" dirty="0">
+                <a:solidFill>
+                  <a:srgbClr val="000000"/>
+                </a:solidFill>
+                <a:uFill>
+                  <a:solidFill>
+                    <a:srgbClr val="FFFFFF"/>
                   </a:solidFill>
                 </a:uFill>
                 <a:latin typeface="Century Schoolbook L"/>
               </a:rPr>
               <a:t>Ajuda na obtenção de formas bem definidas em uma imagem.</a:t>
             </a:r>
-            <a:endParaRPr lang="pt-BR" sz="2400" spc="-1" strike="noStrike">
-              <a:solidFill>
-                <a:srgbClr val="000000"/>
-              </a:solidFill>
-              <a:uFill>
-                <a:solidFill>
-                  <a:srgbClr val="ffffff"/>
-                </a:solidFill>
-              </a:uFill>
-              <a:latin typeface="Century Schoolbook L"/>
-            </a:endParaRPr>
           </a:p>
         </p:txBody>
       </p:sp>
     </p:spTree>
   </p:cSld>
+  <p:clrMapOvr>
+    <a:masterClrMapping/>
+  </p:clrMapOvr>
   <p:timing>
     <p:tnLst>
       <p:par>
-        <p:cTn id="15" dur="indefinite" restart="never" nodeType="tmRoot">
+        <p:cTn id="1" dur="indefinite" restart="never" nodeType="tmRoot">
           <p:childTnLst>
             <p:seq>
-              <p:cTn id="16" nodeType="mainSeq"/>
+              <p:cTn id="2" nodeType="mainSeq"/>
               <p:prevCondLst>
-                <p:cond delay="0" evt="onPrev">
+                <p:cond evt="onPrev" delay="0">
                   <p:tgtEl>
                     <p:sldTgt/>
                   </p:tgtEl>
                 </p:cond>
               </p:prevCondLst>
               <p:nextCondLst>
-                <p:cond delay="0" evt="onNext">
+                <p:cond evt="onNext" delay="0">
                   <p:tgtEl>
                     <p:sldTgt/>
                   </p:tgtEl>
@@ -9743,7 +10264,7 @@
 </file>
 
 <file path=ppt/slides/slide9.xml><?xml version="1.0" encoding="utf-8"?>
-<p:sld xmlns:a="http://schemas.openxmlformats.org/drawingml/2006/main" xmlns:p="http://schemas.openxmlformats.org/presentationml/2006/main" xmlns:r="http://schemas.openxmlformats.org/officeDocument/2006/relationships">
+<p:sld xmlns:a="http://schemas.openxmlformats.org/drawingml/2006/main" xmlns:r="http://schemas.openxmlformats.org/officeDocument/2006/relationships" xmlns:p="http://schemas.openxmlformats.org/presentationml/2006/main">
   <p:cSld>
     <p:spTree>
       <p:nvGrpSpPr>
@@ -9779,16 +10300,17 @@
           </a:ln>
         </p:spPr>
         <p:txBody>
-          <a:bodyPr lIns="0" rIns="0" tIns="0" bIns="0" anchor="ctr"/>
-          <a:p>
-            <a:r>
-              <a:rPr b="1" lang="pt-BR" sz="3000" spc="-1" strike="noStrike">
-                <a:solidFill>
-                  <a:srgbClr val="000000"/>
-                </a:solidFill>
-                <a:uFill>
-                  <a:solidFill>
-                    <a:srgbClr val="ffffff"/>
+          <a:bodyPr lIns="0" tIns="0" rIns="0" bIns="0" anchor="ctr"/>
+          <a:lstStyle/>
+          <a:p>
+            <a:r>
+              <a:rPr lang="pt-BR" sz="3000" b="1" strike="noStrike" spc="-1">
+                <a:solidFill>
+                  <a:srgbClr val="000000"/>
+                </a:solidFill>
+                <a:uFill>
+                  <a:solidFill>
+                    <a:srgbClr val="FFFFFF"/>
                   </a:solidFill>
                 </a:uFill>
                 <a:latin typeface="Century Schoolbook"/>
@@ -9796,13 +10318,13 @@
               </a:rPr>
               <a:t>EXPERIMENTO:  SEGMENTAÇÃO COM K = 3 → Autor: HERRERA</a:t>
             </a:r>
-            <a:endParaRPr lang="pt-BR" sz="1979" spc="-1" strike="noStrike">
-              <a:solidFill>
-                <a:srgbClr val="000000"/>
-              </a:solidFill>
-              <a:uFill>
-                <a:solidFill>
-                  <a:srgbClr val="ffffff"/>
+            <a:endParaRPr lang="pt-BR" sz="1979" strike="noStrike" spc="-1">
+              <a:solidFill>
+                <a:srgbClr val="000000"/>
+              </a:solidFill>
+              <a:uFill>
+                <a:solidFill>
+                  <a:srgbClr val="FFFFFF"/>
                 </a:solidFill>
               </a:uFill>
               <a:latin typeface="Arial"/>
@@ -9812,12 +10334,12 @@
       </p:sp>
       <p:pic>
         <p:nvPicPr>
-          <p:cNvPr id="160" name="" descr=""/>
+          <p:cNvPr id="160" name="Imagem 159"/>
           <p:cNvPicPr/>
           <p:nvPr/>
         </p:nvPicPr>
         <p:blipFill>
-          <a:blip r:embed="rId1"/>
+          <a:blip r:embed="rId2" cstate="print"/>
           <a:stretch/>
         </p:blipFill>
         <p:spPr>
@@ -9835,12 +10357,12 @@
       </p:pic>
       <p:pic>
         <p:nvPicPr>
-          <p:cNvPr id="161" name="" descr=""/>
+          <p:cNvPr id="161" name="Imagem 160"/>
           <p:cNvPicPr/>
           <p:nvPr/>
         </p:nvPicPr>
         <p:blipFill>
-          <a:blip r:embed="rId2"/>
+          <a:blip r:embed="rId3" cstate="print"/>
           <a:stretch/>
         </p:blipFill>
         <p:spPr>
@@ -9858,22 +10380,25 @@
       </p:pic>
     </p:spTree>
   </p:cSld>
+  <p:clrMapOvr>
+    <a:masterClrMapping/>
+  </p:clrMapOvr>
   <p:timing>
     <p:tnLst>
       <p:par>
-        <p:cTn id="17" dur="indefinite" restart="never" nodeType="tmRoot">
+        <p:cTn id="1" dur="indefinite" restart="never" nodeType="tmRoot">
           <p:childTnLst>
             <p:seq>
-              <p:cTn id="18" nodeType="mainSeq"/>
+              <p:cTn id="2" nodeType="mainSeq"/>
               <p:prevCondLst>
-                <p:cond delay="0" evt="onPrev">
+                <p:cond evt="onPrev" delay="0">
                   <p:tgtEl>
                     <p:sldTgt/>
                   </p:tgtEl>
                 </p:cond>
               </p:prevCondLst>
               <p:nextCondLst>
-                <p:cond delay="0" evt="onNext">
+                <p:cond evt="onNext" delay="0">
                   <p:tgtEl>
                     <p:sldTgt/>
                   </p:tgtEl>
@@ -10108,6 +10633,8 @@
       </a:bgFillStyleLst>
     </a:fmtScheme>
   </a:themeElements>
+  <a:objectDefaults/>
+  <a:extraClrSchemeLst/>
 </a:theme>
 </file>
 
@@ -10331,6 +10858,8 @@
       </a:bgFillStyleLst>
     </a:fmtScheme>
   </a:themeElements>
+  <a:objectDefaults/>
+  <a:extraClrSchemeLst/>
 </a:theme>
 </file>
 
@@ -10554,5 +11083,7 @@
       </a:bgFillStyleLst>
     </a:fmtScheme>
   </a:themeElements>
+  <a:objectDefaults/>
+  <a:extraClrSchemeLst/>
 </a:theme>
 </file>